--- a/Git.pptx
+++ b/Git.pptx
@@ -1,43 +1,43 @@
 
 <file path=ppt/presentation.xml><?xml version="1.0" encoding="utf-8"?>
-<p:presentation xmlns:a="http://schemas.openxmlformats.org/drawingml/2006/main" xmlns:r="http://schemas.openxmlformats.org/officeDocument/2006/relationships" xmlns:mc="http://schemas.openxmlformats.org/markup-compatibility/2006" xmlns:mv="urn:schemas-microsoft-com:mac:vml" xmlns:p="http://schemas.openxmlformats.org/presentationml/2006/main" xmlns:c="http://schemas.openxmlformats.org/drawingml/2006/chart" xmlns:dgm="http://schemas.openxmlformats.org/drawingml/2006/diagram" xmlns:o="urn:schemas-microsoft-com:office:office" xmlns:v="urn:schemas-microsoft-com:vml" xmlns:pvml="urn:schemas-microsoft-com:office:powerpoint" xmlns:com="http://schemas.openxmlformats.org/drawingml/2006/compatibility" xmlns:p14="http://schemas.microsoft.com/office/powerpoint/2010/main" xmlns:p15="http://schemas.microsoft.com/office/powerpoint/2012/main" autoCompressPictures="0" embedTrueTypeFonts="1" strictFirstAndLastChars="0" saveSubsetFonts="1">
+<p:presentation xmlns:a="http://schemas.openxmlformats.org/drawingml/2006/main" xmlns:r="http://schemas.openxmlformats.org/officeDocument/2006/relationships" xmlns:p="http://schemas.openxmlformats.org/presentationml/2006/main" strictFirstAndLastChars="0" embedTrueTypeFonts="1" saveSubsetFonts="1" autoCompressPictures="0">
   <p:sldMasterIdLst>
-    <p:sldMasterId id="2147483659" r:id="rId4"/>
+    <p:sldMasterId id="2147483659" r:id="rId1"/>
   </p:sldMasterIdLst>
   <p:notesMasterIdLst>
-    <p:notesMasterId r:id="rId5"/>
+    <p:notesMasterId r:id="rId11"/>
   </p:notesMasterIdLst>
   <p:sldIdLst>
-    <p:sldId id="256" r:id="rId6"/>
-    <p:sldId id="257" r:id="rId7"/>
-    <p:sldId id="258" r:id="rId8"/>
-    <p:sldId id="259" r:id="rId9"/>
-    <p:sldId id="260" r:id="rId10"/>
-    <p:sldId id="261" r:id="rId11"/>
-    <p:sldId id="262" r:id="rId12"/>
-    <p:sldId id="263" r:id="rId13"/>
-    <p:sldId id="264" r:id="rId14"/>
+    <p:sldId id="256" r:id="rId2"/>
+    <p:sldId id="257" r:id="rId3"/>
+    <p:sldId id="258" r:id="rId4"/>
+    <p:sldId id="259" r:id="rId5"/>
+    <p:sldId id="260" r:id="rId6"/>
+    <p:sldId id="261" r:id="rId7"/>
+    <p:sldId id="262" r:id="rId8"/>
+    <p:sldId id="263" r:id="rId9"/>
+    <p:sldId id="264" r:id="rId10"/>
   </p:sldIdLst>
-  <p:sldSz cy="5143500" cx="9144000"/>
+  <p:sldSz cx="9144000" cy="5143500" type="screen16x9"/>
   <p:notesSz cx="6858000" cy="9144000"/>
   <p:embeddedFontLst>
     <p:embeddedFont>
-      <p:font typeface="Montserrat"/>
-      <p:regular r:id="rId15"/>
-      <p:bold r:id="rId16"/>
-      <p:italic r:id="rId17"/>
-      <p:boldItalic r:id="rId18"/>
+      <p:font typeface="Lato" panose="020B0604020202020204" charset="0"/>
+      <p:regular r:id="rId12"/>
+      <p:bold r:id="rId13"/>
+      <p:italic r:id="rId14"/>
+      <p:boldItalic r:id="rId15"/>
     </p:embeddedFont>
     <p:embeddedFont>
-      <p:font typeface="Lato"/>
-      <p:regular r:id="rId19"/>
-      <p:bold r:id="rId20"/>
-      <p:italic r:id="rId21"/>
-      <p:boldItalic r:id="rId22"/>
+      <p:font typeface="Montserrat" panose="020B0604020202020204" charset="0"/>
+      <p:regular r:id="rId16"/>
+      <p:bold r:id="rId17"/>
+      <p:italic r:id="rId18"/>
+      <p:boldItalic r:id="rId19"/>
     </p:embeddedFont>
   </p:embeddedFontLst>
   <p:defaultTextStyle>
-    <a:defPPr lvl="0" marR="0" rtl="0" algn="l">
+    <a:defPPr marR="0" lvl="0" algn="l" rtl="0">
       <a:lnSpc>
         <a:spcPct val="100000"/>
       </a:lnSpc>
@@ -48,7 +48,7 @@
         <a:spcPts val="0"/>
       </a:spcAft>
     </a:defPPr>
-    <a:lvl1pPr lvl="0" marR="0" rtl="0" algn="l">
+    <a:lvl1pPr marR="0" lvl="0" algn="l" rtl="0">
       <a:lnSpc>
         <a:spcPct val="100000"/>
       </a:lnSpc>
@@ -62,7 +62,7 @@
         <a:srgbClr val="000000"/>
       </a:buClr>
       <a:buFont typeface="Arial"/>
-      <a:defRPr b="0" i="0" sz="1400" u="none" cap="none" strike="noStrike">
+      <a:defRPr sz="1400" b="0" i="0" u="none" strike="noStrike" cap="none">
         <a:solidFill>
           <a:srgbClr val="000000"/>
         </a:solidFill>
@@ -72,7 +72,7 @@
         <a:sym typeface="Arial"/>
       </a:defRPr>
     </a:lvl1pPr>
-    <a:lvl2pPr lvl="1" marR="0" rtl="0" algn="l">
+    <a:lvl2pPr marR="0" lvl="1" algn="l" rtl="0">
       <a:lnSpc>
         <a:spcPct val="100000"/>
       </a:lnSpc>
@@ -86,7 +86,7 @@
         <a:srgbClr val="000000"/>
       </a:buClr>
       <a:buFont typeface="Arial"/>
-      <a:defRPr b="0" i="0" sz="1400" u="none" cap="none" strike="noStrike">
+      <a:defRPr sz="1400" b="0" i="0" u="none" strike="noStrike" cap="none">
         <a:solidFill>
           <a:srgbClr val="000000"/>
         </a:solidFill>
@@ -96,7 +96,7 @@
         <a:sym typeface="Arial"/>
       </a:defRPr>
     </a:lvl2pPr>
-    <a:lvl3pPr lvl="2" marR="0" rtl="0" algn="l">
+    <a:lvl3pPr marR="0" lvl="2" algn="l" rtl="0">
       <a:lnSpc>
         <a:spcPct val="100000"/>
       </a:lnSpc>
@@ -110,7 +110,7 @@
         <a:srgbClr val="000000"/>
       </a:buClr>
       <a:buFont typeface="Arial"/>
-      <a:defRPr b="0" i="0" sz="1400" u="none" cap="none" strike="noStrike">
+      <a:defRPr sz="1400" b="0" i="0" u="none" strike="noStrike" cap="none">
         <a:solidFill>
           <a:srgbClr val="000000"/>
         </a:solidFill>
@@ -120,7 +120,7 @@
         <a:sym typeface="Arial"/>
       </a:defRPr>
     </a:lvl3pPr>
-    <a:lvl4pPr lvl="3" marR="0" rtl="0" algn="l">
+    <a:lvl4pPr marR="0" lvl="3" algn="l" rtl="0">
       <a:lnSpc>
         <a:spcPct val="100000"/>
       </a:lnSpc>
@@ -134,7 +134,7 @@
         <a:srgbClr val="000000"/>
       </a:buClr>
       <a:buFont typeface="Arial"/>
-      <a:defRPr b="0" i="0" sz="1400" u="none" cap="none" strike="noStrike">
+      <a:defRPr sz="1400" b="0" i="0" u="none" strike="noStrike" cap="none">
         <a:solidFill>
           <a:srgbClr val="000000"/>
         </a:solidFill>
@@ -144,7 +144,7 @@
         <a:sym typeface="Arial"/>
       </a:defRPr>
     </a:lvl4pPr>
-    <a:lvl5pPr lvl="4" marR="0" rtl="0" algn="l">
+    <a:lvl5pPr marR="0" lvl="4" algn="l" rtl="0">
       <a:lnSpc>
         <a:spcPct val="100000"/>
       </a:lnSpc>
@@ -158,7 +158,7 @@
         <a:srgbClr val="000000"/>
       </a:buClr>
       <a:buFont typeface="Arial"/>
-      <a:defRPr b="0" i="0" sz="1400" u="none" cap="none" strike="noStrike">
+      <a:defRPr sz="1400" b="0" i="0" u="none" strike="noStrike" cap="none">
         <a:solidFill>
           <a:srgbClr val="000000"/>
         </a:solidFill>
@@ -168,7 +168,7 @@
         <a:sym typeface="Arial"/>
       </a:defRPr>
     </a:lvl5pPr>
-    <a:lvl6pPr lvl="5" marR="0" rtl="0" algn="l">
+    <a:lvl6pPr marR="0" lvl="5" algn="l" rtl="0">
       <a:lnSpc>
         <a:spcPct val="100000"/>
       </a:lnSpc>
@@ -182,7 +182,7 @@
         <a:srgbClr val="000000"/>
       </a:buClr>
       <a:buFont typeface="Arial"/>
-      <a:defRPr b="0" i="0" sz="1400" u="none" cap="none" strike="noStrike">
+      <a:defRPr sz="1400" b="0" i="0" u="none" strike="noStrike" cap="none">
         <a:solidFill>
           <a:srgbClr val="000000"/>
         </a:solidFill>
@@ -192,7 +192,7 @@
         <a:sym typeface="Arial"/>
       </a:defRPr>
     </a:lvl6pPr>
-    <a:lvl7pPr lvl="6" marR="0" rtl="0" algn="l">
+    <a:lvl7pPr marR="0" lvl="6" algn="l" rtl="0">
       <a:lnSpc>
         <a:spcPct val="100000"/>
       </a:lnSpc>
@@ -206,7 +206,7 @@
         <a:srgbClr val="000000"/>
       </a:buClr>
       <a:buFont typeface="Arial"/>
-      <a:defRPr b="0" i="0" sz="1400" u="none" cap="none" strike="noStrike">
+      <a:defRPr sz="1400" b="0" i="0" u="none" strike="noStrike" cap="none">
         <a:solidFill>
           <a:srgbClr val="000000"/>
         </a:solidFill>
@@ -216,7 +216,7 @@
         <a:sym typeface="Arial"/>
       </a:defRPr>
     </a:lvl7pPr>
-    <a:lvl8pPr lvl="7" marR="0" rtl="0" algn="l">
+    <a:lvl8pPr marR="0" lvl="7" algn="l" rtl="0">
       <a:lnSpc>
         <a:spcPct val="100000"/>
       </a:lnSpc>
@@ -230,7 +230,7 @@
         <a:srgbClr val="000000"/>
       </a:buClr>
       <a:buFont typeface="Arial"/>
-      <a:defRPr b="0" i="0" sz="1400" u="none" cap="none" strike="noStrike">
+      <a:defRPr sz="1400" b="0" i="0" u="none" strike="noStrike" cap="none">
         <a:solidFill>
           <a:srgbClr val="000000"/>
         </a:solidFill>
@@ -240,7 +240,7 @@
         <a:sym typeface="Arial"/>
       </a:defRPr>
     </a:lvl8pPr>
-    <a:lvl9pPr lvl="8" marR="0" rtl="0" algn="l">
+    <a:lvl9pPr marR="0" lvl="8" algn="l" rtl="0">
       <a:lnSpc>
         <a:spcPct val="100000"/>
       </a:lnSpc>
@@ -254,7 +254,7 @@
         <a:srgbClr val="000000"/>
       </a:buClr>
       <a:buFont typeface="Arial"/>
-      <a:defRPr b="0" i="0" sz="1400" u="none" cap="none" strike="noStrike">
+      <a:defRPr sz="1400" b="0" i="0" u="none" strike="noStrike" cap="none">
         <a:solidFill>
           <a:srgbClr val="000000"/>
         </a:solidFill>
@@ -267,7 +267,7 @@
   </p:defaultTextStyle>
   <p:extLst>
     <p:ext uri="{EFAFB233-063F-42B5-8137-9DF3F51BA10A}">
-      <p15:sldGuideLst>
+      <p15:sldGuideLst xmlns:p15="http://schemas.microsoft.com/office/powerpoint/2012/main">
         <p15:guide id="1" orient="horz" pos="1620">
           <p15:clr>
             <a:srgbClr val="A4A3A4"/>
@@ -285,11 +285,16 @@
 </file>
 
 <file path=ppt/notesMasters/notesMaster1.xml><?xml version="1.0" encoding="utf-8"?>
-<p:notesMaster xmlns:a="http://schemas.openxmlformats.org/drawingml/2006/main" xmlns:r="http://schemas.openxmlformats.org/officeDocument/2006/relationships" xmlns:mc="http://schemas.openxmlformats.org/markup-compatibility/2006" xmlns:mv="urn:schemas-microsoft-com:mac:vml" xmlns:p="http://schemas.openxmlformats.org/presentationml/2006/main" xmlns:c="http://schemas.openxmlformats.org/drawingml/2006/chart" xmlns:dgm="http://schemas.openxmlformats.org/drawingml/2006/diagram" xmlns:o="urn:schemas-microsoft-com:office:office" xmlns:v="urn:schemas-microsoft-com:vml" xmlns:pvml="urn:schemas-microsoft-com:office:powerpoint" xmlns:com="http://schemas.openxmlformats.org/drawingml/2006/compatibility" xmlns:p14="http://schemas.microsoft.com/office/powerpoint/2010/main" xmlns:p15="http://schemas.microsoft.com/office/powerpoint/2012/main">
+<p:notesMaster xmlns:a="http://schemas.openxmlformats.org/drawingml/2006/main" xmlns:r="http://schemas.openxmlformats.org/officeDocument/2006/relationships" xmlns:p="http://schemas.openxmlformats.org/presentationml/2006/main">
   <p:cSld>
+    <p:bg>
+      <p:bgRef idx="1001">
+        <a:schemeClr val="bg1"/>
+      </p:bgRef>
+    </p:bg>
     <p:spTree>
       <p:nvGrpSpPr>
-        <p:cNvPr id="2" name="Shape 2"/>
+        <p:cNvPr id="1" name="Shape 2"/>
         <p:cNvGrpSpPr/>
         <p:nvPr/>
       </p:nvGrpSpPr>
@@ -304,9 +309,11 @@
       <p:sp>
         <p:nvSpPr>
           <p:cNvPr id="3" name="Shape 3"/>
-          <p:cNvSpPr/>
+          <p:cNvSpPr>
+            <a:spLocks noGrp="1" noRot="1" noChangeAspect="1"/>
+          </p:cNvSpPr>
           <p:nvPr>
-            <p:ph idx="2" type="sldImg"/>
+            <p:ph type="sldImg" idx="2"/>
           </p:nvPr>
         </p:nvSpPr>
         <p:spPr>
@@ -315,8 +322,13 @@
             <a:ext cx="6096075" cy="3429000"/>
           </a:xfrm>
           <a:custGeom>
+            <a:avLst/>
+            <a:gdLst/>
+            <a:ahLst/>
+            <a:cxnLst/>
+            <a:rect l="0" t="0" r="0" b="0"/>
             <a:pathLst>
-              <a:path extrusionOk="0" h="120000" w="120000">
+              <a:path w="120000" h="120000" extrusionOk="0">
                 <a:moveTo>
                   <a:pt x="0" y="0"/>
                 </a:moveTo>
@@ -334,23 +346,25 @@
             </a:pathLst>
           </a:custGeom>
           <a:noFill/>
-          <a:ln cap="flat" cmpd="sng" w="9525">
+          <a:ln w="9525" cap="flat" cmpd="sng">
             <a:solidFill>
               <a:srgbClr val="000000"/>
             </a:solidFill>
             <a:prstDash val="solid"/>
             <a:round/>
-            <a:headEnd len="sm" w="sm" type="none"/>
-            <a:tailEnd len="sm" w="sm" type="none"/>
+            <a:headEnd type="none" w="sm" len="sm"/>
+            <a:tailEnd type="none" w="sm" len="sm"/>
           </a:ln>
         </p:spPr>
       </p:sp>
       <p:sp>
         <p:nvSpPr>
           <p:cNvPr id="4" name="Shape 4"/>
-          <p:cNvSpPr txBox="1"/>
+          <p:cNvSpPr txBox="1">
+            <a:spLocks noGrp="1"/>
+          </p:cNvSpPr>
           <p:nvPr>
-            <p:ph idx="1" type="body"/>
+            <p:ph type="body" idx="1"/>
           </p:nvPr>
         </p:nvSpPr>
         <p:spPr>
@@ -367,9 +381,9 @@
           </a:ln>
         </p:spPr>
         <p:txBody>
-          <a:bodyPr anchorCtr="0" anchor="t" bIns="91425" lIns="91425" spcFirstLastPara="1" rIns="91425" wrap="square" tIns="91425"/>
+          <a:bodyPr spcFirstLastPara="1" wrap="square" lIns="91425" tIns="91425" rIns="91425" bIns="91425" anchor="t" anchorCtr="0"/>
           <a:lstStyle>
-            <a:lvl1pPr indent="-298450" lvl="0" marL="457200">
+            <a:lvl1pPr marL="457200" lvl="0" indent="-298450">
               <a:spcBef>
                 <a:spcPts val="0"/>
               </a:spcBef>
@@ -380,7 +394,7 @@
               <a:buChar char="●"/>
               <a:defRPr sz="1100"/>
             </a:lvl1pPr>
-            <a:lvl2pPr indent="-298450" lvl="1" marL="914400">
+            <a:lvl2pPr marL="914400" lvl="1" indent="-298450">
               <a:spcBef>
                 <a:spcPts val="0"/>
               </a:spcBef>
@@ -391,7 +405,7 @@
               <a:buChar char="○"/>
               <a:defRPr sz="1100"/>
             </a:lvl2pPr>
-            <a:lvl3pPr indent="-298450" lvl="2" marL="1371600">
+            <a:lvl3pPr marL="1371600" lvl="2" indent="-298450">
               <a:spcBef>
                 <a:spcPts val="0"/>
               </a:spcBef>
@@ -402,7 +416,7 @@
               <a:buChar char="■"/>
               <a:defRPr sz="1100"/>
             </a:lvl3pPr>
-            <a:lvl4pPr indent="-298450" lvl="3" marL="1828800">
+            <a:lvl4pPr marL="1828800" lvl="3" indent="-298450">
               <a:spcBef>
                 <a:spcPts val="0"/>
               </a:spcBef>
@@ -413,7 +427,7 @@
               <a:buChar char="●"/>
               <a:defRPr sz="1100"/>
             </a:lvl4pPr>
-            <a:lvl5pPr indent="-298450" lvl="4" marL="2286000">
+            <a:lvl5pPr marL="2286000" lvl="4" indent="-298450">
               <a:spcBef>
                 <a:spcPts val="0"/>
               </a:spcBef>
@@ -424,7 +438,7 @@
               <a:buChar char="○"/>
               <a:defRPr sz="1100"/>
             </a:lvl5pPr>
-            <a:lvl6pPr indent="-298450" lvl="5" marL="2743200">
+            <a:lvl6pPr marL="2743200" lvl="5" indent="-298450">
               <a:spcBef>
                 <a:spcPts val="0"/>
               </a:spcBef>
@@ -435,7 +449,7 @@
               <a:buChar char="■"/>
               <a:defRPr sz="1100"/>
             </a:lvl6pPr>
-            <a:lvl7pPr indent="-298450" lvl="6" marL="3200400">
+            <a:lvl7pPr marL="3200400" lvl="6" indent="-298450">
               <a:spcBef>
                 <a:spcPts val="0"/>
               </a:spcBef>
@@ -446,7 +460,7 @@
               <a:buChar char="●"/>
               <a:defRPr sz="1100"/>
             </a:lvl7pPr>
-            <a:lvl8pPr indent="-298450" lvl="7" marL="3657600">
+            <a:lvl8pPr marL="3657600" lvl="7" indent="-298450">
               <a:spcBef>
                 <a:spcPts val="0"/>
               </a:spcBef>
@@ -457,7 +471,7 @@
               <a:buChar char="○"/>
               <a:defRPr sz="1100"/>
             </a:lvl8pPr>
-            <a:lvl9pPr indent="-298450" lvl="8" marL="4114800">
+            <a:lvl9pPr marL="4114800" lvl="8" indent="-298450">
               <a:spcBef>
                 <a:spcPts val="0"/>
               </a:spcBef>
@@ -469,14 +483,16 @@
               <a:defRPr sz="1100"/>
             </a:lvl9pPr>
           </a:lstStyle>
-          <a:p/>
+          <a:p>
+            <a:endParaRPr/>
+          </a:p>
         </p:txBody>
       </p:sp>
     </p:spTree>
   </p:cSld>
-  <p:clrMap accent1="accent1" accent2="accent2" accent3="accent3" accent4="accent4" accent5="accent5" accent6="accent6" bg1="lt1" bg2="dk2" tx1="dk1" tx2="lt2" folHlink="folHlink" hlink="hlink"/>
+  <p:clrMap bg1="lt1" tx1="dk1" bg2="dk2" tx2="lt2" accent1="accent1" accent2="accent2" accent3="accent3" accent4="accent4" accent5="accent5" accent6="accent6" hlink="hlink" folHlink="folHlink"/>
   <p:notesStyle>
-    <a:defPPr lvl="0" marR="0" rtl="0" algn="l">
+    <a:defPPr marR="0" lvl="0" algn="l" rtl="0">
       <a:lnSpc>
         <a:spcPct val="100000"/>
       </a:lnSpc>
@@ -487,7 +503,7 @@
         <a:spcPts val="0"/>
       </a:spcAft>
     </a:defPPr>
-    <a:lvl1pPr lvl="0" marR="0" rtl="0" algn="l">
+    <a:lvl1pPr marR="0" lvl="0" algn="l" rtl="0">
       <a:lnSpc>
         <a:spcPct val="100000"/>
       </a:lnSpc>
@@ -501,7 +517,7 @@
         <a:srgbClr val="000000"/>
       </a:buClr>
       <a:buFont typeface="Arial"/>
-      <a:defRPr b="0" i="0" sz="1400" u="none" cap="none" strike="noStrike">
+      <a:defRPr sz="1400" b="0" i="0" u="none" strike="noStrike" cap="none">
         <a:solidFill>
           <a:srgbClr val="000000"/>
         </a:solidFill>
@@ -511,7 +527,7 @@
         <a:sym typeface="Arial"/>
       </a:defRPr>
     </a:lvl1pPr>
-    <a:lvl2pPr lvl="1" marR="0" rtl="0" algn="l">
+    <a:lvl2pPr marR="0" lvl="1" algn="l" rtl="0">
       <a:lnSpc>
         <a:spcPct val="100000"/>
       </a:lnSpc>
@@ -525,7 +541,7 @@
         <a:srgbClr val="000000"/>
       </a:buClr>
       <a:buFont typeface="Arial"/>
-      <a:defRPr b="0" i="0" sz="1400" u="none" cap="none" strike="noStrike">
+      <a:defRPr sz="1400" b="0" i="0" u="none" strike="noStrike" cap="none">
         <a:solidFill>
           <a:srgbClr val="000000"/>
         </a:solidFill>
@@ -535,7 +551,7 @@
         <a:sym typeface="Arial"/>
       </a:defRPr>
     </a:lvl2pPr>
-    <a:lvl3pPr lvl="2" marR="0" rtl="0" algn="l">
+    <a:lvl3pPr marR="0" lvl="2" algn="l" rtl="0">
       <a:lnSpc>
         <a:spcPct val="100000"/>
       </a:lnSpc>
@@ -549,7 +565,7 @@
         <a:srgbClr val="000000"/>
       </a:buClr>
       <a:buFont typeface="Arial"/>
-      <a:defRPr b="0" i="0" sz="1400" u="none" cap="none" strike="noStrike">
+      <a:defRPr sz="1400" b="0" i="0" u="none" strike="noStrike" cap="none">
         <a:solidFill>
           <a:srgbClr val="000000"/>
         </a:solidFill>
@@ -559,7 +575,7 @@
         <a:sym typeface="Arial"/>
       </a:defRPr>
     </a:lvl3pPr>
-    <a:lvl4pPr lvl="3" marR="0" rtl="0" algn="l">
+    <a:lvl4pPr marR="0" lvl="3" algn="l" rtl="0">
       <a:lnSpc>
         <a:spcPct val="100000"/>
       </a:lnSpc>
@@ -573,7 +589,7 @@
         <a:srgbClr val="000000"/>
       </a:buClr>
       <a:buFont typeface="Arial"/>
-      <a:defRPr b="0" i="0" sz="1400" u="none" cap="none" strike="noStrike">
+      <a:defRPr sz="1400" b="0" i="0" u="none" strike="noStrike" cap="none">
         <a:solidFill>
           <a:srgbClr val="000000"/>
         </a:solidFill>
@@ -583,7 +599,7 @@
         <a:sym typeface="Arial"/>
       </a:defRPr>
     </a:lvl4pPr>
-    <a:lvl5pPr lvl="4" marR="0" rtl="0" algn="l">
+    <a:lvl5pPr marR="0" lvl="4" algn="l" rtl="0">
       <a:lnSpc>
         <a:spcPct val="100000"/>
       </a:lnSpc>
@@ -597,7 +613,7 @@
         <a:srgbClr val="000000"/>
       </a:buClr>
       <a:buFont typeface="Arial"/>
-      <a:defRPr b="0" i="0" sz="1400" u="none" cap="none" strike="noStrike">
+      <a:defRPr sz="1400" b="0" i="0" u="none" strike="noStrike" cap="none">
         <a:solidFill>
           <a:srgbClr val="000000"/>
         </a:solidFill>
@@ -607,7 +623,7 @@
         <a:sym typeface="Arial"/>
       </a:defRPr>
     </a:lvl5pPr>
-    <a:lvl6pPr lvl="5" marR="0" rtl="0" algn="l">
+    <a:lvl6pPr marR="0" lvl="5" algn="l" rtl="0">
       <a:lnSpc>
         <a:spcPct val="100000"/>
       </a:lnSpc>
@@ -621,7 +637,7 @@
         <a:srgbClr val="000000"/>
       </a:buClr>
       <a:buFont typeface="Arial"/>
-      <a:defRPr b="0" i="0" sz="1400" u="none" cap="none" strike="noStrike">
+      <a:defRPr sz="1400" b="0" i="0" u="none" strike="noStrike" cap="none">
         <a:solidFill>
           <a:srgbClr val="000000"/>
         </a:solidFill>
@@ -631,7 +647,7 @@
         <a:sym typeface="Arial"/>
       </a:defRPr>
     </a:lvl6pPr>
-    <a:lvl7pPr lvl="6" marR="0" rtl="0" algn="l">
+    <a:lvl7pPr marR="0" lvl="6" algn="l" rtl="0">
       <a:lnSpc>
         <a:spcPct val="100000"/>
       </a:lnSpc>
@@ -645,7 +661,7 @@
         <a:srgbClr val="000000"/>
       </a:buClr>
       <a:buFont typeface="Arial"/>
-      <a:defRPr b="0" i="0" sz="1400" u="none" cap="none" strike="noStrike">
+      <a:defRPr sz="1400" b="0" i="0" u="none" strike="noStrike" cap="none">
         <a:solidFill>
           <a:srgbClr val="000000"/>
         </a:solidFill>
@@ -655,7 +671,7 @@
         <a:sym typeface="Arial"/>
       </a:defRPr>
     </a:lvl7pPr>
-    <a:lvl8pPr lvl="7" marR="0" rtl="0" algn="l">
+    <a:lvl8pPr marR="0" lvl="7" algn="l" rtl="0">
       <a:lnSpc>
         <a:spcPct val="100000"/>
       </a:lnSpc>
@@ -669,7 +685,7 @@
         <a:srgbClr val="000000"/>
       </a:buClr>
       <a:buFont typeface="Arial"/>
-      <a:defRPr b="0" i="0" sz="1400" u="none" cap="none" strike="noStrike">
+      <a:defRPr sz="1400" b="0" i="0" u="none" strike="noStrike" cap="none">
         <a:solidFill>
           <a:srgbClr val="000000"/>
         </a:solidFill>
@@ -679,7 +695,7 @@
         <a:sym typeface="Arial"/>
       </a:defRPr>
     </a:lvl8pPr>
-    <a:lvl9pPr lvl="8" marR="0" rtl="0" algn="l">
+    <a:lvl9pPr marR="0" lvl="8" algn="l" rtl="0">
       <a:lnSpc>
         <a:spcPct val="100000"/>
       </a:lnSpc>
@@ -693,7 +709,7 @@
         <a:srgbClr val="000000"/>
       </a:buClr>
       <a:buFont typeface="Arial"/>
-      <a:defRPr b="0" i="0" sz="1400" u="none" cap="none" strike="noStrike">
+      <a:defRPr sz="1400" b="0" i="0" u="none" strike="noStrike" cap="none">
         <a:solidFill>
           <a:srgbClr val="000000"/>
         </a:solidFill>
@@ -708,11 +724,11 @@
 </file>
 
 <file path=ppt/notesSlides/notesSlide1.xml><?xml version="1.0" encoding="utf-8"?>
-<p:notes xmlns:a="http://schemas.openxmlformats.org/drawingml/2006/main" xmlns:r="http://schemas.openxmlformats.org/officeDocument/2006/relationships" xmlns:mc="http://schemas.openxmlformats.org/markup-compatibility/2006" xmlns:mv="urn:schemas-microsoft-com:mac:vml" xmlns:p="http://schemas.openxmlformats.org/presentationml/2006/main" xmlns:c="http://schemas.openxmlformats.org/drawingml/2006/chart" xmlns:dgm="http://schemas.openxmlformats.org/drawingml/2006/diagram" xmlns:o="urn:schemas-microsoft-com:office:office" xmlns:v="urn:schemas-microsoft-com:vml" xmlns:pvml="urn:schemas-microsoft-com:office:powerpoint" xmlns:com="http://schemas.openxmlformats.org/drawingml/2006/compatibility" xmlns:p14="http://schemas.microsoft.com/office/powerpoint/2010/main" xmlns:p15="http://schemas.microsoft.com/office/powerpoint/2012/main" showMasterPhAnim="0" showMasterSp="0">
+<p:notes xmlns:a="http://schemas.openxmlformats.org/drawingml/2006/main" xmlns:r="http://schemas.openxmlformats.org/officeDocument/2006/relationships" xmlns:p="http://schemas.openxmlformats.org/presentationml/2006/main" showMasterSp="0" showMasterPhAnim="0">
   <p:cSld>
     <p:spTree>
       <p:nvGrpSpPr>
-        <p:cNvPr id="130" name="Shape 130"/>
+        <p:cNvPr id="1" name="Shape 130"/>
         <p:cNvGrpSpPr/>
         <p:nvPr/>
       </p:nvGrpSpPr>
@@ -727,19 +743,26 @@
       <p:sp>
         <p:nvSpPr>
           <p:cNvPr id="131" name="Shape 131"/>
-          <p:cNvSpPr/>
+          <p:cNvSpPr>
+            <a:spLocks noGrp="1" noRot="1" noChangeAspect="1"/>
+          </p:cNvSpPr>
           <p:nvPr>
-            <p:ph idx="2" type="sldImg"/>
+            <p:ph type="sldImg" idx="2"/>
           </p:nvPr>
         </p:nvSpPr>
         <p:spPr>
           <a:xfrm>
-            <a:off x="381300" y="685800"/>
-            <a:ext cx="6096075" cy="3429000"/>
+            <a:off x="381000" y="685800"/>
+            <a:ext cx="6096000" cy="3429000"/>
           </a:xfrm>
           <a:custGeom>
+            <a:avLst/>
+            <a:gdLst/>
+            <a:ahLst/>
+            <a:cxnLst/>
+            <a:rect l="0" t="0" r="0" b="0"/>
             <a:pathLst>
-              <a:path extrusionOk="0" h="120000" w="120000">
+              <a:path w="120000" h="120000" extrusionOk="0">
                 <a:moveTo>
                   <a:pt x="0" y="0"/>
                 </a:moveTo>
@@ -761,9 +784,11 @@
       <p:sp>
         <p:nvSpPr>
           <p:cNvPr id="132" name="Shape 132"/>
-          <p:cNvSpPr txBox="1"/>
+          <p:cNvSpPr txBox="1">
+            <a:spLocks noGrp="1"/>
+          </p:cNvSpPr>
           <p:nvPr>
-            <p:ph idx="1" type="body"/>
+            <p:ph type="body" idx="1"/>
           </p:nvPr>
         </p:nvSpPr>
         <p:spPr>
@@ -776,12 +801,12 @@
           </a:prstGeom>
         </p:spPr>
         <p:txBody>
-          <a:bodyPr anchorCtr="0" anchor="t" bIns="91425" lIns="91425" spcFirstLastPara="1" rIns="91425" wrap="square" tIns="91425">
+          <a:bodyPr spcFirstLastPara="1" wrap="square" lIns="91425" tIns="91425" rIns="91425" bIns="91425" anchor="t" anchorCtr="0">
             <a:noAutofit/>
           </a:bodyPr>
           <a:lstStyle/>
           <a:p>
-            <a:pPr indent="0" lvl="0" marL="0">
+            <a:pPr marL="0" lvl="0" indent="0">
               <a:spcBef>
                 <a:spcPts val="0"/>
               </a:spcBef>
@@ -790,9 +815,6 @@
               </a:spcAft>
               <a:buNone/>
             </a:pPr>
-            <a:r>
-              <a:t/>
-            </a:r>
             <a:endParaRPr/>
           </a:p>
         </p:txBody>
@@ -806,11 +828,11 @@
 </file>
 
 <file path=ppt/notesSlides/notesSlide2.xml><?xml version="1.0" encoding="utf-8"?>
-<p:notes xmlns:a="http://schemas.openxmlformats.org/drawingml/2006/main" xmlns:r="http://schemas.openxmlformats.org/officeDocument/2006/relationships" xmlns:mc="http://schemas.openxmlformats.org/markup-compatibility/2006" xmlns:mv="urn:schemas-microsoft-com:mac:vml" xmlns:p="http://schemas.openxmlformats.org/presentationml/2006/main" xmlns:c="http://schemas.openxmlformats.org/drawingml/2006/chart" xmlns:dgm="http://schemas.openxmlformats.org/drawingml/2006/diagram" xmlns:o="urn:schemas-microsoft-com:office:office" xmlns:v="urn:schemas-microsoft-com:vml" xmlns:pvml="urn:schemas-microsoft-com:office:powerpoint" xmlns:com="http://schemas.openxmlformats.org/drawingml/2006/compatibility" xmlns:p14="http://schemas.microsoft.com/office/powerpoint/2010/main" xmlns:p15="http://schemas.microsoft.com/office/powerpoint/2012/main" showMasterPhAnim="0" showMasterSp="0">
+<p:notes xmlns:a="http://schemas.openxmlformats.org/drawingml/2006/main" xmlns:r="http://schemas.openxmlformats.org/officeDocument/2006/relationships" xmlns:p="http://schemas.openxmlformats.org/presentationml/2006/main" showMasterSp="0" showMasterPhAnim="0">
   <p:cSld>
     <p:spTree>
       <p:nvGrpSpPr>
-        <p:cNvPr id="137" name="Shape 137"/>
+        <p:cNvPr id="1" name="Shape 137"/>
         <p:cNvGrpSpPr/>
         <p:nvPr/>
       </p:nvGrpSpPr>
@@ -825,9 +847,11 @@
       <p:sp>
         <p:nvSpPr>
           <p:cNvPr id="138" name="Shape 138"/>
-          <p:cNvSpPr/>
+          <p:cNvSpPr>
+            <a:spLocks noGrp="1" noRot="1" noChangeAspect="1"/>
+          </p:cNvSpPr>
           <p:nvPr>
-            <p:ph idx="2" type="sldImg"/>
+            <p:ph type="sldImg" idx="2"/>
           </p:nvPr>
         </p:nvSpPr>
         <p:spPr>
@@ -836,8 +860,13 @@
             <a:ext cx="6096000" cy="3429000"/>
           </a:xfrm>
           <a:custGeom>
+            <a:avLst/>
+            <a:gdLst/>
+            <a:ahLst/>
+            <a:cxnLst/>
+            <a:rect l="0" t="0" r="0" b="0"/>
             <a:pathLst>
-              <a:path extrusionOk="0" h="120000" w="120000">
+              <a:path w="120000" h="120000" extrusionOk="0">
                 <a:moveTo>
                   <a:pt x="0" y="0"/>
                 </a:moveTo>
@@ -859,9 +888,11 @@
       <p:sp>
         <p:nvSpPr>
           <p:cNvPr id="139" name="Shape 139"/>
-          <p:cNvSpPr txBox="1"/>
+          <p:cNvSpPr txBox="1">
+            <a:spLocks noGrp="1"/>
+          </p:cNvSpPr>
           <p:nvPr>
-            <p:ph idx="1" type="body"/>
+            <p:ph type="body" idx="1"/>
           </p:nvPr>
         </p:nvSpPr>
         <p:spPr>
@@ -874,12 +905,12 @@
           </a:prstGeom>
         </p:spPr>
         <p:txBody>
-          <a:bodyPr anchorCtr="0" anchor="t" bIns="91425" lIns="91425" spcFirstLastPara="1" rIns="91425" wrap="square" tIns="91425">
+          <a:bodyPr spcFirstLastPara="1" wrap="square" lIns="91425" tIns="91425" rIns="91425" bIns="91425" anchor="t" anchorCtr="0">
             <a:noAutofit/>
           </a:bodyPr>
           <a:lstStyle/>
           <a:p>
-            <a:pPr indent="0" lvl="0" marL="0">
+            <a:pPr marL="0" lvl="0" indent="0">
               <a:spcBef>
                 <a:spcPts val="0"/>
               </a:spcBef>
@@ -888,9 +919,6 @@
               </a:spcAft>
               <a:buNone/>
             </a:pPr>
-            <a:r>
-              <a:t/>
-            </a:r>
             <a:endParaRPr/>
           </a:p>
         </p:txBody>
@@ -904,11 +932,11 @@
 </file>
 
 <file path=ppt/notesSlides/notesSlide3.xml><?xml version="1.0" encoding="utf-8"?>
-<p:notes xmlns:a="http://schemas.openxmlformats.org/drawingml/2006/main" xmlns:r="http://schemas.openxmlformats.org/officeDocument/2006/relationships" xmlns:mc="http://schemas.openxmlformats.org/markup-compatibility/2006" xmlns:mv="urn:schemas-microsoft-com:mac:vml" xmlns:p="http://schemas.openxmlformats.org/presentationml/2006/main" xmlns:c="http://schemas.openxmlformats.org/drawingml/2006/chart" xmlns:dgm="http://schemas.openxmlformats.org/drawingml/2006/diagram" xmlns:o="urn:schemas-microsoft-com:office:office" xmlns:v="urn:schemas-microsoft-com:vml" xmlns:pvml="urn:schemas-microsoft-com:office:powerpoint" xmlns:com="http://schemas.openxmlformats.org/drawingml/2006/compatibility" xmlns:p14="http://schemas.microsoft.com/office/powerpoint/2010/main" xmlns:p15="http://schemas.microsoft.com/office/powerpoint/2012/main" showMasterPhAnim="0" showMasterSp="0">
+<p:notes xmlns:a="http://schemas.openxmlformats.org/drawingml/2006/main" xmlns:r="http://schemas.openxmlformats.org/officeDocument/2006/relationships" xmlns:p="http://schemas.openxmlformats.org/presentationml/2006/main" showMasterSp="0" showMasterPhAnim="0">
   <p:cSld>
     <p:spTree>
       <p:nvGrpSpPr>
-        <p:cNvPr id="145" name="Shape 145"/>
+        <p:cNvPr id="1" name="Shape 145"/>
         <p:cNvGrpSpPr/>
         <p:nvPr/>
       </p:nvGrpSpPr>
@@ -923,9 +951,11 @@
       <p:sp>
         <p:nvSpPr>
           <p:cNvPr id="146" name="Shape 146"/>
-          <p:cNvSpPr/>
+          <p:cNvSpPr>
+            <a:spLocks noGrp="1" noRot="1" noChangeAspect="1"/>
+          </p:cNvSpPr>
           <p:nvPr>
-            <p:ph idx="2" type="sldImg"/>
+            <p:ph type="sldImg" idx="2"/>
           </p:nvPr>
         </p:nvSpPr>
         <p:spPr>
@@ -934,8 +964,13 @@
             <a:ext cx="6096000" cy="3429000"/>
           </a:xfrm>
           <a:custGeom>
+            <a:avLst/>
+            <a:gdLst/>
+            <a:ahLst/>
+            <a:cxnLst/>
+            <a:rect l="0" t="0" r="0" b="0"/>
             <a:pathLst>
-              <a:path extrusionOk="0" h="120000" w="120000">
+              <a:path w="120000" h="120000" extrusionOk="0">
                 <a:moveTo>
                   <a:pt x="0" y="0"/>
                 </a:moveTo>
@@ -957,9 +992,11 @@
       <p:sp>
         <p:nvSpPr>
           <p:cNvPr id="147" name="Shape 147"/>
-          <p:cNvSpPr txBox="1"/>
+          <p:cNvSpPr txBox="1">
+            <a:spLocks noGrp="1"/>
+          </p:cNvSpPr>
           <p:nvPr>
-            <p:ph idx="1" type="body"/>
+            <p:ph type="body" idx="1"/>
           </p:nvPr>
         </p:nvSpPr>
         <p:spPr>
@@ -972,12 +1009,12 @@
           </a:prstGeom>
         </p:spPr>
         <p:txBody>
-          <a:bodyPr anchorCtr="0" anchor="t" bIns="91425" lIns="91425" spcFirstLastPara="1" rIns="91425" wrap="square" tIns="91425">
+          <a:bodyPr spcFirstLastPara="1" wrap="square" lIns="91425" tIns="91425" rIns="91425" bIns="91425" anchor="t" anchorCtr="0">
             <a:noAutofit/>
           </a:bodyPr>
           <a:lstStyle/>
           <a:p>
-            <a:pPr indent="0" lvl="0" marL="0">
+            <a:pPr marL="0" lvl="0" indent="0">
               <a:spcBef>
                 <a:spcPts val="0"/>
               </a:spcBef>
@@ -986,9 +1023,6 @@
               </a:spcAft>
               <a:buNone/>
             </a:pPr>
-            <a:r>
-              <a:t/>
-            </a:r>
             <a:endParaRPr/>
           </a:p>
         </p:txBody>
@@ -1002,11 +1036,11 @@
 </file>
 
 <file path=ppt/notesSlides/notesSlide4.xml><?xml version="1.0" encoding="utf-8"?>
-<p:notes xmlns:a="http://schemas.openxmlformats.org/drawingml/2006/main" xmlns:r="http://schemas.openxmlformats.org/officeDocument/2006/relationships" xmlns:mc="http://schemas.openxmlformats.org/markup-compatibility/2006" xmlns:mv="urn:schemas-microsoft-com:mac:vml" xmlns:p="http://schemas.openxmlformats.org/presentationml/2006/main" xmlns:c="http://schemas.openxmlformats.org/drawingml/2006/chart" xmlns:dgm="http://schemas.openxmlformats.org/drawingml/2006/diagram" xmlns:o="urn:schemas-microsoft-com:office:office" xmlns:v="urn:schemas-microsoft-com:vml" xmlns:pvml="urn:schemas-microsoft-com:office:powerpoint" xmlns:com="http://schemas.openxmlformats.org/drawingml/2006/compatibility" xmlns:p14="http://schemas.microsoft.com/office/powerpoint/2010/main" xmlns:p15="http://schemas.microsoft.com/office/powerpoint/2012/main" showMasterPhAnim="0" showMasterSp="0">
+<p:notes xmlns:a="http://schemas.openxmlformats.org/drawingml/2006/main" xmlns:r="http://schemas.openxmlformats.org/officeDocument/2006/relationships" xmlns:p="http://schemas.openxmlformats.org/presentationml/2006/main" showMasterSp="0" showMasterPhAnim="0">
   <p:cSld>
     <p:spTree>
       <p:nvGrpSpPr>
-        <p:cNvPr id="153" name="Shape 153"/>
+        <p:cNvPr id="1" name="Shape 153"/>
         <p:cNvGrpSpPr/>
         <p:nvPr/>
       </p:nvGrpSpPr>
@@ -1021,9 +1055,11 @@
       <p:sp>
         <p:nvSpPr>
           <p:cNvPr id="154" name="Shape 154"/>
-          <p:cNvSpPr/>
+          <p:cNvSpPr>
+            <a:spLocks noGrp="1" noRot="1" noChangeAspect="1"/>
+          </p:cNvSpPr>
           <p:nvPr>
-            <p:ph idx="2" type="sldImg"/>
+            <p:ph type="sldImg" idx="2"/>
           </p:nvPr>
         </p:nvSpPr>
         <p:spPr>
@@ -1032,8 +1068,13 @@
             <a:ext cx="6096000" cy="3429000"/>
           </a:xfrm>
           <a:custGeom>
+            <a:avLst/>
+            <a:gdLst/>
+            <a:ahLst/>
+            <a:cxnLst/>
+            <a:rect l="0" t="0" r="0" b="0"/>
             <a:pathLst>
-              <a:path extrusionOk="0" h="120000" w="120000">
+              <a:path w="120000" h="120000" extrusionOk="0">
                 <a:moveTo>
                   <a:pt x="0" y="0"/>
                 </a:moveTo>
@@ -1055,9 +1096,11 @@
       <p:sp>
         <p:nvSpPr>
           <p:cNvPr id="155" name="Shape 155"/>
-          <p:cNvSpPr txBox="1"/>
+          <p:cNvSpPr txBox="1">
+            <a:spLocks noGrp="1"/>
+          </p:cNvSpPr>
           <p:nvPr>
-            <p:ph idx="1" type="body"/>
+            <p:ph type="body" idx="1"/>
           </p:nvPr>
         </p:nvSpPr>
         <p:spPr>
@@ -1070,12 +1113,12 @@
           </a:prstGeom>
         </p:spPr>
         <p:txBody>
-          <a:bodyPr anchorCtr="0" anchor="t" bIns="91425" lIns="91425" spcFirstLastPara="1" rIns="91425" wrap="square" tIns="91425">
+          <a:bodyPr spcFirstLastPara="1" wrap="square" lIns="91425" tIns="91425" rIns="91425" bIns="91425" anchor="t" anchorCtr="0">
             <a:noAutofit/>
           </a:bodyPr>
           <a:lstStyle/>
           <a:p>
-            <a:pPr indent="0" lvl="0" marL="0">
+            <a:pPr marL="0" lvl="0" indent="0">
               <a:spcBef>
                 <a:spcPts val="0"/>
               </a:spcBef>
@@ -1084,9 +1127,6 @@
               </a:spcAft>
               <a:buNone/>
             </a:pPr>
-            <a:r>
-              <a:t/>
-            </a:r>
             <a:endParaRPr/>
           </a:p>
         </p:txBody>
@@ -1100,11 +1140,11 @@
 </file>
 
 <file path=ppt/notesSlides/notesSlide5.xml><?xml version="1.0" encoding="utf-8"?>
-<p:notes xmlns:a="http://schemas.openxmlformats.org/drawingml/2006/main" xmlns:r="http://schemas.openxmlformats.org/officeDocument/2006/relationships" xmlns:mc="http://schemas.openxmlformats.org/markup-compatibility/2006" xmlns:mv="urn:schemas-microsoft-com:mac:vml" xmlns:p="http://schemas.openxmlformats.org/presentationml/2006/main" xmlns:c="http://schemas.openxmlformats.org/drawingml/2006/chart" xmlns:dgm="http://schemas.openxmlformats.org/drawingml/2006/diagram" xmlns:o="urn:schemas-microsoft-com:office:office" xmlns:v="urn:schemas-microsoft-com:vml" xmlns:pvml="urn:schemas-microsoft-com:office:powerpoint" xmlns:com="http://schemas.openxmlformats.org/drawingml/2006/compatibility" xmlns:p14="http://schemas.microsoft.com/office/powerpoint/2010/main" xmlns:p15="http://schemas.microsoft.com/office/powerpoint/2012/main" showMasterPhAnim="0" showMasterSp="0">
+<p:notes xmlns:a="http://schemas.openxmlformats.org/drawingml/2006/main" xmlns:r="http://schemas.openxmlformats.org/officeDocument/2006/relationships" xmlns:p="http://schemas.openxmlformats.org/presentationml/2006/main" showMasterSp="0" showMasterPhAnim="0">
   <p:cSld>
     <p:spTree>
       <p:nvGrpSpPr>
-        <p:cNvPr id="159" name="Shape 159"/>
+        <p:cNvPr id="1" name="Shape 159"/>
         <p:cNvGrpSpPr/>
         <p:nvPr/>
       </p:nvGrpSpPr>
@@ -1119,9 +1159,11 @@
       <p:sp>
         <p:nvSpPr>
           <p:cNvPr id="160" name="Shape 160"/>
-          <p:cNvSpPr/>
+          <p:cNvSpPr>
+            <a:spLocks noGrp="1" noRot="1" noChangeAspect="1"/>
+          </p:cNvSpPr>
           <p:nvPr>
-            <p:ph idx="2" type="sldImg"/>
+            <p:ph type="sldImg" idx="2"/>
           </p:nvPr>
         </p:nvSpPr>
         <p:spPr>
@@ -1130,8 +1172,13 @@
             <a:ext cx="6096000" cy="3429000"/>
           </a:xfrm>
           <a:custGeom>
+            <a:avLst/>
+            <a:gdLst/>
+            <a:ahLst/>
+            <a:cxnLst/>
+            <a:rect l="0" t="0" r="0" b="0"/>
             <a:pathLst>
-              <a:path extrusionOk="0" h="120000" w="120000">
+              <a:path w="120000" h="120000" extrusionOk="0">
                 <a:moveTo>
                   <a:pt x="0" y="0"/>
                 </a:moveTo>
@@ -1153,9 +1200,11 @@
       <p:sp>
         <p:nvSpPr>
           <p:cNvPr id="161" name="Shape 161"/>
-          <p:cNvSpPr txBox="1"/>
+          <p:cNvSpPr txBox="1">
+            <a:spLocks noGrp="1"/>
+          </p:cNvSpPr>
           <p:nvPr>
-            <p:ph idx="1" type="body"/>
+            <p:ph type="body" idx="1"/>
           </p:nvPr>
         </p:nvSpPr>
         <p:spPr>
@@ -1168,12 +1217,12 @@
           </a:prstGeom>
         </p:spPr>
         <p:txBody>
-          <a:bodyPr anchorCtr="0" anchor="t" bIns="91425" lIns="91425" spcFirstLastPara="1" rIns="91425" wrap="square" tIns="91425">
+          <a:bodyPr spcFirstLastPara="1" wrap="square" lIns="91425" tIns="91425" rIns="91425" bIns="91425" anchor="t" anchorCtr="0">
             <a:noAutofit/>
           </a:bodyPr>
           <a:lstStyle/>
           <a:p>
-            <a:pPr indent="0" lvl="0" marL="0">
+            <a:pPr marL="0" lvl="0" indent="0">
               <a:spcBef>
                 <a:spcPts val="0"/>
               </a:spcBef>
@@ -1182,9 +1231,6 @@
               </a:spcAft>
               <a:buNone/>
             </a:pPr>
-            <a:r>
-              <a:t/>
-            </a:r>
             <a:endParaRPr/>
           </a:p>
         </p:txBody>
@@ -1198,11 +1244,11 @@
 </file>
 
 <file path=ppt/notesSlides/notesSlide6.xml><?xml version="1.0" encoding="utf-8"?>
-<p:notes xmlns:a="http://schemas.openxmlformats.org/drawingml/2006/main" xmlns:r="http://schemas.openxmlformats.org/officeDocument/2006/relationships" xmlns:mc="http://schemas.openxmlformats.org/markup-compatibility/2006" xmlns:mv="urn:schemas-microsoft-com:mac:vml" xmlns:p="http://schemas.openxmlformats.org/presentationml/2006/main" xmlns:c="http://schemas.openxmlformats.org/drawingml/2006/chart" xmlns:dgm="http://schemas.openxmlformats.org/drawingml/2006/diagram" xmlns:o="urn:schemas-microsoft-com:office:office" xmlns:v="urn:schemas-microsoft-com:vml" xmlns:pvml="urn:schemas-microsoft-com:office:powerpoint" xmlns:com="http://schemas.openxmlformats.org/drawingml/2006/compatibility" xmlns:p14="http://schemas.microsoft.com/office/powerpoint/2010/main" xmlns:p15="http://schemas.microsoft.com/office/powerpoint/2012/main" showMasterPhAnim="0" showMasterSp="0">
+<p:notes xmlns:a="http://schemas.openxmlformats.org/drawingml/2006/main" xmlns:r="http://schemas.openxmlformats.org/officeDocument/2006/relationships" xmlns:p="http://schemas.openxmlformats.org/presentationml/2006/main" showMasterSp="0" showMasterPhAnim="0">
   <p:cSld>
     <p:spTree>
       <p:nvGrpSpPr>
-        <p:cNvPr id="165" name="Shape 165"/>
+        <p:cNvPr id="1" name="Shape 165"/>
         <p:cNvGrpSpPr/>
         <p:nvPr/>
       </p:nvGrpSpPr>
@@ -1217,9 +1263,11 @@
       <p:sp>
         <p:nvSpPr>
           <p:cNvPr id="166" name="Shape 166"/>
-          <p:cNvSpPr/>
+          <p:cNvSpPr>
+            <a:spLocks noGrp="1" noRot="1" noChangeAspect="1"/>
+          </p:cNvSpPr>
           <p:nvPr>
-            <p:ph idx="2" type="sldImg"/>
+            <p:ph type="sldImg" idx="2"/>
           </p:nvPr>
         </p:nvSpPr>
         <p:spPr>
@@ -1228,8 +1276,13 @@
             <a:ext cx="6096000" cy="3429000"/>
           </a:xfrm>
           <a:custGeom>
+            <a:avLst/>
+            <a:gdLst/>
+            <a:ahLst/>
+            <a:cxnLst/>
+            <a:rect l="0" t="0" r="0" b="0"/>
             <a:pathLst>
-              <a:path extrusionOk="0" h="120000" w="120000">
+              <a:path w="120000" h="120000" extrusionOk="0">
                 <a:moveTo>
                   <a:pt x="0" y="0"/>
                 </a:moveTo>
@@ -1251,9 +1304,11 @@
       <p:sp>
         <p:nvSpPr>
           <p:cNvPr id="167" name="Shape 167"/>
-          <p:cNvSpPr txBox="1"/>
+          <p:cNvSpPr txBox="1">
+            <a:spLocks noGrp="1"/>
+          </p:cNvSpPr>
           <p:nvPr>
-            <p:ph idx="1" type="body"/>
+            <p:ph type="body" idx="1"/>
           </p:nvPr>
         </p:nvSpPr>
         <p:spPr>
@@ -1266,12 +1321,12 @@
           </a:prstGeom>
         </p:spPr>
         <p:txBody>
-          <a:bodyPr anchorCtr="0" anchor="t" bIns="91425" lIns="91425" spcFirstLastPara="1" rIns="91425" wrap="square" tIns="91425">
+          <a:bodyPr spcFirstLastPara="1" wrap="square" lIns="91425" tIns="91425" rIns="91425" bIns="91425" anchor="t" anchorCtr="0">
             <a:noAutofit/>
           </a:bodyPr>
           <a:lstStyle/>
           <a:p>
-            <a:pPr indent="0" lvl="0" marL="0">
+            <a:pPr marL="0" lvl="0" indent="0">
               <a:spcBef>
                 <a:spcPts val="0"/>
               </a:spcBef>
@@ -1280,9 +1335,6 @@
               </a:spcAft>
               <a:buNone/>
             </a:pPr>
-            <a:r>
-              <a:t/>
-            </a:r>
             <a:endParaRPr/>
           </a:p>
         </p:txBody>
@@ -1296,11 +1348,11 @@
 </file>
 
 <file path=ppt/notesSlides/notesSlide7.xml><?xml version="1.0" encoding="utf-8"?>
-<p:notes xmlns:a="http://schemas.openxmlformats.org/drawingml/2006/main" xmlns:r="http://schemas.openxmlformats.org/officeDocument/2006/relationships" xmlns:mc="http://schemas.openxmlformats.org/markup-compatibility/2006" xmlns:mv="urn:schemas-microsoft-com:mac:vml" xmlns:p="http://schemas.openxmlformats.org/presentationml/2006/main" xmlns:c="http://schemas.openxmlformats.org/drawingml/2006/chart" xmlns:dgm="http://schemas.openxmlformats.org/drawingml/2006/diagram" xmlns:o="urn:schemas-microsoft-com:office:office" xmlns:v="urn:schemas-microsoft-com:vml" xmlns:pvml="urn:schemas-microsoft-com:office:powerpoint" xmlns:com="http://schemas.openxmlformats.org/drawingml/2006/compatibility" xmlns:p14="http://schemas.microsoft.com/office/powerpoint/2010/main" xmlns:p15="http://schemas.microsoft.com/office/powerpoint/2012/main" showMasterPhAnim="0" showMasterSp="0">
+<p:notes xmlns:a="http://schemas.openxmlformats.org/drawingml/2006/main" xmlns:r="http://schemas.openxmlformats.org/officeDocument/2006/relationships" xmlns:p="http://schemas.openxmlformats.org/presentationml/2006/main" showMasterSp="0" showMasterPhAnim="0">
   <p:cSld>
     <p:spTree>
       <p:nvGrpSpPr>
-        <p:cNvPr id="171" name="Shape 171"/>
+        <p:cNvPr id="1" name="Shape 171"/>
         <p:cNvGrpSpPr/>
         <p:nvPr/>
       </p:nvGrpSpPr>
@@ -1315,9 +1367,11 @@
       <p:sp>
         <p:nvSpPr>
           <p:cNvPr id="172" name="Shape 172"/>
-          <p:cNvSpPr/>
+          <p:cNvSpPr>
+            <a:spLocks noGrp="1" noRot="1" noChangeAspect="1"/>
+          </p:cNvSpPr>
           <p:nvPr>
-            <p:ph idx="2" type="sldImg"/>
+            <p:ph type="sldImg" idx="2"/>
           </p:nvPr>
         </p:nvSpPr>
         <p:spPr>
@@ -1326,8 +1380,13 @@
             <a:ext cx="6096000" cy="3429000"/>
           </a:xfrm>
           <a:custGeom>
+            <a:avLst/>
+            <a:gdLst/>
+            <a:ahLst/>
+            <a:cxnLst/>
+            <a:rect l="0" t="0" r="0" b="0"/>
             <a:pathLst>
-              <a:path extrusionOk="0" h="120000" w="120000">
+              <a:path w="120000" h="120000" extrusionOk="0">
                 <a:moveTo>
                   <a:pt x="0" y="0"/>
                 </a:moveTo>
@@ -1349,9 +1408,11 @@
       <p:sp>
         <p:nvSpPr>
           <p:cNvPr id="173" name="Shape 173"/>
-          <p:cNvSpPr txBox="1"/>
+          <p:cNvSpPr txBox="1">
+            <a:spLocks noGrp="1"/>
+          </p:cNvSpPr>
           <p:nvPr>
-            <p:ph idx="1" type="body"/>
+            <p:ph type="body" idx="1"/>
           </p:nvPr>
         </p:nvSpPr>
         <p:spPr>
@@ -1364,12 +1425,12 @@
           </a:prstGeom>
         </p:spPr>
         <p:txBody>
-          <a:bodyPr anchorCtr="0" anchor="t" bIns="91425" lIns="91425" spcFirstLastPara="1" rIns="91425" wrap="square" tIns="91425">
+          <a:bodyPr spcFirstLastPara="1" wrap="square" lIns="91425" tIns="91425" rIns="91425" bIns="91425" anchor="t" anchorCtr="0">
             <a:noAutofit/>
           </a:bodyPr>
           <a:lstStyle/>
           <a:p>
-            <a:pPr indent="0" lvl="0" marL="0">
+            <a:pPr marL="0" lvl="0" indent="0">
               <a:spcBef>
                 <a:spcPts val="0"/>
               </a:spcBef>
@@ -1378,9 +1439,6 @@
               </a:spcAft>
               <a:buNone/>
             </a:pPr>
-            <a:r>
-              <a:t/>
-            </a:r>
             <a:endParaRPr/>
           </a:p>
         </p:txBody>
@@ -1394,11 +1452,11 @@
 </file>
 
 <file path=ppt/notesSlides/notesSlide8.xml><?xml version="1.0" encoding="utf-8"?>
-<p:notes xmlns:a="http://schemas.openxmlformats.org/drawingml/2006/main" xmlns:r="http://schemas.openxmlformats.org/officeDocument/2006/relationships" xmlns:mc="http://schemas.openxmlformats.org/markup-compatibility/2006" xmlns:mv="urn:schemas-microsoft-com:mac:vml" xmlns:p="http://schemas.openxmlformats.org/presentationml/2006/main" xmlns:c="http://schemas.openxmlformats.org/drawingml/2006/chart" xmlns:dgm="http://schemas.openxmlformats.org/drawingml/2006/diagram" xmlns:o="urn:schemas-microsoft-com:office:office" xmlns:v="urn:schemas-microsoft-com:vml" xmlns:pvml="urn:schemas-microsoft-com:office:powerpoint" xmlns:com="http://schemas.openxmlformats.org/drawingml/2006/compatibility" xmlns:p14="http://schemas.microsoft.com/office/powerpoint/2010/main" xmlns:p15="http://schemas.microsoft.com/office/powerpoint/2012/main" showMasterPhAnim="0" showMasterSp="0">
+<p:notes xmlns:a="http://schemas.openxmlformats.org/drawingml/2006/main" xmlns:r="http://schemas.openxmlformats.org/officeDocument/2006/relationships" xmlns:p="http://schemas.openxmlformats.org/presentationml/2006/main" showMasterSp="0" showMasterPhAnim="0">
   <p:cSld>
     <p:spTree>
       <p:nvGrpSpPr>
-        <p:cNvPr id="177" name="Shape 177"/>
+        <p:cNvPr id="1" name="Shape 177"/>
         <p:cNvGrpSpPr/>
         <p:nvPr/>
       </p:nvGrpSpPr>
@@ -1413,9 +1471,11 @@
       <p:sp>
         <p:nvSpPr>
           <p:cNvPr id="178" name="Shape 178"/>
-          <p:cNvSpPr/>
+          <p:cNvSpPr>
+            <a:spLocks noGrp="1" noRot="1" noChangeAspect="1"/>
+          </p:cNvSpPr>
           <p:nvPr>
-            <p:ph idx="2" type="sldImg"/>
+            <p:ph type="sldImg" idx="2"/>
           </p:nvPr>
         </p:nvSpPr>
         <p:spPr>
@@ -1424,8 +1484,13 @@
             <a:ext cx="6096000" cy="3429000"/>
           </a:xfrm>
           <a:custGeom>
+            <a:avLst/>
+            <a:gdLst/>
+            <a:ahLst/>
+            <a:cxnLst/>
+            <a:rect l="0" t="0" r="0" b="0"/>
             <a:pathLst>
-              <a:path extrusionOk="0" h="120000" w="120000">
+              <a:path w="120000" h="120000" extrusionOk="0">
                 <a:moveTo>
                   <a:pt x="0" y="0"/>
                 </a:moveTo>
@@ -1447,9 +1512,11 @@
       <p:sp>
         <p:nvSpPr>
           <p:cNvPr id="179" name="Shape 179"/>
-          <p:cNvSpPr txBox="1"/>
+          <p:cNvSpPr txBox="1">
+            <a:spLocks noGrp="1"/>
+          </p:cNvSpPr>
           <p:nvPr>
-            <p:ph idx="1" type="body"/>
+            <p:ph type="body" idx="1"/>
           </p:nvPr>
         </p:nvSpPr>
         <p:spPr>
@@ -1462,12 +1529,12 @@
           </a:prstGeom>
         </p:spPr>
         <p:txBody>
-          <a:bodyPr anchorCtr="0" anchor="t" bIns="91425" lIns="91425" spcFirstLastPara="1" rIns="91425" wrap="square" tIns="91425">
+          <a:bodyPr spcFirstLastPara="1" wrap="square" lIns="91425" tIns="91425" rIns="91425" bIns="91425" anchor="t" anchorCtr="0">
             <a:noAutofit/>
           </a:bodyPr>
           <a:lstStyle/>
           <a:p>
-            <a:pPr indent="0" lvl="0" marL="0">
+            <a:pPr marL="0" lvl="0" indent="0">
               <a:spcBef>
                 <a:spcPts val="0"/>
               </a:spcBef>
@@ -1476,9 +1543,6 @@
               </a:spcAft>
               <a:buNone/>
             </a:pPr>
-            <a:r>
-              <a:t/>
-            </a:r>
             <a:endParaRPr/>
           </a:p>
         </p:txBody>
@@ -1492,11 +1556,11 @@
 </file>
 
 <file path=ppt/notesSlides/notesSlide9.xml><?xml version="1.0" encoding="utf-8"?>
-<p:notes xmlns:a="http://schemas.openxmlformats.org/drawingml/2006/main" xmlns:r="http://schemas.openxmlformats.org/officeDocument/2006/relationships" xmlns:mc="http://schemas.openxmlformats.org/markup-compatibility/2006" xmlns:mv="urn:schemas-microsoft-com:mac:vml" xmlns:p="http://schemas.openxmlformats.org/presentationml/2006/main" xmlns:c="http://schemas.openxmlformats.org/drawingml/2006/chart" xmlns:dgm="http://schemas.openxmlformats.org/drawingml/2006/diagram" xmlns:o="urn:schemas-microsoft-com:office:office" xmlns:v="urn:schemas-microsoft-com:vml" xmlns:pvml="urn:schemas-microsoft-com:office:powerpoint" xmlns:com="http://schemas.openxmlformats.org/drawingml/2006/compatibility" xmlns:p14="http://schemas.microsoft.com/office/powerpoint/2010/main" xmlns:p15="http://schemas.microsoft.com/office/powerpoint/2012/main" showMasterPhAnim="0" showMasterSp="0">
+<p:notes xmlns:a="http://schemas.openxmlformats.org/drawingml/2006/main" xmlns:r="http://schemas.openxmlformats.org/officeDocument/2006/relationships" xmlns:p="http://schemas.openxmlformats.org/presentationml/2006/main" showMasterSp="0" showMasterPhAnim="0">
   <p:cSld>
     <p:spTree>
       <p:nvGrpSpPr>
-        <p:cNvPr id="183" name="Shape 183"/>
+        <p:cNvPr id="1" name="Shape 183"/>
         <p:cNvGrpSpPr/>
         <p:nvPr/>
       </p:nvGrpSpPr>
@@ -1511,9 +1575,11 @@
       <p:sp>
         <p:nvSpPr>
           <p:cNvPr id="184" name="Shape 184"/>
-          <p:cNvSpPr/>
+          <p:cNvSpPr>
+            <a:spLocks noGrp="1" noRot="1" noChangeAspect="1"/>
+          </p:cNvSpPr>
           <p:nvPr>
-            <p:ph idx="2" type="sldImg"/>
+            <p:ph type="sldImg" idx="2"/>
           </p:nvPr>
         </p:nvSpPr>
         <p:spPr>
@@ -1522,8 +1588,13 @@
             <a:ext cx="6096000" cy="3429000"/>
           </a:xfrm>
           <a:custGeom>
+            <a:avLst/>
+            <a:gdLst/>
+            <a:ahLst/>
+            <a:cxnLst/>
+            <a:rect l="0" t="0" r="0" b="0"/>
             <a:pathLst>
-              <a:path extrusionOk="0" h="120000" w="120000">
+              <a:path w="120000" h="120000" extrusionOk="0">
                 <a:moveTo>
                   <a:pt x="0" y="0"/>
                 </a:moveTo>
@@ -1545,9 +1616,11 @@
       <p:sp>
         <p:nvSpPr>
           <p:cNvPr id="185" name="Shape 185"/>
-          <p:cNvSpPr txBox="1"/>
+          <p:cNvSpPr txBox="1">
+            <a:spLocks noGrp="1"/>
+          </p:cNvSpPr>
           <p:nvPr>
-            <p:ph idx="1" type="body"/>
+            <p:ph type="body" idx="1"/>
           </p:nvPr>
         </p:nvSpPr>
         <p:spPr>
@@ -1560,12 +1633,12 @@
           </a:prstGeom>
         </p:spPr>
         <p:txBody>
-          <a:bodyPr anchorCtr="0" anchor="t" bIns="91425" lIns="91425" spcFirstLastPara="1" rIns="91425" wrap="square" tIns="91425">
+          <a:bodyPr spcFirstLastPara="1" wrap="square" lIns="91425" tIns="91425" rIns="91425" bIns="91425" anchor="t" anchorCtr="0">
             <a:noAutofit/>
           </a:bodyPr>
           <a:lstStyle/>
           <a:p>
-            <a:pPr indent="0" lvl="0" marL="0">
+            <a:pPr marL="0" lvl="0" indent="0">
               <a:spcBef>
                 <a:spcPts val="0"/>
               </a:spcBef>
@@ -1574,9 +1647,6 @@
               </a:spcAft>
               <a:buNone/>
             </a:pPr>
-            <a:r>
-              <a:t/>
-            </a:r>
             <a:endParaRPr/>
           </a:p>
         </p:txBody>
@@ -1590,11 +1660,11 @@
 </file>
 
 <file path=ppt/slideLayouts/slideLayout1.xml><?xml version="1.0" encoding="utf-8"?>
-<p:sldLayout xmlns:a="http://schemas.openxmlformats.org/drawingml/2006/main" xmlns:r="http://schemas.openxmlformats.org/officeDocument/2006/relationships" xmlns:mc="http://schemas.openxmlformats.org/markup-compatibility/2006" xmlns:mv="urn:schemas-microsoft-com:mac:vml" xmlns:p="http://schemas.openxmlformats.org/presentationml/2006/main" xmlns:c="http://schemas.openxmlformats.org/drawingml/2006/chart" xmlns:dgm="http://schemas.openxmlformats.org/drawingml/2006/diagram" xmlns:o="urn:schemas-microsoft-com:office:office" xmlns:v="urn:schemas-microsoft-com:vml" xmlns:pvml="urn:schemas-microsoft-com:office:powerpoint" xmlns:com="http://schemas.openxmlformats.org/drawingml/2006/compatibility" xmlns:p14="http://schemas.microsoft.com/office/powerpoint/2010/main" xmlns:p15="http://schemas.microsoft.com/office/powerpoint/2012/main" matchingName="Title slide" type="title">
+<p:sldLayout xmlns:a="http://schemas.openxmlformats.org/drawingml/2006/main" xmlns:r="http://schemas.openxmlformats.org/officeDocument/2006/relationships" xmlns:p="http://schemas.openxmlformats.org/presentationml/2006/main" matchingName="Title slide" type="title">
   <p:cSld name="TITLE">
     <p:spTree>
       <p:nvGrpSpPr>
-        <p:cNvPr id="9" name="Shape 9"/>
+        <p:cNvPr id="1" name="Shape 9"/>
         <p:cNvGrpSpPr/>
         <p:nvPr/>
       </p:nvGrpSpPr>
@@ -1619,7 +1689,7 @@
           </a:xfrm>
           <a:prstGeom prst="diagStripe">
             <a:avLst>
-              <a:gd fmla="val 0" name="adj"/>
+              <a:gd name="adj" fmla="val 0"/>
             </a:avLst>
           </a:prstGeom>
           <a:solidFill>
@@ -1632,12 +1702,12 @@
           </a:ln>
         </p:spPr>
         <p:txBody>
-          <a:bodyPr anchorCtr="0" anchor="ctr" bIns="91425" lIns="91425" spcFirstLastPara="1" rIns="91425" wrap="square" tIns="91425">
+          <a:bodyPr spcFirstLastPara="1" wrap="square" lIns="91425" tIns="91425" rIns="91425" bIns="91425" anchor="ctr" anchorCtr="0">
             <a:noAutofit/>
           </a:bodyPr>
           <a:lstStyle/>
           <a:p>
-            <a:pPr indent="0" lvl="0" marL="0">
+            <a:pPr marL="0" lvl="0" indent="0">
               <a:spcBef>
                 <a:spcPts val="0"/>
               </a:spcBef>
@@ -1646,9 +1716,6 @@
               </a:spcAft>
               <a:buNone/>
             </a:pPr>
-            <a:r>
-              <a:t/>
-            </a:r>
             <a:endParaRPr/>
           </a:p>
         </p:txBody>
@@ -1680,7 +1747,7 @@
             </a:xfrm>
             <a:prstGeom prst="diagStripe">
               <a:avLst>
-                <a:gd fmla="val 50000" name="adj"/>
+                <a:gd name="adj" fmla="val 50000"/>
               </a:avLst>
             </a:prstGeom>
             <a:solidFill>
@@ -1693,12 +1760,12 @@
             </a:ln>
           </p:spPr>
           <p:txBody>
-            <a:bodyPr anchorCtr="0" anchor="ctr" bIns="91425" lIns="91425" spcFirstLastPara="1" rIns="91425" wrap="square" tIns="91425">
+            <a:bodyPr spcFirstLastPara="1" wrap="square" lIns="91425" tIns="91425" rIns="91425" bIns="91425" anchor="ctr" anchorCtr="0">
               <a:noAutofit/>
             </a:bodyPr>
             <a:lstStyle/>
             <a:p>
-              <a:pPr indent="0" lvl="0" marL="0">
+              <a:pPr marL="0" lvl="0" indent="0">
                 <a:spcBef>
                   <a:spcPts val="0"/>
                 </a:spcBef>
@@ -1707,9 +1774,6 @@
                 </a:spcAft>
                 <a:buNone/>
               </a:pPr>
-              <a:r>
-                <a:t/>
-              </a:r>
               <a:endParaRPr/>
             </a:p>
           </p:txBody>
@@ -1727,7 +1791,7 @@
             </a:xfrm>
             <a:prstGeom prst="diagStripe">
               <a:avLst>
-                <a:gd fmla="val 58774" name="adj"/>
+                <a:gd name="adj" fmla="val 58774"/>
               </a:avLst>
             </a:prstGeom>
             <a:solidFill>
@@ -1740,12 +1804,12 @@
             </a:ln>
           </p:spPr>
           <p:txBody>
-            <a:bodyPr anchorCtr="0" anchor="ctr" bIns="91425" lIns="91425" spcFirstLastPara="1" rIns="91425" wrap="square" tIns="91425">
+            <a:bodyPr spcFirstLastPara="1" wrap="square" lIns="91425" tIns="91425" rIns="91425" bIns="91425" anchor="ctr" anchorCtr="0">
               <a:noAutofit/>
             </a:bodyPr>
             <a:lstStyle/>
             <a:p>
-              <a:pPr indent="0" lvl="0" marL="0">
+              <a:pPr marL="0" lvl="0" indent="0">
                 <a:spcBef>
                   <a:spcPts val="0"/>
                 </a:spcBef>
@@ -1754,9 +1818,6 @@
                 </a:spcAft>
                 <a:buNone/>
               </a:pPr>
-              <a:r>
-                <a:t/>
-              </a:r>
               <a:endParaRPr/>
             </a:p>
           </p:txBody>
@@ -1774,7 +1835,7 @@
             </a:xfrm>
             <a:prstGeom prst="diagStripe">
               <a:avLst>
-                <a:gd fmla="val 50000" name="adj"/>
+                <a:gd name="adj" fmla="val 50000"/>
               </a:avLst>
             </a:prstGeom>
             <a:solidFill>
@@ -1785,12 +1846,12 @@
             </a:ln>
           </p:spPr>
           <p:txBody>
-            <a:bodyPr anchorCtr="0" anchor="ctr" bIns="91425" lIns="91425" spcFirstLastPara="1" rIns="91425" wrap="square" tIns="91425">
+            <a:bodyPr spcFirstLastPara="1" wrap="square" lIns="91425" tIns="91425" rIns="91425" bIns="91425" anchor="ctr" anchorCtr="0">
               <a:noAutofit/>
             </a:bodyPr>
             <a:lstStyle/>
             <a:p>
-              <a:pPr indent="0" lvl="0" marL="0">
+              <a:pPr marL="0" lvl="0" indent="0">
                 <a:spcBef>
                   <a:spcPts val="0"/>
                 </a:spcBef>
@@ -1799,9 +1860,6 @@
                 </a:spcAft>
                 <a:buNone/>
               </a:pPr>
-              <a:r>
-                <a:t/>
-              </a:r>
               <a:endParaRPr/>
             </a:p>
           </p:txBody>
@@ -1819,7 +1877,7 @@
             </a:xfrm>
             <a:prstGeom prst="diagStripe">
               <a:avLst>
-                <a:gd fmla="val 50000" name="adj"/>
+                <a:gd name="adj" fmla="val 50000"/>
               </a:avLst>
             </a:prstGeom>
             <a:solidFill>
@@ -1830,12 +1888,12 @@
             </a:ln>
           </p:spPr>
           <p:txBody>
-            <a:bodyPr anchorCtr="0" anchor="ctr" bIns="91425" lIns="91425" spcFirstLastPara="1" rIns="91425" wrap="square" tIns="91425">
+            <a:bodyPr spcFirstLastPara="1" wrap="square" lIns="91425" tIns="91425" rIns="91425" bIns="91425" anchor="ctr" anchorCtr="0">
               <a:noAutofit/>
             </a:bodyPr>
             <a:lstStyle/>
             <a:p>
-              <a:pPr indent="0" lvl="0" marL="0">
+              <a:pPr marL="0" lvl="0" indent="0">
                 <a:spcBef>
                   <a:spcPts val="0"/>
                 </a:spcBef>
@@ -1844,9 +1902,6 @@
                 </a:spcAft>
                 <a:buNone/>
               </a:pPr>
-              <a:r>
-                <a:t/>
-              </a:r>
               <a:endParaRPr/>
             </a:p>
           </p:txBody>
@@ -1855,7 +1910,9 @@
       <p:sp>
         <p:nvSpPr>
           <p:cNvPr id="16" name="Shape 16"/>
-          <p:cNvSpPr txBox="1"/>
+          <p:cNvSpPr txBox="1">
+            <a:spLocks noGrp="1"/>
+          </p:cNvSpPr>
           <p:nvPr>
             <p:ph type="ctrTitle"/>
           </p:nvPr>
@@ -1870,7 +1927,7 @@
           </a:prstGeom>
         </p:spPr>
         <p:txBody>
-          <a:bodyPr anchorCtr="0" anchor="t" bIns="91425" lIns="91425" spcFirstLastPara="1" rIns="91425" wrap="square" tIns="91425"/>
+          <a:bodyPr spcFirstLastPara="1" wrap="square" lIns="91425" tIns="91425" rIns="91425" bIns="91425" anchor="t" anchorCtr="0"/>
           <a:lstStyle>
             <a:lvl1pPr lvl="0" rtl="0">
               <a:spcBef>
@@ -1972,15 +2029,19 @@
               <a:defRPr sz="4000"/>
             </a:lvl9pPr>
           </a:lstStyle>
-          <a:p/>
+          <a:p>
+            <a:endParaRPr/>
+          </a:p>
         </p:txBody>
       </p:sp>
       <p:sp>
         <p:nvSpPr>
           <p:cNvPr id="17" name="Shape 17"/>
-          <p:cNvSpPr txBox="1"/>
+          <p:cNvSpPr txBox="1">
+            <a:spLocks noGrp="1"/>
+          </p:cNvSpPr>
           <p:nvPr>
-            <p:ph idx="1" type="subTitle"/>
+            <p:ph type="subTitle" idx="1"/>
           </p:nvPr>
         </p:nvSpPr>
         <p:spPr>
@@ -1993,7 +2054,7 @@
           </a:prstGeom>
         </p:spPr>
         <p:txBody>
-          <a:bodyPr anchorCtr="0" anchor="t" bIns="91425" lIns="91425" spcFirstLastPara="1" rIns="91425" wrap="square" tIns="91425"/>
+          <a:bodyPr spcFirstLastPara="1" wrap="square" lIns="91425" tIns="91425" rIns="91425" bIns="91425" anchor="t" anchorCtr="0"/>
           <a:lstStyle>
             <a:lvl1pPr lvl="0" rtl="0">
               <a:lnSpc>
@@ -2122,15 +2183,19 @@
               <a:defRPr sz="1300"/>
             </a:lvl9pPr>
           </a:lstStyle>
-          <a:p/>
+          <a:p>
+            <a:endParaRPr/>
+          </a:p>
         </p:txBody>
       </p:sp>
       <p:sp>
         <p:nvSpPr>
           <p:cNvPr id="18" name="Shape 18"/>
-          <p:cNvSpPr txBox="1"/>
+          <p:cNvSpPr txBox="1">
+            <a:spLocks noGrp="1"/>
+          </p:cNvSpPr>
           <p:nvPr>
-            <p:ph idx="12" type="sldNum"/>
+            <p:ph type="sldNum" idx="12"/>
           </p:nvPr>
         </p:nvSpPr>
         <p:spPr>
@@ -2143,7 +2208,7 @@
           </a:prstGeom>
         </p:spPr>
         <p:txBody>
-          <a:bodyPr anchorCtr="0" anchor="ctr" bIns="91425" lIns="91425" spcFirstLastPara="1" rIns="91425" wrap="square" tIns="91425">
+          <a:bodyPr spcFirstLastPara="1" wrap="square" lIns="91425" tIns="91425" rIns="91425" bIns="91425" anchor="ctr" anchorCtr="0">
             <a:noAutofit/>
           </a:bodyPr>
           <a:lstStyle>
@@ -2185,7 +2250,7 @@
             </a:lvl9pPr>
           </a:lstStyle>
           <a:p>
-            <a:pPr indent="0" lvl="0" marL="0">
+            <a:pPr marL="0" lvl="0" indent="0">
               <a:spcBef>
                 <a:spcPts val="0"/>
               </a:spcBef>
@@ -2211,11 +2276,11 @@
 </file>
 
 <file path=ppt/slideLayouts/slideLayout10.xml><?xml version="1.0" encoding="utf-8"?>
-<p:sldLayout xmlns:a="http://schemas.openxmlformats.org/drawingml/2006/main" xmlns:r="http://schemas.openxmlformats.org/officeDocument/2006/relationships" xmlns:mc="http://schemas.openxmlformats.org/markup-compatibility/2006" xmlns:mv="urn:schemas-microsoft-com:mac:vml" xmlns:p="http://schemas.openxmlformats.org/presentationml/2006/main" xmlns:c="http://schemas.openxmlformats.org/drawingml/2006/chart" xmlns:dgm="http://schemas.openxmlformats.org/drawingml/2006/diagram" xmlns:o="urn:schemas-microsoft-com:office:office" xmlns:v="urn:schemas-microsoft-com:vml" xmlns:pvml="urn:schemas-microsoft-com:office:powerpoint" xmlns:com="http://schemas.openxmlformats.org/drawingml/2006/compatibility" xmlns:p14="http://schemas.microsoft.com/office/powerpoint/2010/main" xmlns:p15="http://schemas.microsoft.com/office/powerpoint/2012/main" matchingName="Big number">
+<p:sldLayout xmlns:a="http://schemas.openxmlformats.org/drawingml/2006/main" xmlns:r="http://schemas.openxmlformats.org/officeDocument/2006/relationships" xmlns:p="http://schemas.openxmlformats.org/presentationml/2006/main" matchingName="Big number">
   <p:cSld name="BIG_NUMBER">
     <p:spTree>
       <p:nvGrpSpPr>
-        <p:cNvPr id="105" name="Shape 105"/>
+        <p:cNvPr id="1" name="Shape 105"/>
         <p:cNvGrpSpPr/>
         <p:nvPr/>
       </p:nvGrpSpPr>
@@ -2254,7 +2319,7 @@
             </a:xfrm>
             <a:prstGeom prst="diagStripe">
               <a:avLst>
-                <a:gd fmla="val 49469" name="adj"/>
+                <a:gd name="adj" fmla="val 49469"/>
               </a:avLst>
             </a:prstGeom>
             <a:solidFill>
@@ -2267,12 +2332,12 @@
             </a:ln>
           </p:spPr>
           <p:txBody>
-            <a:bodyPr anchorCtr="0" anchor="ctr" bIns="91425" lIns="91425" spcFirstLastPara="1" rIns="91425" wrap="square" tIns="91425">
+            <a:bodyPr spcFirstLastPara="1" wrap="square" lIns="91425" tIns="91425" rIns="91425" bIns="91425" anchor="ctr" anchorCtr="0">
               <a:noAutofit/>
             </a:bodyPr>
             <a:lstStyle/>
             <a:p>
-              <a:pPr indent="0" lvl="0" marL="0">
+              <a:pPr marL="0" lvl="0" indent="0">
                 <a:spcBef>
                   <a:spcPts val="0"/>
                 </a:spcBef>
@@ -2281,9 +2346,6 @@
                 </a:spcAft>
                 <a:buNone/>
               </a:pPr>
-              <a:r>
-                <a:t/>
-              </a:r>
               <a:endParaRPr/>
             </a:p>
           </p:txBody>
@@ -2301,7 +2363,7 @@
             </a:xfrm>
             <a:prstGeom prst="diagStripe">
               <a:avLst>
-                <a:gd fmla="val 0" name="adj"/>
+                <a:gd name="adj" fmla="val 0"/>
               </a:avLst>
             </a:prstGeom>
             <a:solidFill>
@@ -2314,12 +2376,12 @@
             </a:ln>
           </p:spPr>
           <p:txBody>
-            <a:bodyPr anchorCtr="0" anchor="ctr" bIns="91425" lIns="91425" spcFirstLastPara="1" rIns="91425" wrap="square" tIns="91425">
+            <a:bodyPr spcFirstLastPara="1" wrap="square" lIns="91425" tIns="91425" rIns="91425" bIns="91425" anchor="ctr" anchorCtr="0">
               <a:noAutofit/>
             </a:bodyPr>
             <a:lstStyle/>
             <a:p>
-              <a:pPr indent="0" lvl="0" marL="0">
+              <a:pPr marL="0" lvl="0" indent="0">
                 <a:spcBef>
                   <a:spcPts val="0"/>
                 </a:spcBef>
@@ -2328,9 +2390,6 @@
                 </a:spcAft>
                 <a:buNone/>
               </a:pPr>
-              <a:r>
-                <a:t/>
-              </a:r>
               <a:endParaRPr/>
             </a:p>
           </p:txBody>
@@ -2348,7 +2407,7 @@
             </a:xfrm>
             <a:prstGeom prst="diagStripe">
               <a:avLst>
-                <a:gd fmla="val 50000" name="adj"/>
+                <a:gd name="adj" fmla="val 50000"/>
               </a:avLst>
             </a:prstGeom>
             <a:solidFill>
@@ -2361,12 +2420,12 @@
             </a:ln>
           </p:spPr>
           <p:txBody>
-            <a:bodyPr anchorCtr="0" anchor="ctr" bIns="91425" lIns="91425" spcFirstLastPara="1" rIns="91425" wrap="square" tIns="91425">
+            <a:bodyPr spcFirstLastPara="1" wrap="square" lIns="91425" tIns="91425" rIns="91425" bIns="91425" anchor="ctr" anchorCtr="0">
               <a:noAutofit/>
             </a:bodyPr>
             <a:lstStyle/>
             <a:p>
-              <a:pPr indent="0" lvl="0" marL="0">
+              <a:pPr marL="0" lvl="0" indent="0">
                 <a:spcBef>
                   <a:spcPts val="0"/>
                 </a:spcBef>
@@ -2375,9 +2434,6 @@
                 </a:spcAft>
                 <a:buNone/>
               </a:pPr>
-              <a:r>
-                <a:t/>
-              </a:r>
               <a:endParaRPr/>
             </a:p>
           </p:txBody>
@@ -2395,7 +2451,7 @@
             </a:xfrm>
             <a:prstGeom prst="diagStripe">
               <a:avLst>
-                <a:gd fmla="val 50000" name="adj"/>
+                <a:gd name="adj" fmla="val 50000"/>
               </a:avLst>
             </a:prstGeom>
             <a:solidFill>
@@ -2408,12 +2464,12 @@
             </a:ln>
           </p:spPr>
           <p:txBody>
-            <a:bodyPr anchorCtr="0" anchor="ctr" bIns="91425" lIns="91425" spcFirstLastPara="1" rIns="91425" wrap="square" tIns="91425">
+            <a:bodyPr spcFirstLastPara="1" wrap="square" lIns="91425" tIns="91425" rIns="91425" bIns="91425" anchor="ctr" anchorCtr="0">
               <a:noAutofit/>
             </a:bodyPr>
             <a:lstStyle/>
             <a:p>
-              <a:pPr indent="0" lvl="0" marL="0">
+              <a:pPr marL="0" lvl="0" indent="0">
                 <a:spcBef>
                   <a:spcPts val="0"/>
                 </a:spcBef>
@@ -2422,9 +2478,6 @@
                 </a:spcAft>
                 <a:buNone/>
               </a:pPr>
-              <a:r>
-                <a:t/>
-              </a:r>
               <a:endParaRPr/>
             </a:p>
           </p:txBody>
@@ -2442,7 +2495,7 @@
             </a:xfrm>
             <a:prstGeom prst="diagStripe">
               <a:avLst>
-                <a:gd fmla="val 50000" name="adj"/>
+                <a:gd name="adj" fmla="val 50000"/>
               </a:avLst>
             </a:prstGeom>
             <a:solidFill>
@@ -2455,12 +2508,12 @@
             </a:ln>
           </p:spPr>
           <p:txBody>
-            <a:bodyPr anchorCtr="0" anchor="ctr" bIns="91425" lIns="91425" spcFirstLastPara="1" rIns="91425" wrap="square" tIns="91425">
+            <a:bodyPr spcFirstLastPara="1" wrap="square" lIns="91425" tIns="91425" rIns="91425" bIns="91425" anchor="ctr" anchorCtr="0">
               <a:noAutofit/>
             </a:bodyPr>
             <a:lstStyle/>
             <a:p>
-              <a:pPr indent="0" lvl="0" marL="0">
+              <a:pPr marL="0" lvl="0" indent="0">
                 <a:spcBef>
                   <a:spcPts val="0"/>
                 </a:spcBef>
@@ -2469,9 +2522,6 @@
                 </a:spcAft>
                 <a:buNone/>
               </a:pPr>
-              <a:r>
-                <a:t/>
-              </a:r>
               <a:endParaRPr/>
             </a:p>
           </p:txBody>
@@ -2489,7 +2539,7 @@
             </a:xfrm>
             <a:prstGeom prst="diagStripe">
               <a:avLst>
-                <a:gd fmla="val 50000" name="adj"/>
+                <a:gd name="adj" fmla="val 50000"/>
               </a:avLst>
             </a:prstGeom>
             <a:solidFill>
@@ -2502,12 +2552,12 @@
             </a:ln>
           </p:spPr>
           <p:txBody>
-            <a:bodyPr anchorCtr="0" anchor="ctr" bIns="91425" lIns="91425" spcFirstLastPara="1" rIns="91425" wrap="square" tIns="91425">
+            <a:bodyPr spcFirstLastPara="1" wrap="square" lIns="91425" tIns="91425" rIns="91425" bIns="91425" anchor="ctr" anchorCtr="0">
               <a:noAutofit/>
             </a:bodyPr>
             <a:lstStyle/>
             <a:p>
-              <a:pPr indent="0" lvl="0" marL="0">
+              <a:pPr marL="0" lvl="0" indent="0">
                 <a:spcBef>
                   <a:spcPts val="0"/>
                 </a:spcBef>
@@ -2516,9 +2566,6 @@
                 </a:spcAft>
                 <a:buNone/>
               </a:pPr>
-              <a:r>
-                <a:t/>
-              </a:r>
               <a:endParaRPr/>
             </a:p>
           </p:txBody>
@@ -2536,7 +2583,7 @@
             </a:xfrm>
             <a:prstGeom prst="diagStripe">
               <a:avLst>
-                <a:gd fmla="val 50000" name="adj"/>
+                <a:gd name="adj" fmla="val 50000"/>
               </a:avLst>
             </a:prstGeom>
             <a:solidFill>
@@ -2549,12 +2596,12 @@
             </a:ln>
           </p:spPr>
           <p:txBody>
-            <a:bodyPr anchorCtr="0" anchor="ctr" bIns="91425" lIns="91425" spcFirstLastPara="1" rIns="91425" wrap="square" tIns="91425">
+            <a:bodyPr spcFirstLastPara="1" wrap="square" lIns="91425" tIns="91425" rIns="91425" bIns="91425" anchor="ctr" anchorCtr="0">
               <a:noAutofit/>
             </a:bodyPr>
             <a:lstStyle/>
             <a:p>
-              <a:pPr indent="0" lvl="0" marL="0">
+              <a:pPr marL="0" lvl="0" indent="0">
                 <a:spcBef>
                   <a:spcPts val="0"/>
                 </a:spcBef>
@@ -2563,9 +2610,6 @@
                 </a:spcAft>
                 <a:buNone/>
               </a:pPr>
-              <a:r>
-                <a:t/>
-              </a:r>
               <a:endParaRPr/>
             </a:p>
           </p:txBody>
@@ -2583,7 +2627,7 @@
             </a:xfrm>
             <a:prstGeom prst="diagStripe">
               <a:avLst>
-                <a:gd fmla="val 50000" name="adj"/>
+                <a:gd name="adj" fmla="val 50000"/>
               </a:avLst>
             </a:prstGeom>
             <a:solidFill>
@@ -2594,12 +2638,12 @@
             </a:ln>
           </p:spPr>
           <p:txBody>
-            <a:bodyPr anchorCtr="0" anchor="ctr" bIns="91425" lIns="91425" spcFirstLastPara="1" rIns="91425" wrap="square" tIns="91425">
+            <a:bodyPr spcFirstLastPara="1" wrap="square" lIns="91425" tIns="91425" rIns="91425" bIns="91425" anchor="ctr" anchorCtr="0">
               <a:noAutofit/>
             </a:bodyPr>
             <a:lstStyle/>
             <a:p>
-              <a:pPr indent="0" lvl="0" marL="0">
+              <a:pPr marL="0" lvl="0" indent="0">
                 <a:spcBef>
                   <a:spcPts val="0"/>
                 </a:spcBef>
@@ -2608,9 +2652,6 @@
                 </a:spcAft>
                 <a:buNone/>
               </a:pPr>
-              <a:r>
-                <a:t/>
-              </a:r>
               <a:endParaRPr/>
             </a:p>
           </p:txBody>
@@ -2628,7 +2669,7 @@
             </a:xfrm>
             <a:prstGeom prst="diagStripe">
               <a:avLst>
-                <a:gd fmla="val 50000" name="adj"/>
+                <a:gd name="adj" fmla="val 50000"/>
               </a:avLst>
             </a:prstGeom>
             <a:solidFill>
@@ -2641,12 +2682,12 @@
             </a:ln>
           </p:spPr>
           <p:txBody>
-            <a:bodyPr anchorCtr="0" anchor="ctr" bIns="91425" lIns="91425" spcFirstLastPara="1" rIns="91425" wrap="square" tIns="91425">
+            <a:bodyPr spcFirstLastPara="1" wrap="square" lIns="91425" tIns="91425" rIns="91425" bIns="91425" anchor="ctr" anchorCtr="0">
               <a:noAutofit/>
             </a:bodyPr>
             <a:lstStyle/>
             <a:p>
-              <a:pPr indent="0" lvl="0" marL="0">
+              <a:pPr marL="0" lvl="0" indent="0">
                 <a:spcBef>
                   <a:spcPts val="0"/>
                 </a:spcBef>
@@ -2655,9 +2696,6 @@
                 </a:spcAft>
                 <a:buNone/>
               </a:pPr>
-              <a:r>
-                <a:t/>
-              </a:r>
               <a:endParaRPr/>
             </a:p>
           </p:txBody>
@@ -2675,7 +2713,7 @@
             </a:xfrm>
             <a:prstGeom prst="diagStripe">
               <a:avLst>
-                <a:gd fmla="val 50000" name="adj"/>
+                <a:gd name="adj" fmla="val 50000"/>
               </a:avLst>
             </a:prstGeom>
             <a:solidFill>
@@ -2688,12 +2726,12 @@
             </a:ln>
           </p:spPr>
           <p:txBody>
-            <a:bodyPr anchorCtr="0" anchor="ctr" bIns="91425" lIns="91425" spcFirstLastPara="1" rIns="91425" wrap="square" tIns="91425">
+            <a:bodyPr spcFirstLastPara="1" wrap="square" lIns="91425" tIns="91425" rIns="91425" bIns="91425" anchor="ctr" anchorCtr="0">
               <a:noAutofit/>
             </a:bodyPr>
             <a:lstStyle/>
             <a:p>
-              <a:pPr indent="0" lvl="0" marL="0">
+              <a:pPr marL="0" lvl="0" indent="0">
                 <a:spcBef>
                   <a:spcPts val="0"/>
                 </a:spcBef>
@@ -2702,9 +2740,6 @@
                 </a:spcAft>
                 <a:buNone/>
               </a:pPr>
-              <a:r>
-                <a:t/>
-              </a:r>
               <a:endParaRPr/>
             </a:p>
           </p:txBody>
@@ -2722,7 +2757,7 @@
             </a:xfrm>
             <a:prstGeom prst="diagStripe">
               <a:avLst>
-                <a:gd fmla="val 50000" name="adj"/>
+                <a:gd name="adj" fmla="val 50000"/>
               </a:avLst>
             </a:prstGeom>
             <a:solidFill>
@@ -2735,12 +2770,12 @@
             </a:ln>
           </p:spPr>
           <p:txBody>
-            <a:bodyPr anchorCtr="0" anchor="ctr" bIns="91425" lIns="91425" spcFirstLastPara="1" rIns="91425" wrap="square" tIns="91425">
+            <a:bodyPr spcFirstLastPara="1" wrap="square" lIns="91425" tIns="91425" rIns="91425" bIns="91425" anchor="ctr" anchorCtr="0">
               <a:noAutofit/>
             </a:bodyPr>
             <a:lstStyle/>
             <a:p>
-              <a:pPr indent="0" lvl="0" marL="0">
+              <a:pPr marL="0" lvl="0" indent="0">
                 <a:spcBef>
                   <a:spcPts val="0"/>
                 </a:spcBef>
@@ -2749,9 +2784,6 @@
                 </a:spcAft>
                 <a:buNone/>
               </a:pPr>
-              <a:r>
-                <a:t/>
-              </a:r>
               <a:endParaRPr/>
             </a:p>
           </p:txBody>
@@ -2769,7 +2801,7 @@
             </a:xfrm>
             <a:prstGeom prst="diagStripe">
               <a:avLst>
-                <a:gd fmla="val 50000" name="adj"/>
+                <a:gd name="adj" fmla="val 50000"/>
               </a:avLst>
             </a:prstGeom>
             <a:solidFill>
@@ -2782,12 +2814,12 @@
             </a:ln>
           </p:spPr>
           <p:txBody>
-            <a:bodyPr anchorCtr="0" anchor="ctr" bIns="91425" lIns="91425" spcFirstLastPara="1" rIns="91425" wrap="square" tIns="91425">
+            <a:bodyPr spcFirstLastPara="1" wrap="square" lIns="91425" tIns="91425" rIns="91425" bIns="91425" anchor="ctr" anchorCtr="0">
               <a:noAutofit/>
             </a:bodyPr>
             <a:lstStyle/>
             <a:p>
-              <a:pPr indent="0" lvl="0" marL="0">
+              <a:pPr marL="0" lvl="0" indent="0">
                 <a:spcBef>
                   <a:spcPts val="0"/>
                 </a:spcBef>
@@ -2796,9 +2828,6 @@
                 </a:spcAft>
                 <a:buNone/>
               </a:pPr>
-              <a:r>
-                <a:t/>
-              </a:r>
               <a:endParaRPr/>
             </a:p>
           </p:txBody>
@@ -2816,7 +2845,7 @@
             </a:xfrm>
             <a:prstGeom prst="diagStripe">
               <a:avLst>
-                <a:gd fmla="val 50000" name="adj"/>
+                <a:gd name="adj" fmla="val 50000"/>
               </a:avLst>
             </a:prstGeom>
             <a:solidFill>
@@ -2829,12 +2858,12 @@
             </a:ln>
           </p:spPr>
           <p:txBody>
-            <a:bodyPr anchorCtr="0" anchor="ctr" bIns="91425" lIns="91425" spcFirstLastPara="1" rIns="91425" wrap="square" tIns="91425">
+            <a:bodyPr spcFirstLastPara="1" wrap="square" lIns="91425" tIns="91425" rIns="91425" bIns="91425" anchor="ctr" anchorCtr="0">
               <a:noAutofit/>
             </a:bodyPr>
             <a:lstStyle/>
             <a:p>
-              <a:pPr indent="0" lvl="0" marL="0">
+              <a:pPr marL="0" lvl="0" indent="0">
                 <a:spcBef>
                   <a:spcPts val="0"/>
                 </a:spcBef>
@@ -2843,9 +2872,6 @@
                 </a:spcAft>
                 <a:buNone/>
               </a:pPr>
-              <a:r>
-                <a:t/>
-              </a:r>
               <a:endParaRPr/>
             </a:p>
           </p:txBody>
@@ -2863,7 +2889,7 @@
             </a:xfrm>
             <a:prstGeom prst="diagStripe">
               <a:avLst>
-                <a:gd fmla="val 50000" name="adj"/>
+                <a:gd name="adj" fmla="val 50000"/>
               </a:avLst>
             </a:prstGeom>
             <a:solidFill>
@@ -2874,12 +2900,12 @@
             </a:ln>
           </p:spPr>
           <p:txBody>
-            <a:bodyPr anchorCtr="0" anchor="ctr" bIns="91425" lIns="91425" spcFirstLastPara="1" rIns="91425" wrap="square" tIns="91425">
+            <a:bodyPr spcFirstLastPara="1" wrap="square" lIns="91425" tIns="91425" rIns="91425" bIns="91425" anchor="ctr" anchorCtr="0">
               <a:noAutofit/>
             </a:bodyPr>
             <a:lstStyle/>
             <a:p>
-              <a:pPr indent="0" lvl="0" marL="0">
+              <a:pPr marL="0" lvl="0" indent="0">
                 <a:spcBef>
                   <a:spcPts val="0"/>
                 </a:spcBef>
@@ -2888,9 +2914,6 @@
                 </a:spcAft>
                 <a:buNone/>
               </a:pPr>
-              <a:r>
-                <a:t/>
-              </a:r>
               <a:endParaRPr/>
             </a:p>
           </p:txBody>
@@ -2908,7 +2931,7 @@
             </a:xfrm>
             <a:prstGeom prst="diagStripe">
               <a:avLst>
-                <a:gd fmla="val 50000" name="adj"/>
+                <a:gd name="adj" fmla="val 50000"/>
               </a:avLst>
             </a:prstGeom>
             <a:solidFill>
@@ -2921,12 +2944,12 @@
             </a:ln>
           </p:spPr>
           <p:txBody>
-            <a:bodyPr anchorCtr="0" anchor="ctr" bIns="91425" lIns="91425" spcFirstLastPara="1" rIns="91425" wrap="square" tIns="91425">
+            <a:bodyPr spcFirstLastPara="1" wrap="square" lIns="91425" tIns="91425" rIns="91425" bIns="91425" anchor="ctr" anchorCtr="0">
               <a:noAutofit/>
             </a:bodyPr>
             <a:lstStyle/>
             <a:p>
-              <a:pPr indent="0" lvl="0" marL="0">
+              <a:pPr marL="0" lvl="0" indent="0">
                 <a:spcBef>
                   <a:spcPts val="0"/>
                 </a:spcBef>
@@ -2935,9 +2958,6 @@
                 </a:spcAft>
                 <a:buNone/>
               </a:pPr>
-              <a:r>
-                <a:t/>
-              </a:r>
               <a:endParaRPr/>
             </a:p>
           </p:txBody>
@@ -2955,7 +2975,7 @@
             </a:xfrm>
             <a:prstGeom prst="diagStripe">
               <a:avLst>
-                <a:gd fmla="val 50000" name="adj"/>
+                <a:gd name="adj" fmla="val 50000"/>
               </a:avLst>
             </a:prstGeom>
             <a:solidFill>
@@ -2968,12 +2988,12 @@
             </a:ln>
           </p:spPr>
           <p:txBody>
-            <a:bodyPr anchorCtr="0" anchor="ctr" bIns="91425" lIns="91425" spcFirstLastPara="1" rIns="91425" wrap="square" tIns="91425">
+            <a:bodyPr spcFirstLastPara="1" wrap="square" lIns="91425" tIns="91425" rIns="91425" bIns="91425" anchor="ctr" anchorCtr="0">
               <a:noAutofit/>
             </a:bodyPr>
             <a:lstStyle/>
             <a:p>
-              <a:pPr indent="0" lvl="0" marL="0">
+              <a:pPr marL="0" lvl="0" indent="0">
                 <a:spcBef>
                   <a:spcPts val="0"/>
                 </a:spcBef>
@@ -2982,9 +3002,6 @@
                 </a:spcAft>
                 <a:buNone/>
               </a:pPr>
-              <a:r>
-                <a:t/>
-              </a:r>
               <a:endParaRPr/>
             </a:p>
           </p:txBody>
@@ -3002,7 +3019,7 @@
             </a:xfrm>
             <a:prstGeom prst="diagStripe">
               <a:avLst>
-                <a:gd fmla="val 50000" name="adj"/>
+                <a:gd name="adj" fmla="val 50000"/>
               </a:avLst>
             </a:prstGeom>
             <a:solidFill>
@@ -3015,12 +3032,12 @@
             </a:ln>
           </p:spPr>
           <p:txBody>
-            <a:bodyPr anchorCtr="0" anchor="ctr" bIns="91425" lIns="91425" spcFirstLastPara="1" rIns="91425" wrap="square" tIns="91425">
+            <a:bodyPr spcFirstLastPara="1" wrap="square" lIns="91425" tIns="91425" rIns="91425" bIns="91425" anchor="ctr" anchorCtr="0">
               <a:noAutofit/>
             </a:bodyPr>
             <a:lstStyle/>
             <a:p>
-              <a:pPr indent="0" lvl="0" marL="0">
+              <a:pPr marL="0" lvl="0" indent="0">
                 <a:spcBef>
                   <a:spcPts val="0"/>
                 </a:spcBef>
@@ -3029,9 +3046,6 @@
                 </a:spcAft>
                 <a:buNone/>
               </a:pPr>
-              <a:r>
-                <a:t/>
-              </a:r>
               <a:endParaRPr/>
             </a:p>
           </p:txBody>
@@ -3049,7 +3063,7 @@
             </a:xfrm>
             <a:prstGeom prst="diagStripe">
               <a:avLst>
-                <a:gd fmla="val 50000" name="adj"/>
+                <a:gd name="adj" fmla="val 50000"/>
               </a:avLst>
             </a:prstGeom>
             <a:solidFill>
@@ -3062,12 +3076,12 @@
             </a:ln>
           </p:spPr>
           <p:txBody>
-            <a:bodyPr anchorCtr="0" anchor="ctr" bIns="91425" lIns="91425" spcFirstLastPara="1" rIns="91425" wrap="square" tIns="91425">
+            <a:bodyPr spcFirstLastPara="1" wrap="square" lIns="91425" tIns="91425" rIns="91425" bIns="91425" anchor="ctr" anchorCtr="0">
               <a:noAutofit/>
             </a:bodyPr>
             <a:lstStyle/>
             <a:p>
-              <a:pPr indent="0" lvl="0" marL="0">
+              <a:pPr marL="0" lvl="0" indent="0">
                 <a:spcBef>
                   <a:spcPts val="0"/>
                 </a:spcBef>
@@ -3076,9 +3090,6 @@
                 </a:spcAft>
                 <a:buNone/>
               </a:pPr>
-              <a:r>
-                <a:t/>
-              </a:r>
               <a:endParaRPr/>
             </a:p>
           </p:txBody>
@@ -3087,9 +3098,11 @@
       <p:sp>
         <p:nvSpPr>
           <p:cNvPr id="125" name="Shape 125"/>
-          <p:cNvSpPr txBox="1"/>
+          <p:cNvSpPr txBox="1">
+            <a:spLocks noGrp="1"/>
+          </p:cNvSpPr>
           <p:nvPr>
-            <p:ph hasCustomPrompt="1" type="title"/>
+            <p:ph type="title" hasCustomPrompt="1"/>
           </p:nvPr>
         </p:nvSpPr>
         <p:spPr>
@@ -3102,7 +3115,7 @@
           </a:prstGeom>
         </p:spPr>
         <p:txBody>
-          <a:bodyPr anchorCtr="0" anchor="t" bIns="91425" lIns="91425" spcFirstLastPara="1" rIns="91425" wrap="square" tIns="91425"/>
+          <a:bodyPr spcFirstLastPara="1" wrap="square" lIns="91425" tIns="91425" rIns="91425" bIns="91425" anchor="t" anchorCtr="0"/>
           <a:lstStyle>
             <a:lvl1pPr lvl="0" rtl="0">
               <a:spcBef>
@@ -3214,9 +3227,11 @@
       <p:sp>
         <p:nvSpPr>
           <p:cNvPr id="126" name="Shape 126"/>
-          <p:cNvSpPr txBox="1"/>
+          <p:cNvSpPr txBox="1">
+            <a:spLocks noGrp="1"/>
+          </p:cNvSpPr>
           <p:nvPr>
-            <p:ph idx="1" type="body"/>
+            <p:ph type="body" idx="1"/>
           </p:nvPr>
         </p:nvSpPr>
         <p:spPr>
@@ -3229,9 +3244,9 @@
           </a:prstGeom>
         </p:spPr>
         <p:txBody>
-          <a:bodyPr anchorCtr="0" anchor="t" bIns="91425" lIns="91425" spcFirstLastPara="1" rIns="91425" wrap="square" tIns="91425"/>
+          <a:bodyPr spcFirstLastPara="1" wrap="square" lIns="91425" tIns="91425" rIns="91425" bIns="91425" anchor="t" anchorCtr="0"/>
           <a:lstStyle>
-            <a:lvl1pPr indent="-311150" lvl="0" marL="457200" rtl="0">
+            <a:lvl1pPr marL="457200" lvl="0" indent="-311150" rtl="0">
               <a:spcBef>
                 <a:spcPts val="0"/>
               </a:spcBef>
@@ -3242,7 +3257,7 @@
               <a:buChar char="●"/>
               <a:defRPr/>
             </a:lvl1pPr>
-            <a:lvl2pPr indent="-298450" lvl="1" marL="914400" rtl="0">
+            <a:lvl2pPr marL="914400" lvl="1" indent="-298450" rtl="0">
               <a:spcBef>
                 <a:spcPts val="1600"/>
               </a:spcBef>
@@ -3253,7 +3268,7 @@
               <a:buChar char="○"/>
               <a:defRPr/>
             </a:lvl2pPr>
-            <a:lvl3pPr indent="-298450" lvl="2" marL="1371600" rtl="0">
+            <a:lvl3pPr marL="1371600" lvl="2" indent="-298450" rtl="0">
               <a:spcBef>
                 <a:spcPts val="1600"/>
               </a:spcBef>
@@ -3264,7 +3279,7 @@
               <a:buChar char="■"/>
               <a:defRPr/>
             </a:lvl3pPr>
-            <a:lvl4pPr indent="-298450" lvl="3" marL="1828800" rtl="0">
+            <a:lvl4pPr marL="1828800" lvl="3" indent="-298450" rtl="0">
               <a:spcBef>
                 <a:spcPts val="1600"/>
               </a:spcBef>
@@ -3275,7 +3290,7 @@
               <a:buChar char="●"/>
               <a:defRPr/>
             </a:lvl4pPr>
-            <a:lvl5pPr indent="-298450" lvl="4" marL="2286000" rtl="0">
+            <a:lvl5pPr marL="2286000" lvl="4" indent="-298450" rtl="0">
               <a:spcBef>
                 <a:spcPts val="1600"/>
               </a:spcBef>
@@ -3286,7 +3301,7 @@
               <a:buChar char="○"/>
               <a:defRPr/>
             </a:lvl5pPr>
-            <a:lvl6pPr indent="-298450" lvl="5" marL="2743200" rtl="0">
+            <a:lvl6pPr marL="2743200" lvl="5" indent="-298450" rtl="0">
               <a:spcBef>
                 <a:spcPts val="1600"/>
               </a:spcBef>
@@ -3297,7 +3312,7 @@
               <a:buChar char="■"/>
               <a:defRPr/>
             </a:lvl6pPr>
-            <a:lvl7pPr indent="-298450" lvl="6" marL="3200400" rtl="0">
+            <a:lvl7pPr marL="3200400" lvl="6" indent="-298450" rtl="0">
               <a:spcBef>
                 <a:spcPts val="1600"/>
               </a:spcBef>
@@ -3308,7 +3323,7 @@
               <a:buChar char="●"/>
               <a:defRPr/>
             </a:lvl7pPr>
-            <a:lvl8pPr indent="-298450" lvl="7" marL="3657600" rtl="0">
+            <a:lvl8pPr marL="3657600" lvl="7" indent="-298450" rtl="0">
               <a:spcBef>
                 <a:spcPts val="1600"/>
               </a:spcBef>
@@ -3319,7 +3334,7 @@
               <a:buChar char="○"/>
               <a:defRPr/>
             </a:lvl8pPr>
-            <a:lvl9pPr indent="-298450" lvl="8" marL="4114800" rtl="0">
+            <a:lvl9pPr marL="4114800" lvl="8" indent="-298450" rtl="0">
               <a:spcBef>
                 <a:spcPts val="1600"/>
               </a:spcBef>
@@ -3331,15 +3346,19 @@
               <a:defRPr/>
             </a:lvl9pPr>
           </a:lstStyle>
-          <a:p/>
+          <a:p>
+            <a:endParaRPr/>
+          </a:p>
         </p:txBody>
       </p:sp>
       <p:sp>
         <p:nvSpPr>
           <p:cNvPr id="127" name="Shape 127"/>
-          <p:cNvSpPr txBox="1"/>
+          <p:cNvSpPr txBox="1">
+            <a:spLocks noGrp="1"/>
+          </p:cNvSpPr>
           <p:nvPr>
-            <p:ph idx="12" type="sldNum"/>
+            <p:ph type="sldNum" idx="12"/>
           </p:nvPr>
         </p:nvSpPr>
         <p:spPr>
@@ -3352,7 +3371,7 @@
           </a:prstGeom>
         </p:spPr>
         <p:txBody>
-          <a:bodyPr anchorCtr="0" anchor="ctr" bIns="91425" lIns="91425" spcFirstLastPara="1" rIns="91425" wrap="square" tIns="91425">
+          <a:bodyPr spcFirstLastPara="1" wrap="square" lIns="91425" tIns="91425" rIns="91425" bIns="91425" anchor="ctr" anchorCtr="0">
             <a:noAutofit/>
           </a:bodyPr>
           <a:lstStyle>
@@ -3394,7 +3413,7 @@
             </a:lvl9pPr>
           </a:lstStyle>
           <a:p>
-            <a:pPr indent="0" lvl="0" marL="0">
+            <a:pPr marL="0" lvl="0" indent="0">
               <a:spcBef>
                 <a:spcPts val="0"/>
               </a:spcBef>
@@ -3420,11 +3439,11 @@
 </file>
 
 <file path=ppt/slideLayouts/slideLayout11.xml><?xml version="1.0" encoding="utf-8"?>
-<p:sldLayout xmlns:a="http://schemas.openxmlformats.org/drawingml/2006/main" xmlns:r="http://schemas.openxmlformats.org/officeDocument/2006/relationships" xmlns:mc="http://schemas.openxmlformats.org/markup-compatibility/2006" xmlns:mv="urn:schemas-microsoft-com:mac:vml" xmlns:p="http://schemas.openxmlformats.org/presentationml/2006/main" xmlns:c="http://schemas.openxmlformats.org/drawingml/2006/chart" xmlns:dgm="http://schemas.openxmlformats.org/drawingml/2006/diagram" xmlns:o="urn:schemas-microsoft-com:office:office" xmlns:v="urn:schemas-microsoft-com:vml" xmlns:pvml="urn:schemas-microsoft-com:office:powerpoint" xmlns:com="http://schemas.openxmlformats.org/drawingml/2006/compatibility" xmlns:p14="http://schemas.microsoft.com/office/powerpoint/2010/main" xmlns:p15="http://schemas.microsoft.com/office/powerpoint/2012/main" matchingName="Blank" type="blank">
+<p:sldLayout xmlns:a="http://schemas.openxmlformats.org/drawingml/2006/main" xmlns:r="http://schemas.openxmlformats.org/officeDocument/2006/relationships" xmlns:p="http://schemas.openxmlformats.org/presentationml/2006/main" matchingName="Blank" type="blank">
   <p:cSld name="BLANK">
     <p:spTree>
       <p:nvGrpSpPr>
-        <p:cNvPr id="128" name="Shape 128"/>
+        <p:cNvPr id="1" name="Shape 128"/>
         <p:cNvGrpSpPr/>
         <p:nvPr/>
       </p:nvGrpSpPr>
@@ -3439,9 +3458,11 @@
       <p:sp>
         <p:nvSpPr>
           <p:cNvPr id="129" name="Shape 129"/>
-          <p:cNvSpPr txBox="1"/>
+          <p:cNvSpPr txBox="1">
+            <a:spLocks noGrp="1"/>
+          </p:cNvSpPr>
           <p:nvPr>
-            <p:ph idx="12" type="sldNum"/>
+            <p:ph type="sldNum" idx="12"/>
           </p:nvPr>
         </p:nvSpPr>
         <p:spPr>
@@ -3454,7 +3475,7 @@
           </a:prstGeom>
         </p:spPr>
         <p:txBody>
-          <a:bodyPr anchorCtr="0" anchor="ctr" bIns="91425" lIns="91425" spcFirstLastPara="1" rIns="91425" wrap="square" tIns="91425">
+          <a:bodyPr spcFirstLastPara="1" wrap="square" lIns="91425" tIns="91425" rIns="91425" bIns="91425" anchor="ctr" anchorCtr="0">
             <a:noAutofit/>
           </a:bodyPr>
           <a:lstStyle>
@@ -3496,7 +3517,7 @@
             </a:lvl9pPr>
           </a:lstStyle>
           <a:p>
-            <a:pPr indent="0" lvl="0" marL="0">
+            <a:pPr marL="0" lvl="0" indent="0">
               <a:spcBef>
                 <a:spcPts val="0"/>
               </a:spcBef>
@@ -3522,11 +3543,11 @@
 </file>
 
 <file path=ppt/slideLayouts/slideLayout2.xml><?xml version="1.0" encoding="utf-8"?>
-<p:sldLayout xmlns:a="http://schemas.openxmlformats.org/drawingml/2006/main" xmlns:r="http://schemas.openxmlformats.org/officeDocument/2006/relationships" xmlns:mc="http://schemas.openxmlformats.org/markup-compatibility/2006" xmlns:mv="urn:schemas-microsoft-com:mac:vml" xmlns:p="http://schemas.openxmlformats.org/presentationml/2006/main" xmlns:c="http://schemas.openxmlformats.org/drawingml/2006/chart" xmlns:dgm="http://schemas.openxmlformats.org/drawingml/2006/diagram" xmlns:o="urn:schemas-microsoft-com:office:office" xmlns:v="urn:schemas-microsoft-com:vml" xmlns:pvml="urn:schemas-microsoft-com:office:powerpoint" xmlns:com="http://schemas.openxmlformats.org/drawingml/2006/compatibility" xmlns:p14="http://schemas.microsoft.com/office/powerpoint/2010/main" xmlns:p15="http://schemas.microsoft.com/office/powerpoint/2012/main" matchingName="Section header" type="secHead">
+<p:sldLayout xmlns:a="http://schemas.openxmlformats.org/drawingml/2006/main" xmlns:r="http://schemas.openxmlformats.org/officeDocument/2006/relationships" xmlns:p="http://schemas.openxmlformats.org/presentationml/2006/main" matchingName="Section header" type="secHead">
   <p:cSld name="SECTION_HEADER">
     <p:spTree>
       <p:nvGrpSpPr>
-        <p:cNvPr id="19" name="Shape 19"/>
+        <p:cNvPr id="1" name="Shape 19"/>
         <p:cNvGrpSpPr/>
         <p:nvPr/>
       </p:nvGrpSpPr>
@@ -3565,7 +3586,7 @@
             </a:xfrm>
             <a:prstGeom prst="diagStripe">
               <a:avLst>
-                <a:gd fmla="val 49469" name="adj"/>
+                <a:gd name="adj" fmla="val 49469"/>
               </a:avLst>
             </a:prstGeom>
             <a:solidFill>
@@ -3578,12 +3599,12 @@
             </a:ln>
           </p:spPr>
           <p:txBody>
-            <a:bodyPr anchorCtr="0" anchor="ctr" bIns="91425" lIns="91425" spcFirstLastPara="1" rIns="91425" wrap="square" tIns="91425">
+            <a:bodyPr spcFirstLastPara="1" wrap="square" lIns="91425" tIns="91425" rIns="91425" bIns="91425" anchor="ctr" anchorCtr="0">
               <a:noAutofit/>
             </a:bodyPr>
             <a:lstStyle/>
             <a:p>
-              <a:pPr indent="0" lvl="0" marL="0">
+              <a:pPr marL="0" lvl="0" indent="0">
                 <a:spcBef>
                   <a:spcPts val="0"/>
                 </a:spcBef>
@@ -3592,9 +3613,6 @@
                 </a:spcAft>
                 <a:buNone/>
               </a:pPr>
-              <a:r>
-                <a:t/>
-              </a:r>
               <a:endParaRPr/>
             </a:p>
           </p:txBody>
@@ -3612,7 +3630,7 @@
             </a:xfrm>
             <a:prstGeom prst="diagStripe">
               <a:avLst>
-                <a:gd fmla="val 0" name="adj"/>
+                <a:gd name="adj" fmla="val 0"/>
               </a:avLst>
             </a:prstGeom>
             <a:solidFill>
@@ -3625,12 +3643,12 @@
             </a:ln>
           </p:spPr>
           <p:txBody>
-            <a:bodyPr anchorCtr="0" anchor="ctr" bIns="91425" lIns="91425" spcFirstLastPara="1" rIns="91425" wrap="square" tIns="91425">
+            <a:bodyPr spcFirstLastPara="1" wrap="square" lIns="91425" tIns="91425" rIns="91425" bIns="91425" anchor="ctr" anchorCtr="0">
               <a:noAutofit/>
             </a:bodyPr>
             <a:lstStyle/>
             <a:p>
-              <a:pPr indent="0" lvl="0" marL="0">
+              <a:pPr marL="0" lvl="0" indent="0">
                 <a:spcBef>
                   <a:spcPts val="0"/>
                 </a:spcBef>
@@ -3639,9 +3657,6 @@
                 </a:spcAft>
                 <a:buNone/>
               </a:pPr>
-              <a:r>
-                <a:t/>
-              </a:r>
               <a:endParaRPr/>
             </a:p>
           </p:txBody>
@@ -3659,7 +3674,7 @@
             </a:xfrm>
             <a:prstGeom prst="diagStripe">
               <a:avLst>
-                <a:gd fmla="val 50000" name="adj"/>
+                <a:gd name="adj" fmla="val 50000"/>
               </a:avLst>
             </a:prstGeom>
             <a:solidFill>
@@ -3672,12 +3687,12 @@
             </a:ln>
           </p:spPr>
           <p:txBody>
-            <a:bodyPr anchorCtr="0" anchor="ctr" bIns="91425" lIns="91425" spcFirstLastPara="1" rIns="91425" wrap="square" tIns="91425">
+            <a:bodyPr spcFirstLastPara="1" wrap="square" lIns="91425" tIns="91425" rIns="91425" bIns="91425" anchor="ctr" anchorCtr="0">
               <a:noAutofit/>
             </a:bodyPr>
             <a:lstStyle/>
             <a:p>
-              <a:pPr indent="0" lvl="0" marL="0">
+              <a:pPr marL="0" lvl="0" indent="0">
                 <a:spcBef>
                   <a:spcPts val="0"/>
                 </a:spcBef>
@@ -3686,9 +3701,6 @@
                 </a:spcAft>
                 <a:buNone/>
               </a:pPr>
-              <a:r>
-                <a:t/>
-              </a:r>
               <a:endParaRPr/>
             </a:p>
           </p:txBody>
@@ -3706,7 +3718,7 @@
             </a:xfrm>
             <a:prstGeom prst="diagStripe">
               <a:avLst>
-                <a:gd fmla="val 50000" name="adj"/>
+                <a:gd name="adj" fmla="val 50000"/>
               </a:avLst>
             </a:prstGeom>
             <a:solidFill>
@@ -3719,12 +3731,12 @@
             </a:ln>
           </p:spPr>
           <p:txBody>
-            <a:bodyPr anchorCtr="0" anchor="ctr" bIns="91425" lIns="91425" spcFirstLastPara="1" rIns="91425" wrap="square" tIns="91425">
+            <a:bodyPr spcFirstLastPara="1" wrap="square" lIns="91425" tIns="91425" rIns="91425" bIns="91425" anchor="ctr" anchorCtr="0">
               <a:noAutofit/>
             </a:bodyPr>
             <a:lstStyle/>
             <a:p>
-              <a:pPr indent="0" lvl="0" marL="0">
+              <a:pPr marL="0" lvl="0" indent="0">
                 <a:spcBef>
                   <a:spcPts val="0"/>
                 </a:spcBef>
@@ -3733,9 +3745,6 @@
                 </a:spcAft>
                 <a:buNone/>
               </a:pPr>
-              <a:r>
-                <a:t/>
-              </a:r>
               <a:endParaRPr/>
             </a:p>
           </p:txBody>
@@ -3753,7 +3762,7 @@
             </a:xfrm>
             <a:prstGeom prst="diagStripe">
               <a:avLst>
-                <a:gd fmla="val 50000" name="adj"/>
+                <a:gd name="adj" fmla="val 50000"/>
               </a:avLst>
             </a:prstGeom>
             <a:solidFill>
@@ -3766,12 +3775,12 @@
             </a:ln>
           </p:spPr>
           <p:txBody>
-            <a:bodyPr anchorCtr="0" anchor="ctr" bIns="91425" lIns="91425" spcFirstLastPara="1" rIns="91425" wrap="square" tIns="91425">
+            <a:bodyPr spcFirstLastPara="1" wrap="square" lIns="91425" tIns="91425" rIns="91425" bIns="91425" anchor="ctr" anchorCtr="0">
               <a:noAutofit/>
             </a:bodyPr>
             <a:lstStyle/>
             <a:p>
-              <a:pPr indent="0" lvl="0" marL="0">
+              <a:pPr marL="0" lvl="0" indent="0">
                 <a:spcBef>
                   <a:spcPts val="0"/>
                 </a:spcBef>
@@ -3780,9 +3789,6 @@
                 </a:spcAft>
                 <a:buNone/>
               </a:pPr>
-              <a:r>
-                <a:t/>
-              </a:r>
               <a:endParaRPr/>
             </a:p>
           </p:txBody>
@@ -3800,7 +3806,7 @@
             </a:xfrm>
             <a:prstGeom prst="diagStripe">
               <a:avLst>
-                <a:gd fmla="val 50000" name="adj"/>
+                <a:gd name="adj" fmla="val 50000"/>
               </a:avLst>
             </a:prstGeom>
             <a:solidFill>
@@ -3813,12 +3819,12 @@
             </a:ln>
           </p:spPr>
           <p:txBody>
-            <a:bodyPr anchorCtr="0" anchor="ctr" bIns="91425" lIns="91425" spcFirstLastPara="1" rIns="91425" wrap="square" tIns="91425">
+            <a:bodyPr spcFirstLastPara="1" wrap="square" lIns="91425" tIns="91425" rIns="91425" bIns="91425" anchor="ctr" anchorCtr="0">
               <a:noAutofit/>
             </a:bodyPr>
             <a:lstStyle/>
             <a:p>
-              <a:pPr indent="0" lvl="0" marL="0">
+              <a:pPr marL="0" lvl="0" indent="0">
                 <a:spcBef>
                   <a:spcPts val="0"/>
                 </a:spcBef>
@@ -3827,9 +3833,6 @@
                 </a:spcAft>
                 <a:buNone/>
               </a:pPr>
-              <a:r>
-                <a:t/>
-              </a:r>
               <a:endParaRPr/>
             </a:p>
           </p:txBody>
@@ -3847,7 +3850,7 @@
             </a:xfrm>
             <a:prstGeom prst="diagStripe">
               <a:avLst>
-                <a:gd fmla="val 50000" name="adj"/>
+                <a:gd name="adj" fmla="val 50000"/>
               </a:avLst>
             </a:prstGeom>
             <a:solidFill>
@@ -3860,12 +3863,12 @@
             </a:ln>
           </p:spPr>
           <p:txBody>
-            <a:bodyPr anchorCtr="0" anchor="ctr" bIns="91425" lIns="91425" spcFirstLastPara="1" rIns="91425" wrap="square" tIns="91425">
+            <a:bodyPr spcFirstLastPara="1" wrap="square" lIns="91425" tIns="91425" rIns="91425" bIns="91425" anchor="ctr" anchorCtr="0">
               <a:noAutofit/>
             </a:bodyPr>
             <a:lstStyle/>
             <a:p>
-              <a:pPr indent="0" lvl="0" marL="0">
+              <a:pPr marL="0" lvl="0" indent="0">
                 <a:spcBef>
                   <a:spcPts val="0"/>
                 </a:spcBef>
@@ -3874,9 +3877,6 @@
                 </a:spcAft>
                 <a:buNone/>
               </a:pPr>
-              <a:r>
-                <a:t/>
-              </a:r>
               <a:endParaRPr/>
             </a:p>
           </p:txBody>
@@ -3894,7 +3894,7 @@
             </a:xfrm>
             <a:prstGeom prst="diagStripe">
               <a:avLst>
-                <a:gd fmla="val 50000" name="adj"/>
+                <a:gd name="adj" fmla="val 50000"/>
               </a:avLst>
             </a:prstGeom>
             <a:solidFill>
@@ -3905,12 +3905,12 @@
             </a:ln>
           </p:spPr>
           <p:txBody>
-            <a:bodyPr anchorCtr="0" anchor="ctr" bIns="91425" lIns="91425" spcFirstLastPara="1" rIns="91425" wrap="square" tIns="91425">
+            <a:bodyPr spcFirstLastPara="1" wrap="square" lIns="91425" tIns="91425" rIns="91425" bIns="91425" anchor="ctr" anchorCtr="0">
               <a:noAutofit/>
             </a:bodyPr>
             <a:lstStyle/>
             <a:p>
-              <a:pPr indent="0" lvl="0" marL="0">
+              <a:pPr marL="0" lvl="0" indent="0">
                 <a:spcBef>
                   <a:spcPts val="0"/>
                 </a:spcBef>
@@ -3919,9 +3919,6 @@
                 </a:spcAft>
                 <a:buNone/>
               </a:pPr>
-              <a:r>
-                <a:t/>
-              </a:r>
               <a:endParaRPr/>
             </a:p>
           </p:txBody>
@@ -3939,7 +3936,7 @@
             </a:xfrm>
             <a:prstGeom prst="diagStripe">
               <a:avLst>
-                <a:gd fmla="val 50000" name="adj"/>
+                <a:gd name="adj" fmla="val 50000"/>
               </a:avLst>
             </a:prstGeom>
             <a:solidFill>
@@ -3952,12 +3949,12 @@
             </a:ln>
           </p:spPr>
           <p:txBody>
-            <a:bodyPr anchorCtr="0" anchor="ctr" bIns="91425" lIns="91425" spcFirstLastPara="1" rIns="91425" wrap="square" tIns="91425">
+            <a:bodyPr spcFirstLastPara="1" wrap="square" lIns="91425" tIns="91425" rIns="91425" bIns="91425" anchor="ctr" anchorCtr="0">
               <a:noAutofit/>
             </a:bodyPr>
             <a:lstStyle/>
             <a:p>
-              <a:pPr indent="0" lvl="0" marL="0">
+              <a:pPr marL="0" lvl="0" indent="0">
                 <a:spcBef>
                   <a:spcPts val="0"/>
                 </a:spcBef>
@@ -3966,9 +3963,6 @@
                 </a:spcAft>
                 <a:buNone/>
               </a:pPr>
-              <a:r>
-                <a:t/>
-              </a:r>
               <a:endParaRPr/>
             </a:p>
           </p:txBody>
@@ -3986,7 +3980,7 @@
             </a:xfrm>
             <a:prstGeom prst="diagStripe">
               <a:avLst>
-                <a:gd fmla="val 50000" name="adj"/>
+                <a:gd name="adj" fmla="val 50000"/>
               </a:avLst>
             </a:prstGeom>
             <a:solidFill>
@@ -3999,12 +3993,12 @@
             </a:ln>
           </p:spPr>
           <p:txBody>
-            <a:bodyPr anchorCtr="0" anchor="ctr" bIns="91425" lIns="91425" spcFirstLastPara="1" rIns="91425" wrap="square" tIns="91425">
+            <a:bodyPr spcFirstLastPara="1" wrap="square" lIns="91425" tIns="91425" rIns="91425" bIns="91425" anchor="ctr" anchorCtr="0">
               <a:noAutofit/>
             </a:bodyPr>
             <a:lstStyle/>
             <a:p>
-              <a:pPr indent="0" lvl="0" marL="0">
+              <a:pPr marL="0" lvl="0" indent="0">
                 <a:spcBef>
                   <a:spcPts val="0"/>
                 </a:spcBef>
@@ -4013,9 +4007,6 @@
                 </a:spcAft>
                 <a:buNone/>
               </a:pPr>
-              <a:r>
-                <a:t/>
-              </a:r>
               <a:endParaRPr/>
             </a:p>
           </p:txBody>
@@ -4033,7 +4024,7 @@
             </a:xfrm>
             <a:prstGeom prst="diagStripe">
               <a:avLst>
-                <a:gd fmla="val 50000" name="adj"/>
+                <a:gd name="adj" fmla="val 50000"/>
               </a:avLst>
             </a:prstGeom>
             <a:solidFill>
@@ -4046,12 +4037,12 @@
             </a:ln>
           </p:spPr>
           <p:txBody>
-            <a:bodyPr anchorCtr="0" anchor="ctr" bIns="91425" lIns="91425" spcFirstLastPara="1" rIns="91425" wrap="square" tIns="91425">
+            <a:bodyPr spcFirstLastPara="1" wrap="square" lIns="91425" tIns="91425" rIns="91425" bIns="91425" anchor="ctr" anchorCtr="0">
               <a:noAutofit/>
             </a:bodyPr>
             <a:lstStyle/>
             <a:p>
-              <a:pPr indent="0" lvl="0" marL="0">
+              <a:pPr marL="0" lvl="0" indent="0">
                 <a:spcBef>
                   <a:spcPts val="0"/>
                 </a:spcBef>
@@ -4060,9 +4051,6 @@
                 </a:spcAft>
                 <a:buNone/>
               </a:pPr>
-              <a:r>
-                <a:t/>
-              </a:r>
               <a:endParaRPr/>
             </a:p>
           </p:txBody>
@@ -4080,7 +4068,7 @@
             </a:xfrm>
             <a:prstGeom prst="diagStripe">
               <a:avLst>
-                <a:gd fmla="val 50000" name="adj"/>
+                <a:gd name="adj" fmla="val 50000"/>
               </a:avLst>
             </a:prstGeom>
             <a:solidFill>
@@ -4093,12 +4081,12 @@
             </a:ln>
           </p:spPr>
           <p:txBody>
-            <a:bodyPr anchorCtr="0" anchor="ctr" bIns="91425" lIns="91425" spcFirstLastPara="1" rIns="91425" wrap="square" tIns="91425">
+            <a:bodyPr spcFirstLastPara="1" wrap="square" lIns="91425" tIns="91425" rIns="91425" bIns="91425" anchor="ctr" anchorCtr="0">
               <a:noAutofit/>
             </a:bodyPr>
             <a:lstStyle/>
             <a:p>
-              <a:pPr indent="0" lvl="0" marL="0">
+              <a:pPr marL="0" lvl="0" indent="0">
                 <a:spcBef>
                   <a:spcPts val="0"/>
                 </a:spcBef>
@@ -4107,9 +4095,6 @@
                 </a:spcAft>
                 <a:buNone/>
               </a:pPr>
-              <a:r>
-                <a:t/>
-              </a:r>
               <a:endParaRPr/>
             </a:p>
           </p:txBody>
@@ -4127,7 +4112,7 @@
             </a:xfrm>
             <a:prstGeom prst="diagStripe">
               <a:avLst>
-                <a:gd fmla="val 50000" name="adj"/>
+                <a:gd name="adj" fmla="val 50000"/>
               </a:avLst>
             </a:prstGeom>
             <a:solidFill>
@@ -4140,12 +4125,12 @@
             </a:ln>
           </p:spPr>
           <p:txBody>
-            <a:bodyPr anchorCtr="0" anchor="ctr" bIns="91425" lIns="91425" spcFirstLastPara="1" rIns="91425" wrap="square" tIns="91425">
+            <a:bodyPr spcFirstLastPara="1" wrap="square" lIns="91425" tIns="91425" rIns="91425" bIns="91425" anchor="ctr" anchorCtr="0">
               <a:noAutofit/>
             </a:bodyPr>
             <a:lstStyle/>
             <a:p>
-              <a:pPr indent="0" lvl="0" marL="0">
+              <a:pPr marL="0" lvl="0" indent="0">
                 <a:spcBef>
                   <a:spcPts val="0"/>
                 </a:spcBef>
@@ -4154,9 +4139,6 @@
                 </a:spcAft>
                 <a:buNone/>
               </a:pPr>
-              <a:r>
-                <a:t/>
-              </a:r>
               <a:endParaRPr/>
             </a:p>
           </p:txBody>
@@ -4174,7 +4156,7 @@
             </a:xfrm>
             <a:prstGeom prst="diagStripe">
               <a:avLst>
-                <a:gd fmla="val 50000" name="adj"/>
+                <a:gd name="adj" fmla="val 50000"/>
               </a:avLst>
             </a:prstGeom>
             <a:solidFill>
@@ -4185,12 +4167,12 @@
             </a:ln>
           </p:spPr>
           <p:txBody>
-            <a:bodyPr anchorCtr="0" anchor="ctr" bIns="91425" lIns="91425" spcFirstLastPara="1" rIns="91425" wrap="square" tIns="91425">
+            <a:bodyPr spcFirstLastPara="1" wrap="square" lIns="91425" tIns="91425" rIns="91425" bIns="91425" anchor="ctr" anchorCtr="0">
               <a:noAutofit/>
             </a:bodyPr>
             <a:lstStyle/>
             <a:p>
-              <a:pPr indent="0" lvl="0" marL="0">
+              <a:pPr marL="0" lvl="0" indent="0">
                 <a:spcBef>
                   <a:spcPts val="0"/>
                 </a:spcBef>
@@ -4199,9 +4181,6 @@
                 </a:spcAft>
                 <a:buNone/>
               </a:pPr>
-              <a:r>
-                <a:t/>
-              </a:r>
               <a:endParaRPr/>
             </a:p>
           </p:txBody>
@@ -4219,7 +4198,7 @@
             </a:xfrm>
             <a:prstGeom prst="diagStripe">
               <a:avLst>
-                <a:gd fmla="val 50000" name="adj"/>
+                <a:gd name="adj" fmla="val 50000"/>
               </a:avLst>
             </a:prstGeom>
             <a:solidFill>
@@ -4232,12 +4211,12 @@
             </a:ln>
           </p:spPr>
           <p:txBody>
-            <a:bodyPr anchorCtr="0" anchor="ctr" bIns="91425" lIns="91425" spcFirstLastPara="1" rIns="91425" wrap="square" tIns="91425">
+            <a:bodyPr spcFirstLastPara="1" wrap="square" lIns="91425" tIns="91425" rIns="91425" bIns="91425" anchor="ctr" anchorCtr="0">
               <a:noAutofit/>
             </a:bodyPr>
             <a:lstStyle/>
             <a:p>
-              <a:pPr indent="0" lvl="0" marL="0">
+              <a:pPr marL="0" lvl="0" indent="0">
                 <a:spcBef>
                   <a:spcPts val="0"/>
                 </a:spcBef>
@@ -4246,9 +4225,6 @@
                 </a:spcAft>
                 <a:buNone/>
               </a:pPr>
-              <a:r>
-                <a:t/>
-              </a:r>
               <a:endParaRPr/>
             </a:p>
           </p:txBody>
@@ -4266,7 +4242,7 @@
             </a:xfrm>
             <a:prstGeom prst="diagStripe">
               <a:avLst>
-                <a:gd fmla="val 50000" name="adj"/>
+                <a:gd name="adj" fmla="val 50000"/>
               </a:avLst>
             </a:prstGeom>
             <a:solidFill>
@@ -4279,12 +4255,12 @@
             </a:ln>
           </p:spPr>
           <p:txBody>
-            <a:bodyPr anchorCtr="0" anchor="ctr" bIns="91425" lIns="91425" spcFirstLastPara="1" rIns="91425" wrap="square" tIns="91425">
+            <a:bodyPr spcFirstLastPara="1" wrap="square" lIns="91425" tIns="91425" rIns="91425" bIns="91425" anchor="ctr" anchorCtr="0">
               <a:noAutofit/>
             </a:bodyPr>
             <a:lstStyle/>
             <a:p>
-              <a:pPr indent="0" lvl="0" marL="0">
+              <a:pPr marL="0" lvl="0" indent="0">
                 <a:spcBef>
                   <a:spcPts val="0"/>
                 </a:spcBef>
@@ -4293,9 +4269,6 @@
                 </a:spcAft>
                 <a:buNone/>
               </a:pPr>
-              <a:r>
-                <a:t/>
-              </a:r>
               <a:endParaRPr/>
             </a:p>
           </p:txBody>
@@ -4313,7 +4286,7 @@
             </a:xfrm>
             <a:prstGeom prst="diagStripe">
               <a:avLst>
-                <a:gd fmla="val 50000" name="adj"/>
+                <a:gd name="adj" fmla="val 50000"/>
               </a:avLst>
             </a:prstGeom>
             <a:solidFill>
@@ -4326,12 +4299,12 @@
             </a:ln>
           </p:spPr>
           <p:txBody>
-            <a:bodyPr anchorCtr="0" anchor="ctr" bIns="91425" lIns="91425" spcFirstLastPara="1" rIns="91425" wrap="square" tIns="91425">
+            <a:bodyPr spcFirstLastPara="1" wrap="square" lIns="91425" tIns="91425" rIns="91425" bIns="91425" anchor="ctr" anchorCtr="0">
               <a:noAutofit/>
             </a:bodyPr>
             <a:lstStyle/>
             <a:p>
-              <a:pPr indent="0" lvl="0" marL="0">
+              <a:pPr marL="0" lvl="0" indent="0">
                 <a:spcBef>
                   <a:spcPts val="0"/>
                 </a:spcBef>
@@ -4340,9 +4313,6 @@
                 </a:spcAft>
                 <a:buNone/>
               </a:pPr>
-              <a:r>
-                <a:t/>
-              </a:r>
               <a:endParaRPr/>
             </a:p>
           </p:txBody>
@@ -4360,7 +4330,7 @@
             </a:xfrm>
             <a:prstGeom prst="diagStripe">
               <a:avLst>
-                <a:gd fmla="val 50000" name="adj"/>
+                <a:gd name="adj" fmla="val 50000"/>
               </a:avLst>
             </a:prstGeom>
             <a:solidFill>
@@ -4373,12 +4343,12 @@
             </a:ln>
           </p:spPr>
           <p:txBody>
-            <a:bodyPr anchorCtr="0" anchor="ctr" bIns="91425" lIns="91425" spcFirstLastPara="1" rIns="91425" wrap="square" tIns="91425">
+            <a:bodyPr spcFirstLastPara="1" wrap="square" lIns="91425" tIns="91425" rIns="91425" bIns="91425" anchor="ctr" anchorCtr="0">
               <a:noAutofit/>
             </a:bodyPr>
             <a:lstStyle/>
             <a:p>
-              <a:pPr indent="0" lvl="0" marL="0">
+              <a:pPr marL="0" lvl="0" indent="0">
                 <a:spcBef>
                   <a:spcPts val="0"/>
                 </a:spcBef>
@@ -4387,9 +4357,6 @@
                 </a:spcAft>
                 <a:buNone/>
               </a:pPr>
-              <a:r>
-                <a:t/>
-              </a:r>
               <a:endParaRPr/>
             </a:p>
           </p:txBody>
@@ -4398,7 +4365,9 @@
       <p:sp>
         <p:nvSpPr>
           <p:cNvPr id="39" name="Shape 39"/>
-          <p:cNvSpPr txBox="1"/>
+          <p:cNvSpPr txBox="1">
+            <a:spLocks noGrp="1"/>
+          </p:cNvSpPr>
           <p:nvPr>
             <p:ph type="title"/>
           </p:nvPr>
@@ -4413,7 +4382,7 @@
           </a:prstGeom>
         </p:spPr>
         <p:txBody>
-          <a:bodyPr anchorCtr="0" anchor="ctr" bIns="91425" lIns="91425" spcFirstLastPara="1" rIns="91425" wrap="square" tIns="91425"/>
+          <a:bodyPr spcFirstLastPara="1" wrap="square" lIns="91425" tIns="91425" rIns="91425" bIns="91425" anchor="ctr" anchorCtr="0"/>
           <a:lstStyle>
             <a:lvl1pPr lvl="0" rtl="0">
               <a:spcBef>
@@ -4515,15 +4484,19 @@
               <a:defRPr/>
             </a:lvl9pPr>
           </a:lstStyle>
-          <a:p/>
+          <a:p>
+            <a:endParaRPr/>
+          </a:p>
         </p:txBody>
       </p:sp>
       <p:sp>
         <p:nvSpPr>
           <p:cNvPr id="40" name="Shape 40"/>
-          <p:cNvSpPr txBox="1"/>
+          <p:cNvSpPr txBox="1">
+            <a:spLocks noGrp="1"/>
+          </p:cNvSpPr>
           <p:nvPr>
-            <p:ph idx="12" type="sldNum"/>
+            <p:ph type="sldNum" idx="12"/>
           </p:nvPr>
         </p:nvSpPr>
         <p:spPr>
@@ -4536,7 +4509,7 @@
           </a:prstGeom>
         </p:spPr>
         <p:txBody>
-          <a:bodyPr anchorCtr="0" anchor="ctr" bIns="91425" lIns="91425" spcFirstLastPara="1" rIns="91425" wrap="square" tIns="91425">
+          <a:bodyPr spcFirstLastPara="1" wrap="square" lIns="91425" tIns="91425" rIns="91425" bIns="91425" anchor="ctr" anchorCtr="0">
             <a:noAutofit/>
           </a:bodyPr>
           <a:lstStyle>
@@ -4578,7 +4551,7 @@
             </a:lvl9pPr>
           </a:lstStyle>
           <a:p>
-            <a:pPr indent="0" lvl="0" marL="0">
+            <a:pPr marL="0" lvl="0" indent="0">
               <a:spcBef>
                 <a:spcPts val="0"/>
               </a:spcBef>
@@ -4604,11 +4577,11 @@
 </file>
 
 <file path=ppt/slideLayouts/slideLayout3.xml><?xml version="1.0" encoding="utf-8"?>
-<p:sldLayout xmlns:a="http://schemas.openxmlformats.org/drawingml/2006/main" xmlns:r="http://schemas.openxmlformats.org/officeDocument/2006/relationships" xmlns:mc="http://schemas.openxmlformats.org/markup-compatibility/2006" xmlns:mv="urn:schemas-microsoft-com:mac:vml" xmlns:p="http://schemas.openxmlformats.org/presentationml/2006/main" xmlns:c="http://schemas.openxmlformats.org/drawingml/2006/chart" xmlns:dgm="http://schemas.openxmlformats.org/drawingml/2006/diagram" xmlns:o="urn:schemas-microsoft-com:office:office" xmlns:v="urn:schemas-microsoft-com:vml" xmlns:pvml="urn:schemas-microsoft-com:office:powerpoint" xmlns:com="http://schemas.openxmlformats.org/drawingml/2006/compatibility" xmlns:p14="http://schemas.microsoft.com/office/powerpoint/2010/main" xmlns:p15="http://schemas.microsoft.com/office/powerpoint/2012/main" matchingName="Title and body" type="tx">
+<p:sldLayout xmlns:a="http://schemas.openxmlformats.org/drawingml/2006/main" xmlns:r="http://schemas.openxmlformats.org/officeDocument/2006/relationships" xmlns:p="http://schemas.openxmlformats.org/presentationml/2006/main" matchingName="Title and body" type="tx">
   <p:cSld name="TITLE_AND_BODY">
     <p:spTree>
       <p:nvGrpSpPr>
-        <p:cNvPr id="41" name="Shape 41"/>
+        <p:cNvPr id="1" name="Shape 41"/>
         <p:cNvGrpSpPr/>
         <p:nvPr/>
       </p:nvGrpSpPr>
@@ -4647,7 +4620,7 @@
             </a:xfrm>
             <a:prstGeom prst="diagStripe">
               <a:avLst>
-                <a:gd fmla="val 50000" name="adj"/>
+                <a:gd name="adj" fmla="val 50000"/>
               </a:avLst>
             </a:prstGeom>
             <a:solidFill>
@@ -4658,12 +4631,12 @@
             </a:ln>
           </p:spPr>
           <p:txBody>
-            <a:bodyPr anchorCtr="0" anchor="ctr" bIns="91425" lIns="91425" spcFirstLastPara="1" rIns="91425" wrap="square" tIns="91425">
+            <a:bodyPr spcFirstLastPara="1" wrap="square" lIns="91425" tIns="91425" rIns="91425" bIns="91425" anchor="ctr" anchorCtr="0">
               <a:noAutofit/>
             </a:bodyPr>
             <a:lstStyle/>
             <a:p>
-              <a:pPr indent="0" lvl="0" marL="0">
+              <a:pPr marL="0" lvl="0" indent="0">
                 <a:spcBef>
                   <a:spcPts val="0"/>
                 </a:spcBef>
@@ -4672,9 +4645,6 @@
                 </a:spcAft>
                 <a:buNone/>
               </a:pPr>
-              <a:r>
-                <a:t/>
-              </a:r>
               <a:endParaRPr/>
             </a:p>
           </p:txBody>
@@ -4692,7 +4662,7 @@
             </a:xfrm>
             <a:prstGeom prst="diagStripe">
               <a:avLst>
-                <a:gd fmla="val 50000" name="adj"/>
+                <a:gd name="adj" fmla="val 50000"/>
               </a:avLst>
             </a:prstGeom>
             <a:solidFill>
@@ -4703,12 +4673,12 @@
             </a:ln>
           </p:spPr>
           <p:txBody>
-            <a:bodyPr anchorCtr="0" anchor="ctr" bIns="91425" lIns="91425" spcFirstLastPara="1" rIns="91425" wrap="square" tIns="91425">
+            <a:bodyPr spcFirstLastPara="1" wrap="square" lIns="91425" tIns="91425" rIns="91425" bIns="91425" anchor="ctr" anchorCtr="0">
               <a:noAutofit/>
             </a:bodyPr>
             <a:lstStyle/>
             <a:p>
-              <a:pPr indent="0" lvl="0" marL="0">
+              <a:pPr marL="0" lvl="0" indent="0">
                 <a:spcBef>
                   <a:spcPts val="0"/>
                 </a:spcBef>
@@ -4717,9 +4687,6 @@
                 </a:spcAft>
                 <a:buNone/>
               </a:pPr>
-              <a:r>
-                <a:t/>
-              </a:r>
               <a:endParaRPr/>
             </a:p>
           </p:txBody>
@@ -4728,7 +4695,9 @@
       <p:sp>
         <p:nvSpPr>
           <p:cNvPr id="45" name="Shape 45"/>
-          <p:cNvSpPr txBox="1"/>
+          <p:cNvSpPr txBox="1">
+            <a:spLocks noGrp="1"/>
+          </p:cNvSpPr>
           <p:nvPr>
             <p:ph type="title"/>
           </p:nvPr>
@@ -4743,7 +4712,7 @@
           </a:prstGeom>
         </p:spPr>
         <p:txBody>
-          <a:bodyPr anchorCtr="0" anchor="t" bIns="91425" lIns="91425" spcFirstLastPara="1" rIns="91425" wrap="square" tIns="91425"/>
+          <a:bodyPr spcFirstLastPara="1" wrap="square" lIns="91425" tIns="91425" rIns="91425" bIns="91425" anchor="t" anchorCtr="0"/>
           <a:lstStyle>
             <a:lvl1pPr lvl="0" rtl="0">
               <a:spcBef>
@@ -4845,15 +4814,19 @@
               <a:defRPr sz="2400"/>
             </a:lvl9pPr>
           </a:lstStyle>
-          <a:p/>
+          <a:p>
+            <a:endParaRPr/>
+          </a:p>
         </p:txBody>
       </p:sp>
       <p:sp>
         <p:nvSpPr>
           <p:cNvPr id="46" name="Shape 46"/>
-          <p:cNvSpPr txBox="1"/>
+          <p:cNvSpPr txBox="1">
+            <a:spLocks noGrp="1"/>
+          </p:cNvSpPr>
           <p:nvPr>
-            <p:ph idx="1" type="body"/>
+            <p:ph type="body" idx="1"/>
           </p:nvPr>
         </p:nvSpPr>
         <p:spPr>
@@ -4866,9 +4839,9 @@
           </a:prstGeom>
         </p:spPr>
         <p:txBody>
-          <a:bodyPr anchorCtr="0" anchor="t" bIns="91425" lIns="91425" spcFirstLastPara="1" rIns="91425" wrap="square" tIns="91425"/>
+          <a:bodyPr spcFirstLastPara="1" wrap="square" lIns="91425" tIns="91425" rIns="91425" bIns="91425" anchor="t" anchorCtr="0"/>
           <a:lstStyle>
-            <a:lvl1pPr indent="-311150" lvl="0" marL="457200" rtl="0">
+            <a:lvl1pPr marL="457200" lvl="0" indent="-311150" rtl="0">
               <a:spcBef>
                 <a:spcPts val="0"/>
               </a:spcBef>
@@ -4879,7 +4852,7 @@
               <a:buChar char="●"/>
               <a:defRPr/>
             </a:lvl1pPr>
-            <a:lvl2pPr indent="-298450" lvl="1" marL="914400" rtl="0">
+            <a:lvl2pPr marL="914400" lvl="1" indent="-298450" rtl="0">
               <a:spcBef>
                 <a:spcPts val="1600"/>
               </a:spcBef>
@@ -4890,7 +4863,7 @@
               <a:buChar char="○"/>
               <a:defRPr/>
             </a:lvl2pPr>
-            <a:lvl3pPr indent="-298450" lvl="2" marL="1371600" rtl="0">
+            <a:lvl3pPr marL="1371600" lvl="2" indent="-298450" rtl="0">
               <a:spcBef>
                 <a:spcPts val="1600"/>
               </a:spcBef>
@@ -4901,7 +4874,7 @@
               <a:buChar char="■"/>
               <a:defRPr/>
             </a:lvl3pPr>
-            <a:lvl4pPr indent="-298450" lvl="3" marL="1828800" rtl="0">
+            <a:lvl4pPr marL="1828800" lvl="3" indent="-298450" rtl="0">
               <a:spcBef>
                 <a:spcPts val="1600"/>
               </a:spcBef>
@@ -4912,7 +4885,7 @@
               <a:buChar char="●"/>
               <a:defRPr/>
             </a:lvl4pPr>
-            <a:lvl5pPr indent="-298450" lvl="4" marL="2286000" rtl="0">
+            <a:lvl5pPr marL="2286000" lvl="4" indent="-298450" rtl="0">
               <a:spcBef>
                 <a:spcPts val="1600"/>
               </a:spcBef>
@@ -4923,7 +4896,7 @@
               <a:buChar char="○"/>
               <a:defRPr/>
             </a:lvl5pPr>
-            <a:lvl6pPr indent="-298450" lvl="5" marL="2743200" rtl="0">
+            <a:lvl6pPr marL="2743200" lvl="5" indent="-298450" rtl="0">
               <a:spcBef>
                 <a:spcPts val="1600"/>
               </a:spcBef>
@@ -4934,7 +4907,7 @@
               <a:buChar char="■"/>
               <a:defRPr/>
             </a:lvl6pPr>
-            <a:lvl7pPr indent="-298450" lvl="6" marL="3200400" rtl="0">
+            <a:lvl7pPr marL="3200400" lvl="6" indent="-298450" rtl="0">
               <a:spcBef>
                 <a:spcPts val="1600"/>
               </a:spcBef>
@@ -4945,7 +4918,7 @@
               <a:buChar char="●"/>
               <a:defRPr/>
             </a:lvl7pPr>
-            <a:lvl8pPr indent="-298450" lvl="7" marL="3657600" rtl="0">
+            <a:lvl8pPr marL="3657600" lvl="7" indent="-298450" rtl="0">
               <a:spcBef>
                 <a:spcPts val="1600"/>
               </a:spcBef>
@@ -4956,7 +4929,7 @@
               <a:buChar char="○"/>
               <a:defRPr/>
             </a:lvl8pPr>
-            <a:lvl9pPr indent="-298450" lvl="8" marL="4114800" rtl="0">
+            <a:lvl9pPr marL="4114800" lvl="8" indent="-298450" rtl="0">
               <a:spcBef>
                 <a:spcPts val="1600"/>
               </a:spcBef>
@@ -4968,15 +4941,19 @@
               <a:defRPr/>
             </a:lvl9pPr>
           </a:lstStyle>
-          <a:p/>
+          <a:p>
+            <a:endParaRPr/>
+          </a:p>
         </p:txBody>
       </p:sp>
       <p:sp>
         <p:nvSpPr>
           <p:cNvPr id="47" name="Shape 47"/>
-          <p:cNvSpPr txBox="1"/>
+          <p:cNvSpPr txBox="1">
+            <a:spLocks noGrp="1"/>
+          </p:cNvSpPr>
           <p:nvPr>
-            <p:ph idx="12" type="sldNum"/>
+            <p:ph type="sldNum" idx="12"/>
           </p:nvPr>
         </p:nvSpPr>
         <p:spPr>
@@ -4989,7 +4966,7 @@
           </a:prstGeom>
         </p:spPr>
         <p:txBody>
-          <a:bodyPr anchorCtr="0" anchor="ctr" bIns="91425" lIns="91425" spcFirstLastPara="1" rIns="91425" wrap="square" tIns="91425">
+          <a:bodyPr spcFirstLastPara="1" wrap="square" lIns="91425" tIns="91425" rIns="91425" bIns="91425" anchor="ctr" anchorCtr="0">
             <a:noAutofit/>
           </a:bodyPr>
           <a:lstStyle>
@@ -5031,7 +5008,7 @@
             </a:lvl9pPr>
           </a:lstStyle>
           <a:p>
-            <a:pPr indent="0" lvl="0" marL="0">
+            <a:pPr marL="0" lvl="0" indent="0">
               <a:spcBef>
                 <a:spcPts val="0"/>
               </a:spcBef>
@@ -5057,11 +5034,11 @@
 </file>
 
 <file path=ppt/slideLayouts/slideLayout4.xml><?xml version="1.0" encoding="utf-8"?>
-<p:sldLayout xmlns:a="http://schemas.openxmlformats.org/drawingml/2006/main" xmlns:r="http://schemas.openxmlformats.org/officeDocument/2006/relationships" xmlns:mc="http://schemas.openxmlformats.org/markup-compatibility/2006" xmlns:mv="urn:schemas-microsoft-com:mac:vml" xmlns:p="http://schemas.openxmlformats.org/presentationml/2006/main" xmlns:c="http://schemas.openxmlformats.org/drawingml/2006/chart" xmlns:dgm="http://schemas.openxmlformats.org/drawingml/2006/diagram" xmlns:o="urn:schemas-microsoft-com:office:office" xmlns:v="urn:schemas-microsoft-com:vml" xmlns:pvml="urn:schemas-microsoft-com:office:powerpoint" xmlns:com="http://schemas.openxmlformats.org/drawingml/2006/compatibility" xmlns:p14="http://schemas.microsoft.com/office/powerpoint/2010/main" xmlns:p15="http://schemas.microsoft.com/office/powerpoint/2012/main" matchingName="Title and two columns" type="twoColTx">
+<p:sldLayout xmlns:a="http://schemas.openxmlformats.org/drawingml/2006/main" xmlns:r="http://schemas.openxmlformats.org/officeDocument/2006/relationships" xmlns:p="http://schemas.openxmlformats.org/presentationml/2006/main" matchingName="Title and two columns" type="twoColTx">
   <p:cSld name="TITLE_AND_TWO_COLUMNS">
     <p:spTree>
       <p:nvGrpSpPr>
-        <p:cNvPr id="48" name="Shape 48"/>
+        <p:cNvPr id="1" name="Shape 48"/>
         <p:cNvGrpSpPr/>
         <p:nvPr/>
       </p:nvGrpSpPr>
@@ -5100,7 +5077,7 @@
             </a:xfrm>
             <a:prstGeom prst="diagStripe">
               <a:avLst>
-                <a:gd fmla="val 50000" name="adj"/>
+                <a:gd name="adj" fmla="val 50000"/>
               </a:avLst>
             </a:prstGeom>
             <a:solidFill>
@@ -5111,12 +5088,12 @@
             </a:ln>
           </p:spPr>
           <p:txBody>
-            <a:bodyPr anchorCtr="0" anchor="ctr" bIns="91425" lIns="91425" spcFirstLastPara="1" rIns="91425" wrap="square" tIns="91425">
+            <a:bodyPr spcFirstLastPara="1" wrap="square" lIns="91425" tIns="91425" rIns="91425" bIns="91425" anchor="ctr" anchorCtr="0">
               <a:noAutofit/>
             </a:bodyPr>
             <a:lstStyle/>
             <a:p>
-              <a:pPr indent="0" lvl="0" marL="0">
+              <a:pPr marL="0" lvl="0" indent="0">
                 <a:spcBef>
                   <a:spcPts val="0"/>
                 </a:spcBef>
@@ -5125,9 +5102,6 @@
                 </a:spcAft>
                 <a:buNone/>
               </a:pPr>
-              <a:r>
-                <a:t/>
-              </a:r>
               <a:endParaRPr/>
             </a:p>
           </p:txBody>
@@ -5145,7 +5119,7 @@
             </a:xfrm>
             <a:prstGeom prst="diagStripe">
               <a:avLst>
-                <a:gd fmla="val 50000" name="adj"/>
+                <a:gd name="adj" fmla="val 50000"/>
               </a:avLst>
             </a:prstGeom>
             <a:solidFill>
@@ -5156,12 +5130,12 @@
             </a:ln>
           </p:spPr>
           <p:txBody>
-            <a:bodyPr anchorCtr="0" anchor="ctr" bIns="91425" lIns="91425" spcFirstLastPara="1" rIns="91425" wrap="square" tIns="91425">
+            <a:bodyPr spcFirstLastPara="1" wrap="square" lIns="91425" tIns="91425" rIns="91425" bIns="91425" anchor="ctr" anchorCtr="0">
               <a:noAutofit/>
             </a:bodyPr>
             <a:lstStyle/>
             <a:p>
-              <a:pPr indent="0" lvl="0" marL="0">
+              <a:pPr marL="0" lvl="0" indent="0">
                 <a:spcBef>
                   <a:spcPts val="0"/>
                 </a:spcBef>
@@ -5170,9 +5144,6 @@
                 </a:spcAft>
                 <a:buNone/>
               </a:pPr>
-              <a:r>
-                <a:t/>
-              </a:r>
               <a:endParaRPr/>
             </a:p>
           </p:txBody>
@@ -5181,7 +5152,9 @@
       <p:sp>
         <p:nvSpPr>
           <p:cNvPr id="52" name="Shape 52"/>
-          <p:cNvSpPr txBox="1"/>
+          <p:cNvSpPr txBox="1">
+            <a:spLocks noGrp="1"/>
+          </p:cNvSpPr>
           <p:nvPr>
             <p:ph type="title"/>
           </p:nvPr>
@@ -5196,7 +5169,7 @@
           </a:prstGeom>
         </p:spPr>
         <p:txBody>
-          <a:bodyPr anchorCtr="0" anchor="t" bIns="91425" lIns="91425" spcFirstLastPara="1" rIns="91425" wrap="square" tIns="91425"/>
+          <a:bodyPr spcFirstLastPara="1" wrap="square" lIns="91425" tIns="91425" rIns="91425" bIns="91425" anchor="t" anchorCtr="0"/>
           <a:lstStyle>
             <a:lvl1pPr lvl="0" rtl="0">
               <a:spcBef>
@@ -5298,15 +5271,19 @@
               <a:defRPr sz="2400"/>
             </a:lvl9pPr>
           </a:lstStyle>
-          <a:p/>
+          <a:p>
+            <a:endParaRPr/>
+          </a:p>
         </p:txBody>
       </p:sp>
       <p:sp>
         <p:nvSpPr>
           <p:cNvPr id="53" name="Shape 53"/>
-          <p:cNvSpPr txBox="1"/>
+          <p:cNvSpPr txBox="1">
+            <a:spLocks noGrp="1"/>
+          </p:cNvSpPr>
           <p:nvPr>
-            <p:ph idx="1" type="body"/>
+            <p:ph type="body" idx="1"/>
           </p:nvPr>
         </p:nvSpPr>
         <p:spPr>
@@ -5319,9 +5296,9 @@
           </a:prstGeom>
         </p:spPr>
         <p:txBody>
-          <a:bodyPr anchorCtr="0" anchor="t" bIns="91425" lIns="91425" spcFirstLastPara="1" rIns="91425" wrap="square" tIns="91425"/>
+          <a:bodyPr spcFirstLastPara="1" wrap="square" lIns="91425" tIns="91425" rIns="91425" bIns="91425" anchor="t" anchorCtr="0"/>
           <a:lstStyle>
-            <a:lvl1pPr indent="-311150" lvl="0" marL="457200" rtl="0">
+            <a:lvl1pPr marL="457200" lvl="0" indent="-311150" rtl="0">
               <a:spcBef>
                 <a:spcPts val="0"/>
               </a:spcBef>
@@ -5332,7 +5309,7 @@
               <a:buChar char="●"/>
               <a:defRPr/>
             </a:lvl1pPr>
-            <a:lvl2pPr indent="-298450" lvl="1" marL="914400" rtl="0">
+            <a:lvl2pPr marL="914400" lvl="1" indent="-298450" rtl="0">
               <a:spcBef>
                 <a:spcPts val="1600"/>
               </a:spcBef>
@@ -5343,7 +5320,7 @@
               <a:buChar char="○"/>
               <a:defRPr/>
             </a:lvl2pPr>
-            <a:lvl3pPr indent="-298450" lvl="2" marL="1371600" rtl="0">
+            <a:lvl3pPr marL="1371600" lvl="2" indent="-298450" rtl="0">
               <a:spcBef>
                 <a:spcPts val="1600"/>
               </a:spcBef>
@@ -5354,7 +5331,7 @@
               <a:buChar char="■"/>
               <a:defRPr/>
             </a:lvl3pPr>
-            <a:lvl4pPr indent="-298450" lvl="3" marL="1828800" rtl="0">
+            <a:lvl4pPr marL="1828800" lvl="3" indent="-298450" rtl="0">
               <a:spcBef>
                 <a:spcPts val="1600"/>
               </a:spcBef>
@@ -5365,7 +5342,7 @@
               <a:buChar char="●"/>
               <a:defRPr/>
             </a:lvl4pPr>
-            <a:lvl5pPr indent="-298450" lvl="4" marL="2286000" rtl="0">
+            <a:lvl5pPr marL="2286000" lvl="4" indent="-298450" rtl="0">
               <a:spcBef>
                 <a:spcPts val="1600"/>
               </a:spcBef>
@@ -5376,7 +5353,7 @@
               <a:buChar char="○"/>
               <a:defRPr/>
             </a:lvl5pPr>
-            <a:lvl6pPr indent="-298450" lvl="5" marL="2743200" rtl="0">
+            <a:lvl6pPr marL="2743200" lvl="5" indent="-298450" rtl="0">
               <a:spcBef>
                 <a:spcPts val="1600"/>
               </a:spcBef>
@@ -5387,7 +5364,7 @@
               <a:buChar char="■"/>
               <a:defRPr/>
             </a:lvl6pPr>
-            <a:lvl7pPr indent="-298450" lvl="6" marL="3200400" rtl="0">
+            <a:lvl7pPr marL="3200400" lvl="6" indent="-298450" rtl="0">
               <a:spcBef>
                 <a:spcPts val="1600"/>
               </a:spcBef>
@@ -5398,7 +5375,7 @@
               <a:buChar char="●"/>
               <a:defRPr/>
             </a:lvl7pPr>
-            <a:lvl8pPr indent="-298450" lvl="7" marL="3657600" rtl="0">
+            <a:lvl8pPr marL="3657600" lvl="7" indent="-298450" rtl="0">
               <a:spcBef>
                 <a:spcPts val="1600"/>
               </a:spcBef>
@@ -5409,7 +5386,7 @@
               <a:buChar char="○"/>
               <a:defRPr/>
             </a:lvl8pPr>
-            <a:lvl9pPr indent="-298450" lvl="8" marL="4114800" rtl="0">
+            <a:lvl9pPr marL="4114800" lvl="8" indent="-298450" rtl="0">
               <a:spcBef>
                 <a:spcPts val="1600"/>
               </a:spcBef>
@@ -5421,15 +5398,19 @@
               <a:defRPr/>
             </a:lvl9pPr>
           </a:lstStyle>
-          <a:p/>
+          <a:p>
+            <a:endParaRPr/>
+          </a:p>
         </p:txBody>
       </p:sp>
       <p:sp>
         <p:nvSpPr>
           <p:cNvPr id="54" name="Shape 54"/>
-          <p:cNvSpPr txBox="1"/>
+          <p:cNvSpPr txBox="1">
+            <a:spLocks noGrp="1"/>
+          </p:cNvSpPr>
           <p:nvPr>
-            <p:ph idx="2" type="body"/>
+            <p:ph type="body" idx="2"/>
           </p:nvPr>
         </p:nvSpPr>
         <p:spPr>
@@ -5442,9 +5423,9 @@
           </a:prstGeom>
         </p:spPr>
         <p:txBody>
-          <a:bodyPr anchorCtr="0" anchor="t" bIns="91425" lIns="91425" spcFirstLastPara="1" rIns="91425" wrap="square" tIns="91425"/>
+          <a:bodyPr spcFirstLastPara="1" wrap="square" lIns="91425" tIns="91425" rIns="91425" bIns="91425" anchor="t" anchorCtr="0"/>
           <a:lstStyle>
-            <a:lvl1pPr indent="-311150" lvl="0" marL="457200" rtl="0">
+            <a:lvl1pPr marL="457200" lvl="0" indent="-311150" rtl="0">
               <a:spcBef>
                 <a:spcPts val="0"/>
               </a:spcBef>
@@ -5455,7 +5436,7 @@
               <a:buChar char="●"/>
               <a:defRPr/>
             </a:lvl1pPr>
-            <a:lvl2pPr indent="-298450" lvl="1" marL="914400" rtl="0">
+            <a:lvl2pPr marL="914400" lvl="1" indent="-298450" rtl="0">
               <a:spcBef>
                 <a:spcPts val="1600"/>
               </a:spcBef>
@@ -5466,7 +5447,7 @@
               <a:buChar char="○"/>
               <a:defRPr/>
             </a:lvl2pPr>
-            <a:lvl3pPr indent="-298450" lvl="2" marL="1371600" rtl="0">
+            <a:lvl3pPr marL="1371600" lvl="2" indent="-298450" rtl="0">
               <a:spcBef>
                 <a:spcPts val="1600"/>
               </a:spcBef>
@@ -5477,7 +5458,7 @@
               <a:buChar char="■"/>
               <a:defRPr/>
             </a:lvl3pPr>
-            <a:lvl4pPr indent="-298450" lvl="3" marL="1828800" rtl="0">
+            <a:lvl4pPr marL="1828800" lvl="3" indent="-298450" rtl="0">
               <a:spcBef>
                 <a:spcPts val="1600"/>
               </a:spcBef>
@@ -5488,7 +5469,7 @@
               <a:buChar char="●"/>
               <a:defRPr/>
             </a:lvl4pPr>
-            <a:lvl5pPr indent="-298450" lvl="4" marL="2286000" rtl="0">
+            <a:lvl5pPr marL="2286000" lvl="4" indent="-298450" rtl="0">
               <a:spcBef>
                 <a:spcPts val="1600"/>
               </a:spcBef>
@@ -5499,7 +5480,7 @@
               <a:buChar char="○"/>
               <a:defRPr/>
             </a:lvl5pPr>
-            <a:lvl6pPr indent="-298450" lvl="5" marL="2743200" rtl="0">
+            <a:lvl6pPr marL="2743200" lvl="5" indent="-298450" rtl="0">
               <a:spcBef>
                 <a:spcPts val="1600"/>
               </a:spcBef>
@@ -5510,7 +5491,7 @@
               <a:buChar char="■"/>
               <a:defRPr/>
             </a:lvl6pPr>
-            <a:lvl7pPr indent="-298450" lvl="6" marL="3200400" rtl="0">
+            <a:lvl7pPr marL="3200400" lvl="6" indent="-298450" rtl="0">
               <a:spcBef>
                 <a:spcPts val="1600"/>
               </a:spcBef>
@@ -5521,7 +5502,7 @@
               <a:buChar char="●"/>
               <a:defRPr/>
             </a:lvl7pPr>
-            <a:lvl8pPr indent="-298450" lvl="7" marL="3657600" rtl="0">
+            <a:lvl8pPr marL="3657600" lvl="7" indent="-298450" rtl="0">
               <a:spcBef>
                 <a:spcPts val="1600"/>
               </a:spcBef>
@@ -5532,7 +5513,7 @@
               <a:buChar char="○"/>
               <a:defRPr/>
             </a:lvl8pPr>
-            <a:lvl9pPr indent="-298450" lvl="8" marL="4114800" rtl="0">
+            <a:lvl9pPr marL="4114800" lvl="8" indent="-298450" rtl="0">
               <a:spcBef>
                 <a:spcPts val="1600"/>
               </a:spcBef>
@@ -5544,15 +5525,19 @@
               <a:defRPr/>
             </a:lvl9pPr>
           </a:lstStyle>
-          <a:p/>
+          <a:p>
+            <a:endParaRPr/>
+          </a:p>
         </p:txBody>
       </p:sp>
       <p:sp>
         <p:nvSpPr>
           <p:cNvPr id="55" name="Shape 55"/>
-          <p:cNvSpPr txBox="1"/>
+          <p:cNvSpPr txBox="1">
+            <a:spLocks noGrp="1"/>
+          </p:cNvSpPr>
           <p:nvPr>
-            <p:ph idx="12" type="sldNum"/>
+            <p:ph type="sldNum" idx="12"/>
           </p:nvPr>
         </p:nvSpPr>
         <p:spPr>
@@ -5565,7 +5550,7 @@
           </a:prstGeom>
         </p:spPr>
         <p:txBody>
-          <a:bodyPr anchorCtr="0" anchor="ctr" bIns="91425" lIns="91425" spcFirstLastPara="1" rIns="91425" wrap="square" tIns="91425">
+          <a:bodyPr spcFirstLastPara="1" wrap="square" lIns="91425" tIns="91425" rIns="91425" bIns="91425" anchor="ctr" anchorCtr="0">
             <a:noAutofit/>
           </a:bodyPr>
           <a:lstStyle>
@@ -5607,7 +5592,7 @@
             </a:lvl9pPr>
           </a:lstStyle>
           <a:p>
-            <a:pPr indent="0" lvl="0" marL="0">
+            <a:pPr marL="0" lvl="0" indent="0">
               <a:spcBef>
                 <a:spcPts val="0"/>
               </a:spcBef>
@@ -5633,11 +5618,11 @@
 </file>
 
 <file path=ppt/slideLayouts/slideLayout5.xml><?xml version="1.0" encoding="utf-8"?>
-<p:sldLayout xmlns:a="http://schemas.openxmlformats.org/drawingml/2006/main" xmlns:r="http://schemas.openxmlformats.org/officeDocument/2006/relationships" xmlns:mc="http://schemas.openxmlformats.org/markup-compatibility/2006" xmlns:mv="urn:schemas-microsoft-com:mac:vml" xmlns:p="http://schemas.openxmlformats.org/presentationml/2006/main" xmlns:c="http://schemas.openxmlformats.org/drawingml/2006/chart" xmlns:dgm="http://schemas.openxmlformats.org/drawingml/2006/diagram" xmlns:o="urn:schemas-microsoft-com:office:office" xmlns:v="urn:schemas-microsoft-com:vml" xmlns:pvml="urn:schemas-microsoft-com:office:powerpoint" xmlns:com="http://schemas.openxmlformats.org/drawingml/2006/compatibility" xmlns:p14="http://schemas.microsoft.com/office/powerpoint/2010/main" xmlns:p15="http://schemas.microsoft.com/office/powerpoint/2012/main" matchingName="Title only" type="titleOnly">
+<p:sldLayout xmlns:a="http://schemas.openxmlformats.org/drawingml/2006/main" xmlns:r="http://schemas.openxmlformats.org/officeDocument/2006/relationships" xmlns:p="http://schemas.openxmlformats.org/presentationml/2006/main" matchingName="Title only" type="titleOnly">
   <p:cSld name="TITLE_ONLY">
     <p:spTree>
       <p:nvGrpSpPr>
-        <p:cNvPr id="56" name="Shape 56"/>
+        <p:cNvPr id="1" name="Shape 56"/>
         <p:cNvGrpSpPr/>
         <p:nvPr/>
       </p:nvGrpSpPr>
@@ -5676,7 +5661,7 @@
             </a:xfrm>
             <a:prstGeom prst="diagStripe">
               <a:avLst>
-                <a:gd fmla="val 50000" name="adj"/>
+                <a:gd name="adj" fmla="val 50000"/>
               </a:avLst>
             </a:prstGeom>
             <a:solidFill>
@@ -5687,12 +5672,12 @@
             </a:ln>
           </p:spPr>
           <p:txBody>
-            <a:bodyPr anchorCtr="0" anchor="ctr" bIns="91425" lIns="91425" spcFirstLastPara="1" rIns="91425" wrap="square" tIns="91425">
+            <a:bodyPr spcFirstLastPara="1" wrap="square" lIns="91425" tIns="91425" rIns="91425" bIns="91425" anchor="ctr" anchorCtr="0">
               <a:noAutofit/>
             </a:bodyPr>
             <a:lstStyle/>
             <a:p>
-              <a:pPr indent="0" lvl="0" marL="0">
+              <a:pPr marL="0" lvl="0" indent="0">
                 <a:spcBef>
                   <a:spcPts val="0"/>
                 </a:spcBef>
@@ -5701,9 +5686,6 @@
                 </a:spcAft>
                 <a:buNone/>
               </a:pPr>
-              <a:r>
-                <a:t/>
-              </a:r>
               <a:endParaRPr/>
             </a:p>
           </p:txBody>
@@ -5721,7 +5703,7 @@
             </a:xfrm>
             <a:prstGeom prst="diagStripe">
               <a:avLst>
-                <a:gd fmla="val 50000" name="adj"/>
+                <a:gd name="adj" fmla="val 50000"/>
               </a:avLst>
             </a:prstGeom>
             <a:solidFill>
@@ -5732,12 +5714,12 @@
             </a:ln>
           </p:spPr>
           <p:txBody>
-            <a:bodyPr anchorCtr="0" anchor="ctr" bIns="91425" lIns="91425" spcFirstLastPara="1" rIns="91425" wrap="square" tIns="91425">
+            <a:bodyPr spcFirstLastPara="1" wrap="square" lIns="91425" tIns="91425" rIns="91425" bIns="91425" anchor="ctr" anchorCtr="0">
               <a:noAutofit/>
             </a:bodyPr>
             <a:lstStyle/>
             <a:p>
-              <a:pPr indent="0" lvl="0" marL="0">
+              <a:pPr marL="0" lvl="0" indent="0">
                 <a:spcBef>
                   <a:spcPts val="0"/>
                 </a:spcBef>
@@ -5746,9 +5728,6 @@
                 </a:spcAft>
                 <a:buNone/>
               </a:pPr>
-              <a:r>
-                <a:t/>
-              </a:r>
               <a:endParaRPr/>
             </a:p>
           </p:txBody>
@@ -5757,7 +5736,9 @@
       <p:sp>
         <p:nvSpPr>
           <p:cNvPr id="60" name="Shape 60"/>
-          <p:cNvSpPr txBox="1"/>
+          <p:cNvSpPr txBox="1">
+            <a:spLocks noGrp="1"/>
+          </p:cNvSpPr>
           <p:nvPr>
             <p:ph type="title"/>
           </p:nvPr>
@@ -5772,7 +5753,7 @@
           </a:prstGeom>
         </p:spPr>
         <p:txBody>
-          <a:bodyPr anchorCtr="0" anchor="t" bIns="91425" lIns="91425" spcFirstLastPara="1" rIns="91425" wrap="square" tIns="91425"/>
+          <a:bodyPr spcFirstLastPara="1" wrap="square" lIns="91425" tIns="91425" rIns="91425" bIns="91425" anchor="t" anchorCtr="0"/>
           <a:lstStyle>
             <a:lvl1pPr lvl="0" rtl="0">
               <a:spcBef>
@@ -5874,15 +5855,19 @@
               <a:defRPr sz="2400"/>
             </a:lvl9pPr>
           </a:lstStyle>
-          <a:p/>
+          <a:p>
+            <a:endParaRPr/>
+          </a:p>
         </p:txBody>
       </p:sp>
       <p:sp>
         <p:nvSpPr>
           <p:cNvPr id="61" name="Shape 61"/>
-          <p:cNvSpPr txBox="1"/>
+          <p:cNvSpPr txBox="1">
+            <a:spLocks noGrp="1"/>
+          </p:cNvSpPr>
           <p:nvPr>
-            <p:ph idx="12" type="sldNum"/>
+            <p:ph type="sldNum" idx="12"/>
           </p:nvPr>
         </p:nvSpPr>
         <p:spPr>
@@ -5895,7 +5880,7 @@
           </a:prstGeom>
         </p:spPr>
         <p:txBody>
-          <a:bodyPr anchorCtr="0" anchor="ctr" bIns="91425" lIns="91425" spcFirstLastPara="1" rIns="91425" wrap="square" tIns="91425">
+          <a:bodyPr spcFirstLastPara="1" wrap="square" lIns="91425" tIns="91425" rIns="91425" bIns="91425" anchor="ctr" anchorCtr="0">
             <a:noAutofit/>
           </a:bodyPr>
           <a:lstStyle>
@@ -5937,7 +5922,7 @@
             </a:lvl9pPr>
           </a:lstStyle>
           <a:p>
-            <a:pPr indent="0" lvl="0" marL="0">
+            <a:pPr marL="0" lvl="0" indent="0">
               <a:spcBef>
                 <a:spcPts val="0"/>
               </a:spcBef>
@@ -5963,11 +5948,11 @@
 </file>
 
 <file path=ppt/slideLayouts/slideLayout6.xml><?xml version="1.0" encoding="utf-8"?>
-<p:sldLayout xmlns:a="http://schemas.openxmlformats.org/drawingml/2006/main" xmlns:r="http://schemas.openxmlformats.org/officeDocument/2006/relationships" xmlns:mc="http://schemas.openxmlformats.org/markup-compatibility/2006" xmlns:mv="urn:schemas-microsoft-com:mac:vml" xmlns:p="http://schemas.openxmlformats.org/presentationml/2006/main" xmlns:c="http://schemas.openxmlformats.org/drawingml/2006/chart" xmlns:dgm="http://schemas.openxmlformats.org/drawingml/2006/diagram" xmlns:o="urn:schemas-microsoft-com:office:office" xmlns:v="urn:schemas-microsoft-com:vml" xmlns:pvml="urn:schemas-microsoft-com:office:powerpoint" xmlns:com="http://schemas.openxmlformats.org/drawingml/2006/compatibility" xmlns:p14="http://schemas.microsoft.com/office/powerpoint/2010/main" xmlns:p15="http://schemas.microsoft.com/office/powerpoint/2012/main" matchingName="One column text">
+<p:sldLayout xmlns:a="http://schemas.openxmlformats.org/drawingml/2006/main" xmlns:r="http://schemas.openxmlformats.org/officeDocument/2006/relationships" xmlns:p="http://schemas.openxmlformats.org/presentationml/2006/main" matchingName="One column text">
   <p:cSld name="ONE_COLUMN_TEXT">
     <p:spTree>
       <p:nvGrpSpPr>
-        <p:cNvPr id="62" name="Shape 62"/>
+        <p:cNvPr id="1" name="Shape 62"/>
         <p:cNvGrpSpPr/>
         <p:nvPr/>
       </p:nvGrpSpPr>
@@ -6006,7 +5991,7 @@
             </a:xfrm>
             <a:prstGeom prst="diagStripe">
               <a:avLst>
-                <a:gd fmla="val 50000" name="adj"/>
+                <a:gd name="adj" fmla="val 50000"/>
               </a:avLst>
             </a:prstGeom>
             <a:solidFill>
@@ -6017,12 +6002,12 @@
             </a:ln>
           </p:spPr>
           <p:txBody>
-            <a:bodyPr anchorCtr="0" anchor="ctr" bIns="91425" lIns="91425" spcFirstLastPara="1" rIns="91425" wrap="square" tIns="91425">
+            <a:bodyPr spcFirstLastPara="1" wrap="square" lIns="91425" tIns="91425" rIns="91425" bIns="91425" anchor="ctr" anchorCtr="0">
               <a:noAutofit/>
             </a:bodyPr>
             <a:lstStyle/>
             <a:p>
-              <a:pPr indent="0" lvl="0" marL="0">
+              <a:pPr marL="0" lvl="0" indent="0">
                 <a:spcBef>
                   <a:spcPts val="0"/>
                 </a:spcBef>
@@ -6031,9 +6016,6 @@
                 </a:spcAft>
                 <a:buNone/>
               </a:pPr>
-              <a:r>
-                <a:t/>
-              </a:r>
               <a:endParaRPr/>
             </a:p>
           </p:txBody>
@@ -6051,7 +6033,7 @@
             </a:xfrm>
             <a:prstGeom prst="diagStripe">
               <a:avLst>
-                <a:gd fmla="val 50000" name="adj"/>
+                <a:gd name="adj" fmla="val 50000"/>
               </a:avLst>
             </a:prstGeom>
             <a:solidFill>
@@ -6062,12 +6044,12 @@
             </a:ln>
           </p:spPr>
           <p:txBody>
-            <a:bodyPr anchorCtr="0" anchor="ctr" bIns="91425" lIns="91425" spcFirstLastPara="1" rIns="91425" wrap="square" tIns="91425">
+            <a:bodyPr spcFirstLastPara="1" wrap="square" lIns="91425" tIns="91425" rIns="91425" bIns="91425" anchor="ctr" anchorCtr="0">
               <a:noAutofit/>
             </a:bodyPr>
             <a:lstStyle/>
             <a:p>
-              <a:pPr indent="0" lvl="0" marL="0">
+              <a:pPr marL="0" lvl="0" indent="0">
                 <a:spcBef>
                   <a:spcPts val="0"/>
                 </a:spcBef>
@@ -6076,9 +6058,6 @@
                 </a:spcAft>
                 <a:buNone/>
               </a:pPr>
-              <a:r>
-                <a:t/>
-              </a:r>
               <a:endParaRPr/>
             </a:p>
           </p:txBody>
@@ -6087,7 +6066,9 @@
       <p:sp>
         <p:nvSpPr>
           <p:cNvPr id="66" name="Shape 66"/>
-          <p:cNvSpPr txBox="1"/>
+          <p:cNvSpPr txBox="1">
+            <a:spLocks noGrp="1"/>
+          </p:cNvSpPr>
           <p:nvPr>
             <p:ph type="title"/>
           </p:nvPr>
@@ -6102,7 +6083,7 @@
           </a:prstGeom>
         </p:spPr>
         <p:txBody>
-          <a:bodyPr anchorCtr="0" anchor="t" bIns="91425" lIns="91425" spcFirstLastPara="1" rIns="91425" wrap="square" tIns="91425"/>
+          <a:bodyPr spcFirstLastPara="1" wrap="square" lIns="91425" tIns="91425" rIns="91425" bIns="91425" anchor="t" anchorCtr="0"/>
           <a:lstStyle>
             <a:lvl1pPr lvl="0" rtl="0">
               <a:spcBef>
@@ -6204,15 +6185,19 @@
               <a:defRPr sz="2400"/>
             </a:lvl9pPr>
           </a:lstStyle>
-          <a:p/>
+          <a:p>
+            <a:endParaRPr/>
+          </a:p>
         </p:txBody>
       </p:sp>
       <p:sp>
         <p:nvSpPr>
           <p:cNvPr id="67" name="Shape 67"/>
-          <p:cNvSpPr txBox="1"/>
+          <p:cNvSpPr txBox="1">
+            <a:spLocks noGrp="1"/>
+          </p:cNvSpPr>
           <p:nvPr>
-            <p:ph idx="1" type="body"/>
+            <p:ph type="body" idx="1"/>
           </p:nvPr>
         </p:nvSpPr>
         <p:spPr>
@@ -6225,9 +6210,9 @@
           </a:prstGeom>
         </p:spPr>
         <p:txBody>
-          <a:bodyPr anchorCtr="0" anchor="t" bIns="91425" lIns="91425" spcFirstLastPara="1" rIns="91425" wrap="square" tIns="91425"/>
+          <a:bodyPr spcFirstLastPara="1" wrap="square" lIns="91425" tIns="91425" rIns="91425" bIns="91425" anchor="t" anchorCtr="0"/>
           <a:lstStyle>
-            <a:lvl1pPr indent="-311150" lvl="0" marL="457200" rtl="0">
+            <a:lvl1pPr marL="457200" lvl="0" indent="-311150" rtl="0">
               <a:spcBef>
                 <a:spcPts val="0"/>
               </a:spcBef>
@@ -6238,7 +6223,7 @@
               <a:buChar char="●"/>
               <a:defRPr/>
             </a:lvl1pPr>
-            <a:lvl2pPr indent="-298450" lvl="1" marL="914400" rtl="0">
+            <a:lvl2pPr marL="914400" lvl="1" indent="-298450" rtl="0">
               <a:spcBef>
                 <a:spcPts val="1600"/>
               </a:spcBef>
@@ -6249,7 +6234,7 @@
               <a:buChar char="○"/>
               <a:defRPr/>
             </a:lvl2pPr>
-            <a:lvl3pPr indent="-298450" lvl="2" marL="1371600" rtl="0">
+            <a:lvl3pPr marL="1371600" lvl="2" indent="-298450" rtl="0">
               <a:spcBef>
                 <a:spcPts val="1600"/>
               </a:spcBef>
@@ -6260,7 +6245,7 @@
               <a:buChar char="■"/>
               <a:defRPr/>
             </a:lvl3pPr>
-            <a:lvl4pPr indent="-298450" lvl="3" marL="1828800" rtl="0">
+            <a:lvl4pPr marL="1828800" lvl="3" indent="-298450" rtl="0">
               <a:spcBef>
                 <a:spcPts val="1600"/>
               </a:spcBef>
@@ -6271,7 +6256,7 @@
               <a:buChar char="●"/>
               <a:defRPr/>
             </a:lvl4pPr>
-            <a:lvl5pPr indent="-298450" lvl="4" marL="2286000" rtl="0">
+            <a:lvl5pPr marL="2286000" lvl="4" indent="-298450" rtl="0">
               <a:spcBef>
                 <a:spcPts val="1600"/>
               </a:spcBef>
@@ -6282,7 +6267,7 @@
               <a:buChar char="○"/>
               <a:defRPr/>
             </a:lvl5pPr>
-            <a:lvl6pPr indent="-298450" lvl="5" marL="2743200" rtl="0">
+            <a:lvl6pPr marL="2743200" lvl="5" indent="-298450" rtl="0">
               <a:spcBef>
                 <a:spcPts val="1600"/>
               </a:spcBef>
@@ -6293,7 +6278,7 @@
               <a:buChar char="■"/>
               <a:defRPr/>
             </a:lvl6pPr>
-            <a:lvl7pPr indent="-298450" lvl="6" marL="3200400" rtl="0">
+            <a:lvl7pPr marL="3200400" lvl="6" indent="-298450" rtl="0">
               <a:spcBef>
                 <a:spcPts val="1600"/>
               </a:spcBef>
@@ -6304,7 +6289,7 @@
               <a:buChar char="●"/>
               <a:defRPr/>
             </a:lvl7pPr>
-            <a:lvl8pPr indent="-298450" lvl="7" marL="3657600" rtl="0">
+            <a:lvl8pPr marL="3657600" lvl="7" indent="-298450" rtl="0">
               <a:spcBef>
                 <a:spcPts val="1600"/>
               </a:spcBef>
@@ -6315,7 +6300,7 @@
               <a:buChar char="○"/>
               <a:defRPr/>
             </a:lvl8pPr>
-            <a:lvl9pPr indent="-298450" lvl="8" marL="4114800" rtl="0">
+            <a:lvl9pPr marL="4114800" lvl="8" indent="-298450" rtl="0">
               <a:spcBef>
                 <a:spcPts val="1600"/>
               </a:spcBef>
@@ -6327,15 +6312,19 @@
               <a:defRPr/>
             </a:lvl9pPr>
           </a:lstStyle>
-          <a:p/>
+          <a:p>
+            <a:endParaRPr/>
+          </a:p>
         </p:txBody>
       </p:sp>
       <p:sp>
         <p:nvSpPr>
           <p:cNvPr id="68" name="Shape 68"/>
-          <p:cNvSpPr txBox="1"/>
+          <p:cNvSpPr txBox="1">
+            <a:spLocks noGrp="1"/>
+          </p:cNvSpPr>
           <p:nvPr>
-            <p:ph idx="12" type="sldNum"/>
+            <p:ph type="sldNum" idx="12"/>
           </p:nvPr>
         </p:nvSpPr>
         <p:spPr>
@@ -6348,7 +6337,7 @@
           </a:prstGeom>
         </p:spPr>
         <p:txBody>
-          <a:bodyPr anchorCtr="0" anchor="ctr" bIns="91425" lIns="91425" spcFirstLastPara="1" rIns="91425" wrap="square" tIns="91425">
+          <a:bodyPr spcFirstLastPara="1" wrap="square" lIns="91425" tIns="91425" rIns="91425" bIns="91425" anchor="ctr" anchorCtr="0">
             <a:noAutofit/>
           </a:bodyPr>
           <a:lstStyle>
@@ -6390,7 +6379,7 @@
             </a:lvl9pPr>
           </a:lstStyle>
           <a:p>
-            <a:pPr indent="0" lvl="0" marL="0">
+            <a:pPr marL="0" lvl="0" indent="0">
               <a:spcBef>
                 <a:spcPts val="0"/>
               </a:spcBef>
@@ -6416,11 +6405,11 @@
 </file>
 
 <file path=ppt/slideLayouts/slideLayout7.xml><?xml version="1.0" encoding="utf-8"?>
-<p:sldLayout xmlns:a="http://schemas.openxmlformats.org/drawingml/2006/main" xmlns:r="http://schemas.openxmlformats.org/officeDocument/2006/relationships" xmlns:mc="http://schemas.openxmlformats.org/markup-compatibility/2006" xmlns:mv="urn:schemas-microsoft-com:mac:vml" xmlns:p="http://schemas.openxmlformats.org/presentationml/2006/main" xmlns:c="http://schemas.openxmlformats.org/drawingml/2006/chart" xmlns:dgm="http://schemas.openxmlformats.org/drawingml/2006/diagram" xmlns:o="urn:schemas-microsoft-com:office:office" xmlns:v="urn:schemas-microsoft-com:vml" xmlns:pvml="urn:schemas-microsoft-com:office:powerpoint" xmlns:com="http://schemas.openxmlformats.org/drawingml/2006/compatibility" xmlns:p14="http://schemas.microsoft.com/office/powerpoint/2010/main" xmlns:p15="http://schemas.microsoft.com/office/powerpoint/2012/main" matchingName="Main point">
+<p:sldLayout xmlns:a="http://schemas.openxmlformats.org/drawingml/2006/main" xmlns:r="http://schemas.openxmlformats.org/officeDocument/2006/relationships" xmlns:p="http://schemas.openxmlformats.org/presentationml/2006/main" matchingName="Main point">
   <p:cSld name="MAIN_POINT">
     <p:spTree>
       <p:nvGrpSpPr>
-        <p:cNvPr id="69" name="Shape 69"/>
+        <p:cNvPr id="1" name="Shape 69"/>
         <p:cNvGrpSpPr/>
         <p:nvPr/>
       </p:nvGrpSpPr>
@@ -6459,7 +6448,7 @@
             </a:xfrm>
             <a:prstGeom prst="diagStripe">
               <a:avLst>
-                <a:gd fmla="val 49469" name="adj"/>
+                <a:gd name="adj" fmla="val 49469"/>
               </a:avLst>
             </a:prstGeom>
             <a:solidFill>
@@ -6472,12 +6461,12 @@
             </a:ln>
           </p:spPr>
           <p:txBody>
-            <a:bodyPr anchorCtr="0" anchor="ctr" bIns="91425" lIns="91425" spcFirstLastPara="1" rIns="91425" wrap="square" tIns="91425">
+            <a:bodyPr spcFirstLastPara="1" wrap="square" lIns="91425" tIns="91425" rIns="91425" bIns="91425" anchor="ctr" anchorCtr="0">
               <a:noAutofit/>
             </a:bodyPr>
             <a:lstStyle/>
             <a:p>
-              <a:pPr indent="0" lvl="0" marL="0">
+              <a:pPr marL="0" lvl="0" indent="0">
                 <a:spcBef>
                   <a:spcPts val="0"/>
                 </a:spcBef>
@@ -6486,9 +6475,6 @@
                 </a:spcAft>
                 <a:buNone/>
               </a:pPr>
-              <a:r>
-                <a:t/>
-              </a:r>
               <a:endParaRPr/>
             </a:p>
           </p:txBody>
@@ -6506,7 +6492,7 @@
             </a:xfrm>
             <a:prstGeom prst="diagStripe">
               <a:avLst>
-                <a:gd fmla="val 0" name="adj"/>
+                <a:gd name="adj" fmla="val 0"/>
               </a:avLst>
             </a:prstGeom>
             <a:solidFill>
@@ -6519,12 +6505,12 @@
             </a:ln>
           </p:spPr>
           <p:txBody>
-            <a:bodyPr anchorCtr="0" anchor="ctr" bIns="91425" lIns="91425" spcFirstLastPara="1" rIns="91425" wrap="square" tIns="91425">
+            <a:bodyPr spcFirstLastPara="1" wrap="square" lIns="91425" tIns="91425" rIns="91425" bIns="91425" anchor="ctr" anchorCtr="0">
               <a:noAutofit/>
             </a:bodyPr>
             <a:lstStyle/>
             <a:p>
-              <a:pPr indent="0" lvl="0" marL="0">
+              <a:pPr marL="0" lvl="0" indent="0">
                 <a:spcBef>
                   <a:spcPts val="0"/>
                 </a:spcBef>
@@ -6533,9 +6519,6 @@
                 </a:spcAft>
                 <a:buNone/>
               </a:pPr>
-              <a:r>
-                <a:t/>
-              </a:r>
               <a:endParaRPr/>
             </a:p>
           </p:txBody>
@@ -6553,7 +6536,7 @@
             </a:xfrm>
             <a:prstGeom prst="diagStripe">
               <a:avLst>
-                <a:gd fmla="val 50000" name="adj"/>
+                <a:gd name="adj" fmla="val 50000"/>
               </a:avLst>
             </a:prstGeom>
             <a:solidFill>
@@ -6566,12 +6549,12 @@
             </a:ln>
           </p:spPr>
           <p:txBody>
-            <a:bodyPr anchorCtr="0" anchor="ctr" bIns="91425" lIns="91425" spcFirstLastPara="1" rIns="91425" wrap="square" tIns="91425">
+            <a:bodyPr spcFirstLastPara="1" wrap="square" lIns="91425" tIns="91425" rIns="91425" bIns="91425" anchor="ctr" anchorCtr="0">
               <a:noAutofit/>
             </a:bodyPr>
             <a:lstStyle/>
             <a:p>
-              <a:pPr indent="0" lvl="0" marL="0">
+              <a:pPr marL="0" lvl="0" indent="0">
                 <a:spcBef>
                   <a:spcPts val="0"/>
                 </a:spcBef>
@@ -6580,9 +6563,6 @@
                 </a:spcAft>
                 <a:buNone/>
               </a:pPr>
-              <a:r>
-                <a:t/>
-              </a:r>
               <a:endParaRPr/>
             </a:p>
           </p:txBody>
@@ -6600,7 +6580,7 @@
             </a:xfrm>
             <a:prstGeom prst="diagStripe">
               <a:avLst>
-                <a:gd fmla="val 50000" name="adj"/>
+                <a:gd name="adj" fmla="val 50000"/>
               </a:avLst>
             </a:prstGeom>
             <a:solidFill>
@@ -6613,12 +6593,12 @@
             </a:ln>
           </p:spPr>
           <p:txBody>
-            <a:bodyPr anchorCtr="0" anchor="ctr" bIns="91425" lIns="91425" spcFirstLastPara="1" rIns="91425" wrap="square" tIns="91425">
+            <a:bodyPr spcFirstLastPara="1" wrap="square" lIns="91425" tIns="91425" rIns="91425" bIns="91425" anchor="ctr" anchorCtr="0">
               <a:noAutofit/>
             </a:bodyPr>
             <a:lstStyle/>
             <a:p>
-              <a:pPr indent="0" lvl="0" marL="0">
+              <a:pPr marL="0" lvl="0" indent="0">
                 <a:spcBef>
                   <a:spcPts val="0"/>
                 </a:spcBef>
@@ -6627,9 +6607,6 @@
                 </a:spcAft>
                 <a:buNone/>
               </a:pPr>
-              <a:r>
-                <a:t/>
-              </a:r>
               <a:endParaRPr/>
             </a:p>
           </p:txBody>
@@ -6647,7 +6624,7 @@
             </a:xfrm>
             <a:prstGeom prst="diagStripe">
               <a:avLst>
-                <a:gd fmla="val 50000" name="adj"/>
+                <a:gd name="adj" fmla="val 50000"/>
               </a:avLst>
             </a:prstGeom>
             <a:solidFill>
@@ -6660,12 +6637,12 @@
             </a:ln>
           </p:spPr>
           <p:txBody>
-            <a:bodyPr anchorCtr="0" anchor="ctr" bIns="91425" lIns="91425" spcFirstLastPara="1" rIns="91425" wrap="square" tIns="91425">
+            <a:bodyPr spcFirstLastPara="1" wrap="square" lIns="91425" tIns="91425" rIns="91425" bIns="91425" anchor="ctr" anchorCtr="0">
               <a:noAutofit/>
             </a:bodyPr>
             <a:lstStyle/>
             <a:p>
-              <a:pPr indent="0" lvl="0" marL="0">
+              <a:pPr marL="0" lvl="0" indent="0">
                 <a:spcBef>
                   <a:spcPts val="0"/>
                 </a:spcBef>
@@ -6674,9 +6651,6 @@
                 </a:spcAft>
                 <a:buNone/>
               </a:pPr>
-              <a:r>
-                <a:t/>
-              </a:r>
               <a:endParaRPr/>
             </a:p>
           </p:txBody>
@@ -6694,7 +6668,7 @@
             </a:xfrm>
             <a:prstGeom prst="diagStripe">
               <a:avLst>
-                <a:gd fmla="val 50000" name="adj"/>
+                <a:gd name="adj" fmla="val 50000"/>
               </a:avLst>
             </a:prstGeom>
             <a:solidFill>
@@ -6707,12 +6681,12 @@
             </a:ln>
           </p:spPr>
           <p:txBody>
-            <a:bodyPr anchorCtr="0" anchor="ctr" bIns="91425" lIns="91425" spcFirstLastPara="1" rIns="91425" wrap="square" tIns="91425">
+            <a:bodyPr spcFirstLastPara="1" wrap="square" lIns="91425" tIns="91425" rIns="91425" bIns="91425" anchor="ctr" anchorCtr="0">
               <a:noAutofit/>
             </a:bodyPr>
             <a:lstStyle/>
             <a:p>
-              <a:pPr indent="0" lvl="0" marL="0">
+              <a:pPr marL="0" lvl="0" indent="0">
                 <a:spcBef>
                   <a:spcPts val="0"/>
                 </a:spcBef>
@@ -6721,9 +6695,6 @@
                 </a:spcAft>
                 <a:buNone/>
               </a:pPr>
-              <a:r>
-                <a:t/>
-              </a:r>
               <a:endParaRPr/>
             </a:p>
           </p:txBody>
@@ -6741,7 +6712,7 @@
             </a:xfrm>
             <a:prstGeom prst="diagStripe">
               <a:avLst>
-                <a:gd fmla="val 50000" name="adj"/>
+                <a:gd name="adj" fmla="val 50000"/>
               </a:avLst>
             </a:prstGeom>
             <a:solidFill>
@@ -6754,12 +6725,12 @@
             </a:ln>
           </p:spPr>
           <p:txBody>
-            <a:bodyPr anchorCtr="0" anchor="ctr" bIns="91425" lIns="91425" spcFirstLastPara="1" rIns="91425" wrap="square" tIns="91425">
+            <a:bodyPr spcFirstLastPara="1" wrap="square" lIns="91425" tIns="91425" rIns="91425" bIns="91425" anchor="ctr" anchorCtr="0">
               <a:noAutofit/>
             </a:bodyPr>
             <a:lstStyle/>
             <a:p>
-              <a:pPr indent="0" lvl="0" marL="0">
+              <a:pPr marL="0" lvl="0" indent="0">
                 <a:spcBef>
                   <a:spcPts val="0"/>
                 </a:spcBef>
@@ -6768,9 +6739,6 @@
                 </a:spcAft>
                 <a:buNone/>
               </a:pPr>
-              <a:r>
-                <a:t/>
-              </a:r>
               <a:endParaRPr/>
             </a:p>
           </p:txBody>
@@ -6788,7 +6756,7 @@
             </a:xfrm>
             <a:prstGeom prst="diagStripe">
               <a:avLst>
-                <a:gd fmla="val 50000" name="adj"/>
+                <a:gd name="adj" fmla="val 50000"/>
               </a:avLst>
             </a:prstGeom>
             <a:solidFill>
@@ -6799,12 +6767,12 @@
             </a:ln>
           </p:spPr>
           <p:txBody>
-            <a:bodyPr anchorCtr="0" anchor="ctr" bIns="91425" lIns="91425" spcFirstLastPara="1" rIns="91425" wrap="square" tIns="91425">
+            <a:bodyPr spcFirstLastPara="1" wrap="square" lIns="91425" tIns="91425" rIns="91425" bIns="91425" anchor="ctr" anchorCtr="0">
               <a:noAutofit/>
             </a:bodyPr>
             <a:lstStyle/>
             <a:p>
-              <a:pPr indent="0" lvl="0" marL="0">
+              <a:pPr marL="0" lvl="0" indent="0">
                 <a:spcBef>
                   <a:spcPts val="0"/>
                 </a:spcBef>
@@ -6813,9 +6781,6 @@
                 </a:spcAft>
                 <a:buNone/>
               </a:pPr>
-              <a:r>
-                <a:t/>
-              </a:r>
               <a:endParaRPr/>
             </a:p>
           </p:txBody>
@@ -6833,7 +6798,7 @@
             </a:xfrm>
             <a:prstGeom prst="diagStripe">
               <a:avLst>
-                <a:gd fmla="val 50000" name="adj"/>
+                <a:gd name="adj" fmla="val 50000"/>
               </a:avLst>
             </a:prstGeom>
             <a:solidFill>
@@ -6846,12 +6811,12 @@
             </a:ln>
           </p:spPr>
           <p:txBody>
-            <a:bodyPr anchorCtr="0" anchor="ctr" bIns="91425" lIns="91425" spcFirstLastPara="1" rIns="91425" wrap="square" tIns="91425">
+            <a:bodyPr spcFirstLastPara="1" wrap="square" lIns="91425" tIns="91425" rIns="91425" bIns="91425" anchor="ctr" anchorCtr="0">
               <a:noAutofit/>
             </a:bodyPr>
             <a:lstStyle/>
             <a:p>
-              <a:pPr indent="0" lvl="0" marL="0">
+              <a:pPr marL="0" lvl="0" indent="0">
                 <a:spcBef>
                   <a:spcPts val="0"/>
                 </a:spcBef>
@@ -6860,9 +6825,6 @@
                 </a:spcAft>
                 <a:buNone/>
               </a:pPr>
-              <a:r>
-                <a:t/>
-              </a:r>
               <a:endParaRPr/>
             </a:p>
           </p:txBody>
@@ -6880,7 +6842,7 @@
             </a:xfrm>
             <a:prstGeom prst="diagStripe">
               <a:avLst>
-                <a:gd fmla="val 50000" name="adj"/>
+                <a:gd name="adj" fmla="val 50000"/>
               </a:avLst>
             </a:prstGeom>
             <a:solidFill>
@@ -6893,12 +6855,12 @@
             </a:ln>
           </p:spPr>
           <p:txBody>
-            <a:bodyPr anchorCtr="0" anchor="ctr" bIns="91425" lIns="91425" spcFirstLastPara="1" rIns="91425" wrap="square" tIns="91425">
+            <a:bodyPr spcFirstLastPara="1" wrap="square" lIns="91425" tIns="91425" rIns="91425" bIns="91425" anchor="ctr" anchorCtr="0">
               <a:noAutofit/>
             </a:bodyPr>
             <a:lstStyle/>
             <a:p>
-              <a:pPr indent="0" lvl="0" marL="0">
+              <a:pPr marL="0" lvl="0" indent="0">
                 <a:spcBef>
                   <a:spcPts val="0"/>
                 </a:spcBef>
@@ -6907,9 +6869,6 @@
                 </a:spcAft>
                 <a:buNone/>
               </a:pPr>
-              <a:r>
-                <a:t/>
-              </a:r>
               <a:endParaRPr/>
             </a:p>
           </p:txBody>
@@ -6927,7 +6886,7 @@
             </a:xfrm>
             <a:prstGeom prst="diagStripe">
               <a:avLst>
-                <a:gd fmla="val 50000" name="adj"/>
+                <a:gd name="adj" fmla="val 50000"/>
               </a:avLst>
             </a:prstGeom>
             <a:solidFill>
@@ -6940,12 +6899,12 @@
             </a:ln>
           </p:spPr>
           <p:txBody>
-            <a:bodyPr anchorCtr="0" anchor="ctr" bIns="91425" lIns="91425" spcFirstLastPara="1" rIns="91425" wrap="square" tIns="91425">
+            <a:bodyPr spcFirstLastPara="1" wrap="square" lIns="91425" tIns="91425" rIns="91425" bIns="91425" anchor="ctr" anchorCtr="0">
               <a:noAutofit/>
             </a:bodyPr>
             <a:lstStyle/>
             <a:p>
-              <a:pPr indent="0" lvl="0" marL="0">
+              <a:pPr marL="0" lvl="0" indent="0">
                 <a:spcBef>
                   <a:spcPts val="0"/>
                 </a:spcBef>
@@ -6954,9 +6913,6 @@
                 </a:spcAft>
                 <a:buNone/>
               </a:pPr>
-              <a:r>
-                <a:t/>
-              </a:r>
               <a:endParaRPr/>
             </a:p>
           </p:txBody>
@@ -6974,7 +6930,7 @@
             </a:xfrm>
             <a:prstGeom prst="diagStripe">
               <a:avLst>
-                <a:gd fmla="val 50000" name="adj"/>
+                <a:gd name="adj" fmla="val 50000"/>
               </a:avLst>
             </a:prstGeom>
             <a:solidFill>
@@ -6987,12 +6943,12 @@
             </a:ln>
           </p:spPr>
           <p:txBody>
-            <a:bodyPr anchorCtr="0" anchor="ctr" bIns="91425" lIns="91425" spcFirstLastPara="1" rIns="91425" wrap="square" tIns="91425">
+            <a:bodyPr spcFirstLastPara="1" wrap="square" lIns="91425" tIns="91425" rIns="91425" bIns="91425" anchor="ctr" anchorCtr="0">
               <a:noAutofit/>
             </a:bodyPr>
             <a:lstStyle/>
             <a:p>
-              <a:pPr indent="0" lvl="0" marL="0">
+              <a:pPr marL="0" lvl="0" indent="0">
                 <a:spcBef>
                   <a:spcPts val="0"/>
                 </a:spcBef>
@@ -7001,9 +6957,6 @@
                 </a:spcAft>
                 <a:buNone/>
               </a:pPr>
-              <a:r>
-                <a:t/>
-              </a:r>
               <a:endParaRPr/>
             </a:p>
           </p:txBody>
@@ -7021,7 +6974,7 @@
             </a:xfrm>
             <a:prstGeom prst="diagStripe">
               <a:avLst>
-                <a:gd fmla="val 50000" name="adj"/>
+                <a:gd name="adj" fmla="val 50000"/>
               </a:avLst>
             </a:prstGeom>
             <a:solidFill>
@@ -7034,12 +6987,12 @@
             </a:ln>
           </p:spPr>
           <p:txBody>
-            <a:bodyPr anchorCtr="0" anchor="ctr" bIns="91425" lIns="91425" spcFirstLastPara="1" rIns="91425" wrap="square" tIns="91425">
+            <a:bodyPr spcFirstLastPara="1" wrap="square" lIns="91425" tIns="91425" rIns="91425" bIns="91425" anchor="ctr" anchorCtr="0">
               <a:noAutofit/>
             </a:bodyPr>
             <a:lstStyle/>
             <a:p>
-              <a:pPr indent="0" lvl="0" marL="0">
+              <a:pPr marL="0" lvl="0" indent="0">
                 <a:spcBef>
                   <a:spcPts val="0"/>
                 </a:spcBef>
@@ -7048,9 +7001,6 @@
                 </a:spcAft>
                 <a:buNone/>
               </a:pPr>
-              <a:r>
-                <a:t/>
-              </a:r>
               <a:endParaRPr/>
             </a:p>
           </p:txBody>
@@ -7068,7 +7018,7 @@
             </a:xfrm>
             <a:prstGeom prst="diagStripe">
               <a:avLst>
-                <a:gd fmla="val 50000" name="adj"/>
+                <a:gd name="adj" fmla="val 50000"/>
               </a:avLst>
             </a:prstGeom>
             <a:solidFill>
@@ -7079,12 +7029,12 @@
             </a:ln>
           </p:spPr>
           <p:txBody>
-            <a:bodyPr anchorCtr="0" anchor="ctr" bIns="91425" lIns="91425" spcFirstLastPara="1" rIns="91425" wrap="square" tIns="91425">
+            <a:bodyPr spcFirstLastPara="1" wrap="square" lIns="91425" tIns="91425" rIns="91425" bIns="91425" anchor="ctr" anchorCtr="0">
               <a:noAutofit/>
             </a:bodyPr>
             <a:lstStyle/>
             <a:p>
-              <a:pPr indent="0" lvl="0" marL="0">
+              <a:pPr marL="0" lvl="0" indent="0">
                 <a:spcBef>
                   <a:spcPts val="0"/>
                 </a:spcBef>
@@ -7093,9 +7043,6 @@
                 </a:spcAft>
                 <a:buNone/>
               </a:pPr>
-              <a:r>
-                <a:t/>
-              </a:r>
               <a:endParaRPr/>
             </a:p>
           </p:txBody>
@@ -7113,7 +7060,7 @@
             </a:xfrm>
             <a:prstGeom prst="diagStripe">
               <a:avLst>
-                <a:gd fmla="val 50000" name="adj"/>
+                <a:gd name="adj" fmla="val 50000"/>
               </a:avLst>
             </a:prstGeom>
             <a:solidFill>
@@ -7126,12 +7073,12 @@
             </a:ln>
           </p:spPr>
           <p:txBody>
-            <a:bodyPr anchorCtr="0" anchor="ctr" bIns="91425" lIns="91425" spcFirstLastPara="1" rIns="91425" wrap="square" tIns="91425">
+            <a:bodyPr spcFirstLastPara="1" wrap="square" lIns="91425" tIns="91425" rIns="91425" bIns="91425" anchor="ctr" anchorCtr="0">
               <a:noAutofit/>
             </a:bodyPr>
             <a:lstStyle/>
             <a:p>
-              <a:pPr indent="0" lvl="0" marL="0">
+              <a:pPr marL="0" lvl="0" indent="0">
                 <a:spcBef>
                   <a:spcPts val="0"/>
                 </a:spcBef>
@@ -7140,9 +7087,6 @@
                 </a:spcAft>
                 <a:buNone/>
               </a:pPr>
-              <a:r>
-                <a:t/>
-              </a:r>
               <a:endParaRPr/>
             </a:p>
           </p:txBody>
@@ -7160,7 +7104,7 @@
             </a:xfrm>
             <a:prstGeom prst="diagStripe">
               <a:avLst>
-                <a:gd fmla="val 50000" name="adj"/>
+                <a:gd name="adj" fmla="val 50000"/>
               </a:avLst>
             </a:prstGeom>
             <a:solidFill>
@@ -7173,12 +7117,12 @@
             </a:ln>
           </p:spPr>
           <p:txBody>
-            <a:bodyPr anchorCtr="0" anchor="ctr" bIns="91425" lIns="91425" spcFirstLastPara="1" rIns="91425" wrap="square" tIns="91425">
+            <a:bodyPr spcFirstLastPara="1" wrap="square" lIns="91425" tIns="91425" rIns="91425" bIns="91425" anchor="ctr" anchorCtr="0">
               <a:noAutofit/>
             </a:bodyPr>
             <a:lstStyle/>
             <a:p>
-              <a:pPr indent="0" lvl="0" marL="0">
+              <a:pPr marL="0" lvl="0" indent="0">
                 <a:spcBef>
                   <a:spcPts val="0"/>
                 </a:spcBef>
@@ -7187,9 +7131,6 @@
                 </a:spcAft>
                 <a:buNone/>
               </a:pPr>
-              <a:r>
-                <a:t/>
-              </a:r>
               <a:endParaRPr/>
             </a:p>
           </p:txBody>
@@ -7207,7 +7148,7 @@
             </a:xfrm>
             <a:prstGeom prst="diagStripe">
               <a:avLst>
-                <a:gd fmla="val 50000" name="adj"/>
+                <a:gd name="adj" fmla="val 50000"/>
               </a:avLst>
             </a:prstGeom>
             <a:solidFill>
@@ -7220,12 +7161,12 @@
             </a:ln>
           </p:spPr>
           <p:txBody>
-            <a:bodyPr anchorCtr="0" anchor="ctr" bIns="91425" lIns="91425" spcFirstLastPara="1" rIns="91425" wrap="square" tIns="91425">
+            <a:bodyPr spcFirstLastPara="1" wrap="square" lIns="91425" tIns="91425" rIns="91425" bIns="91425" anchor="ctr" anchorCtr="0">
               <a:noAutofit/>
             </a:bodyPr>
             <a:lstStyle/>
             <a:p>
-              <a:pPr indent="0" lvl="0" marL="0">
+              <a:pPr marL="0" lvl="0" indent="0">
                 <a:spcBef>
                   <a:spcPts val="0"/>
                 </a:spcBef>
@@ -7234,9 +7175,6 @@
                 </a:spcAft>
                 <a:buNone/>
               </a:pPr>
-              <a:r>
-                <a:t/>
-              </a:r>
               <a:endParaRPr/>
             </a:p>
           </p:txBody>
@@ -7254,7 +7192,7 @@
             </a:xfrm>
             <a:prstGeom prst="diagStripe">
               <a:avLst>
-                <a:gd fmla="val 50000" name="adj"/>
+                <a:gd name="adj" fmla="val 50000"/>
               </a:avLst>
             </a:prstGeom>
             <a:solidFill>
@@ -7267,12 +7205,12 @@
             </a:ln>
           </p:spPr>
           <p:txBody>
-            <a:bodyPr anchorCtr="0" anchor="ctr" bIns="91425" lIns="91425" spcFirstLastPara="1" rIns="91425" wrap="square" tIns="91425">
+            <a:bodyPr spcFirstLastPara="1" wrap="square" lIns="91425" tIns="91425" rIns="91425" bIns="91425" anchor="ctr" anchorCtr="0">
               <a:noAutofit/>
             </a:bodyPr>
             <a:lstStyle/>
             <a:p>
-              <a:pPr indent="0" lvl="0" marL="0">
+              <a:pPr marL="0" lvl="0" indent="0">
                 <a:spcBef>
                   <a:spcPts val="0"/>
                 </a:spcBef>
@@ -7281,9 +7219,6 @@
                 </a:spcAft>
                 <a:buNone/>
               </a:pPr>
-              <a:r>
-                <a:t/>
-              </a:r>
               <a:endParaRPr/>
             </a:p>
           </p:txBody>
@@ -7292,7 +7227,9 @@
       <p:sp>
         <p:nvSpPr>
           <p:cNvPr id="89" name="Shape 89"/>
-          <p:cNvSpPr txBox="1"/>
+          <p:cNvSpPr txBox="1">
+            <a:spLocks noGrp="1"/>
+          </p:cNvSpPr>
           <p:nvPr>
             <p:ph type="title"/>
           </p:nvPr>
@@ -7307,7 +7244,7 @@
           </a:prstGeom>
         </p:spPr>
         <p:txBody>
-          <a:bodyPr anchorCtr="0" anchor="ctr" bIns="91425" lIns="91425" spcFirstLastPara="1" rIns="91425" wrap="square" tIns="91425"/>
+          <a:bodyPr spcFirstLastPara="1" wrap="square" lIns="91425" tIns="91425" rIns="91425" bIns="91425" anchor="ctr" anchorCtr="0"/>
           <a:lstStyle>
             <a:lvl1pPr lvl="0" rtl="0">
               <a:spcBef>
@@ -7409,15 +7346,19 @@
               <a:defRPr/>
             </a:lvl9pPr>
           </a:lstStyle>
-          <a:p/>
+          <a:p>
+            <a:endParaRPr/>
+          </a:p>
         </p:txBody>
       </p:sp>
       <p:sp>
         <p:nvSpPr>
           <p:cNvPr id="90" name="Shape 90"/>
-          <p:cNvSpPr txBox="1"/>
+          <p:cNvSpPr txBox="1">
+            <a:spLocks noGrp="1"/>
+          </p:cNvSpPr>
           <p:nvPr>
-            <p:ph idx="12" type="sldNum"/>
+            <p:ph type="sldNum" idx="12"/>
           </p:nvPr>
         </p:nvSpPr>
         <p:spPr>
@@ -7430,7 +7371,7 @@
           </a:prstGeom>
         </p:spPr>
         <p:txBody>
-          <a:bodyPr anchorCtr="0" anchor="ctr" bIns="91425" lIns="91425" spcFirstLastPara="1" rIns="91425" wrap="square" tIns="91425">
+          <a:bodyPr spcFirstLastPara="1" wrap="square" lIns="91425" tIns="91425" rIns="91425" bIns="91425" anchor="ctr" anchorCtr="0">
             <a:noAutofit/>
           </a:bodyPr>
           <a:lstStyle>
@@ -7472,7 +7413,7 @@
             </a:lvl9pPr>
           </a:lstStyle>
           <a:p>
-            <a:pPr indent="0" lvl="0" marL="0">
+            <a:pPr marL="0" lvl="0" indent="0">
               <a:spcBef>
                 <a:spcPts val="0"/>
               </a:spcBef>
@@ -7498,11 +7439,11 @@
 </file>
 
 <file path=ppt/slideLayouts/slideLayout8.xml><?xml version="1.0" encoding="utf-8"?>
-<p:sldLayout xmlns:a="http://schemas.openxmlformats.org/drawingml/2006/main" xmlns:r="http://schemas.openxmlformats.org/officeDocument/2006/relationships" xmlns:mc="http://schemas.openxmlformats.org/markup-compatibility/2006" xmlns:mv="urn:schemas-microsoft-com:mac:vml" xmlns:p="http://schemas.openxmlformats.org/presentationml/2006/main" xmlns:c="http://schemas.openxmlformats.org/drawingml/2006/chart" xmlns:dgm="http://schemas.openxmlformats.org/drawingml/2006/diagram" xmlns:o="urn:schemas-microsoft-com:office:office" xmlns:v="urn:schemas-microsoft-com:vml" xmlns:pvml="urn:schemas-microsoft-com:office:powerpoint" xmlns:com="http://schemas.openxmlformats.org/drawingml/2006/compatibility" xmlns:p14="http://schemas.microsoft.com/office/powerpoint/2010/main" xmlns:p15="http://schemas.microsoft.com/office/powerpoint/2012/main" matchingName="Section title and description">
+<p:sldLayout xmlns:a="http://schemas.openxmlformats.org/drawingml/2006/main" xmlns:r="http://schemas.openxmlformats.org/officeDocument/2006/relationships" xmlns:p="http://schemas.openxmlformats.org/presentationml/2006/main" matchingName="Section title and description">
   <p:cSld name="SECTION_TITLE_AND_DESCRIPTION">
     <p:spTree>
       <p:nvGrpSpPr>
-        <p:cNvPr id="91" name="Shape 91"/>
+        <p:cNvPr id="1" name="Shape 91"/>
         <p:cNvGrpSpPr/>
         <p:nvPr/>
       </p:nvGrpSpPr>
@@ -7541,7 +7482,7 @@
             </a:xfrm>
             <a:prstGeom prst="diagStripe">
               <a:avLst>
-                <a:gd fmla="val 50000" name="adj"/>
+                <a:gd name="adj" fmla="val 50000"/>
               </a:avLst>
             </a:prstGeom>
             <a:solidFill>
@@ -7552,12 +7493,12 @@
             </a:ln>
           </p:spPr>
           <p:txBody>
-            <a:bodyPr anchorCtr="0" anchor="ctr" bIns="91425" lIns="91425" spcFirstLastPara="1" rIns="91425" wrap="square" tIns="91425">
+            <a:bodyPr spcFirstLastPara="1" wrap="square" lIns="91425" tIns="91425" rIns="91425" bIns="91425" anchor="ctr" anchorCtr="0">
               <a:noAutofit/>
             </a:bodyPr>
             <a:lstStyle/>
             <a:p>
-              <a:pPr indent="0" lvl="0" marL="0">
+              <a:pPr marL="0" lvl="0" indent="0">
                 <a:spcBef>
                   <a:spcPts val="0"/>
                 </a:spcBef>
@@ -7566,9 +7507,6 @@
                 </a:spcAft>
                 <a:buNone/>
               </a:pPr>
-              <a:r>
-                <a:t/>
-              </a:r>
               <a:endParaRPr/>
             </a:p>
           </p:txBody>
@@ -7586,7 +7524,7 @@
             </a:xfrm>
             <a:prstGeom prst="diagStripe">
               <a:avLst>
-                <a:gd fmla="val 50000" name="adj"/>
+                <a:gd name="adj" fmla="val 50000"/>
               </a:avLst>
             </a:prstGeom>
             <a:solidFill>
@@ -7597,12 +7535,12 @@
             </a:ln>
           </p:spPr>
           <p:txBody>
-            <a:bodyPr anchorCtr="0" anchor="ctr" bIns="91425" lIns="91425" spcFirstLastPara="1" rIns="91425" wrap="square" tIns="91425">
+            <a:bodyPr spcFirstLastPara="1" wrap="square" lIns="91425" tIns="91425" rIns="91425" bIns="91425" anchor="ctr" anchorCtr="0">
               <a:noAutofit/>
             </a:bodyPr>
             <a:lstStyle/>
             <a:p>
-              <a:pPr indent="0" lvl="0" marL="0">
+              <a:pPr marL="0" lvl="0" indent="0">
                 <a:spcBef>
                   <a:spcPts val="0"/>
                 </a:spcBef>
@@ -7611,9 +7549,6 @@
                 </a:spcAft>
                 <a:buNone/>
               </a:pPr>
-              <a:r>
-                <a:t/>
-              </a:r>
               <a:endParaRPr/>
             </a:p>
           </p:txBody>
@@ -7622,7 +7557,9 @@
       <p:sp>
         <p:nvSpPr>
           <p:cNvPr id="95" name="Shape 95"/>
-          <p:cNvSpPr txBox="1"/>
+          <p:cNvSpPr txBox="1">
+            <a:spLocks noGrp="1"/>
+          </p:cNvSpPr>
           <p:nvPr>
             <p:ph type="title"/>
           </p:nvPr>
@@ -7637,7 +7574,7 @@
           </a:prstGeom>
         </p:spPr>
         <p:txBody>
-          <a:bodyPr anchorCtr="0" anchor="t" bIns="91425" lIns="91425" spcFirstLastPara="1" rIns="91425" wrap="square" tIns="91425"/>
+          <a:bodyPr spcFirstLastPara="1" wrap="square" lIns="91425" tIns="91425" rIns="91425" bIns="91425" anchor="t" anchorCtr="0"/>
           <a:lstStyle>
             <a:lvl1pPr lvl="0" rtl="0">
               <a:spcBef>
@@ -7739,15 +7676,19 @@
               <a:defRPr sz="2400"/>
             </a:lvl9pPr>
           </a:lstStyle>
-          <a:p/>
+          <a:p>
+            <a:endParaRPr/>
+          </a:p>
         </p:txBody>
       </p:sp>
       <p:sp>
         <p:nvSpPr>
           <p:cNvPr id="96" name="Shape 96"/>
-          <p:cNvSpPr txBox="1"/>
+          <p:cNvSpPr txBox="1">
+            <a:spLocks noGrp="1"/>
+          </p:cNvSpPr>
           <p:nvPr>
-            <p:ph idx="1" type="subTitle"/>
+            <p:ph type="subTitle" idx="1"/>
           </p:nvPr>
         </p:nvSpPr>
         <p:spPr>
@@ -7760,7 +7701,7 @@
           </a:prstGeom>
         </p:spPr>
         <p:txBody>
-          <a:bodyPr anchorCtr="0" anchor="t" bIns="91425" lIns="91425" spcFirstLastPara="1" rIns="91425" wrap="square" tIns="91425"/>
+          <a:bodyPr spcFirstLastPara="1" wrap="square" lIns="91425" tIns="91425" rIns="91425" bIns="91425" anchor="t" anchorCtr="0"/>
           <a:lstStyle>
             <a:lvl1pPr lvl="0" rtl="0">
               <a:lnSpc>
@@ -7889,15 +7830,19 @@
               <a:defRPr sz="1300"/>
             </a:lvl9pPr>
           </a:lstStyle>
-          <a:p/>
+          <a:p>
+            <a:endParaRPr/>
+          </a:p>
         </p:txBody>
       </p:sp>
       <p:sp>
         <p:nvSpPr>
           <p:cNvPr id="97" name="Shape 97"/>
-          <p:cNvSpPr txBox="1"/>
+          <p:cNvSpPr txBox="1">
+            <a:spLocks noGrp="1"/>
+          </p:cNvSpPr>
           <p:nvPr>
-            <p:ph idx="2" type="body"/>
+            <p:ph type="body" idx="2"/>
           </p:nvPr>
         </p:nvSpPr>
         <p:spPr>
@@ -7910,9 +7855,9 @@
           </a:prstGeom>
         </p:spPr>
         <p:txBody>
-          <a:bodyPr anchorCtr="0" anchor="t" bIns="91425" lIns="91425" spcFirstLastPara="1" rIns="91425" wrap="square" tIns="91425"/>
+          <a:bodyPr spcFirstLastPara="1" wrap="square" lIns="91425" tIns="91425" rIns="91425" bIns="91425" anchor="t" anchorCtr="0"/>
           <a:lstStyle>
-            <a:lvl1pPr indent="-311150" lvl="0" marL="457200" rtl="0">
+            <a:lvl1pPr marL="457200" lvl="0" indent="-311150" rtl="0">
               <a:spcBef>
                 <a:spcPts val="0"/>
               </a:spcBef>
@@ -7923,7 +7868,7 @@
               <a:buChar char="●"/>
               <a:defRPr/>
             </a:lvl1pPr>
-            <a:lvl2pPr indent="-298450" lvl="1" marL="914400" rtl="0">
+            <a:lvl2pPr marL="914400" lvl="1" indent="-298450" rtl="0">
               <a:spcBef>
                 <a:spcPts val="1600"/>
               </a:spcBef>
@@ -7934,7 +7879,7 @@
               <a:buChar char="○"/>
               <a:defRPr/>
             </a:lvl2pPr>
-            <a:lvl3pPr indent="-298450" lvl="2" marL="1371600" rtl="0">
+            <a:lvl3pPr marL="1371600" lvl="2" indent="-298450" rtl="0">
               <a:spcBef>
                 <a:spcPts val="1600"/>
               </a:spcBef>
@@ -7945,7 +7890,7 @@
               <a:buChar char="■"/>
               <a:defRPr/>
             </a:lvl3pPr>
-            <a:lvl4pPr indent="-298450" lvl="3" marL="1828800" rtl="0">
+            <a:lvl4pPr marL="1828800" lvl="3" indent="-298450" rtl="0">
               <a:spcBef>
                 <a:spcPts val="1600"/>
               </a:spcBef>
@@ -7956,7 +7901,7 @@
               <a:buChar char="●"/>
               <a:defRPr/>
             </a:lvl4pPr>
-            <a:lvl5pPr indent="-298450" lvl="4" marL="2286000" rtl="0">
+            <a:lvl5pPr marL="2286000" lvl="4" indent="-298450" rtl="0">
               <a:spcBef>
                 <a:spcPts val="1600"/>
               </a:spcBef>
@@ -7967,7 +7912,7 @@
               <a:buChar char="○"/>
               <a:defRPr/>
             </a:lvl5pPr>
-            <a:lvl6pPr indent="-298450" lvl="5" marL="2743200" rtl="0">
+            <a:lvl6pPr marL="2743200" lvl="5" indent="-298450" rtl="0">
               <a:spcBef>
                 <a:spcPts val="1600"/>
               </a:spcBef>
@@ -7978,7 +7923,7 @@
               <a:buChar char="■"/>
               <a:defRPr/>
             </a:lvl6pPr>
-            <a:lvl7pPr indent="-298450" lvl="6" marL="3200400" rtl="0">
+            <a:lvl7pPr marL="3200400" lvl="6" indent="-298450" rtl="0">
               <a:spcBef>
                 <a:spcPts val="1600"/>
               </a:spcBef>
@@ -7989,7 +7934,7 @@
               <a:buChar char="●"/>
               <a:defRPr/>
             </a:lvl7pPr>
-            <a:lvl8pPr indent="-298450" lvl="7" marL="3657600" rtl="0">
+            <a:lvl8pPr marL="3657600" lvl="7" indent="-298450" rtl="0">
               <a:spcBef>
                 <a:spcPts val="1600"/>
               </a:spcBef>
@@ -8000,7 +7945,7 @@
               <a:buChar char="○"/>
               <a:defRPr/>
             </a:lvl8pPr>
-            <a:lvl9pPr indent="-298450" lvl="8" marL="4114800" rtl="0">
+            <a:lvl9pPr marL="4114800" lvl="8" indent="-298450" rtl="0">
               <a:spcBef>
                 <a:spcPts val="1600"/>
               </a:spcBef>
@@ -8012,15 +7957,19 @@
               <a:defRPr/>
             </a:lvl9pPr>
           </a:lstStyle>
-          <a:p/>
+          <a:p>
+            <a:endParaRPr/>
+          </a:p>
         </p:txBody>
       </p:sp>
       <p:sp>
         <p:nvSpPr>
           <p:cNvPr id="98" name="Shape 98"/>
-          <p:cNvSpPr txBox="1"/>
+          <p:cNvSpPr txBox="1">
+            <a:spLocks noGrp="1"/>
+          </p:cNvSpPr>
           <p:nvPr>
-            <p:ph idx="12" type="sldNum"/>
+            <p:ph type="sldNum" idx="12"/>
           </p:nvPr>
         </p:nvSpPr>
         <p:spPr>
@@ -8033,7 +7982,7 @@
           </a:prstGeom>
         </p:spPr>
         <p:txBody>
-          <a:bodyPr anchorCtr="0" anchor="ctr" bIns="91425" lIns="91425" spcFirstLastPara="1" rIns="91425" wrap="square" tIns="91425">
+          <a:bodyPr spcFirstLastPara="1" wrap="square" lIns="91425" tIns="91425" rIns="91425" bIns="91425" anchor="ctr" anchorCtr="0">
             <a:noAutofit/>
           </a:bodyPr>
           <a:lstStyle>
@@ -8075,7 +8024,7 @@
             </a:lvl9pPr>
           </a:lstStyle>
           <a:p>
-            <a:pPr indent="0" lvl="0" marL="0">
+            <a:pPr marL="0" lvl="0" indent="0">
               <a:spcBef>
                 <a:spcPts val="0"/>
               </a:spcBef>
@@ -8101,11 +8050,11 @@
 </file>
 
 <file path=ppt/slideLayouts/slideLayout9.xml><?xml version="1.0" encoding="utf-8"?>
-<p:sldLayout xmlns:a="http://schemas.openxmlformats.org/drawingml/2006/main" xmlns:r="http://schemas.openxmlformats.org/officeDocument/2006/relationships" xmlns:mc="http://schemas.openxmlformats.org/markup-compatibility/2006" xmlns:mv="urn:schemas-microsoft-com:mac:vml" xmlns:p="http://schemas.openxmlformats.org/presentationml/2006/main" xmlns:c="http://schemas.openxmlformats.org/drawingml/2006/chart" xmlns:dgm="http://schemas.openxmlformats.org/drawingml/2006/diagram" xmlns:o="urn:schemas-microsoft-com:office:office" xmlns:v="urn:schemas-microsoft-com:vml" xmlns:pvml="urn:schemas-microsoft-com:office:powerpoint" xmlns:com="http://schemas.openxmlformats.org/drawingml/2006/compatibility" xmlns:p14="http://schemas.microsoft.com/office/powerpoint/2010/main" xmlns:p15="http://schemas.microsoft.com/office/powerpoint/2012/main" matchingName="Caption">
+<p:sldLayout xmlns:a="http://schemas.openxmlformats.org/drawingml/2006/main" xmlns:r="http://schemas.openxmlformats.org/officeDocument/2006/relationships" xmlns:p="http://schemas.openxmlformats.org/presentationml/2006/main" matchingName="Caption">
   <p:cSld name="CAPTION_ONLY">
     <p:spTree>
       <p:nvGrpSpPr>
-        <p:cNvPr id="99" name="Shape 99"/>
+        <p:cNvPr id="1" name="Shape 99"/>
         <p:cNvGrpSpPr/>
         <p:nvPr/>
       </p:nvGrpSpPr>
@@ -8144,7 +8093,7 @@
             </a:xfrm>
             <a:prstGeom prst="diagStripe">
               <a:avLst>
-                <a:gd fmla="val 50000" name="adj"/>
+                <a:gd name="adj" fmla="val 50000"/>
               </a:avLst>
             </a:prstGeom>
             <a:solidFill>
@@ -8157,12 +8106,12 @@
             </a:ln>
           </p:spPr>
           <p:txBody>
-            <a:bodyPr anchorCtr="0" anchor="ctr" bIns="91425" lIns="91425" spcFirstLastPara="1" rIns="91425" wrap="square" tIns="91425">
+            <a:bodyPr spcFirstLastPara="1" wrap="square" lIns="91425" tIns="91425" rIns="91425" bIns="91425" anchor="ctr" anchorCtr="0">
               <a:noAutofit/>
             </a:bodyPr>
             <a:lstStyle/>
             <a:p>
-              <a:pPr indent="0" lvl="0" marL="0">
+              <a:pPr marL="0" lvl="0" indent="0">
                 <a:spcBef>
                   <a:spcPts val="0"/>
                 </a:spcBef>
@@ -8171,9 +8120,6 @@
                 </a:spcAft>
                 <a:buNone/>
               </a:pPr>
-              <a:r>
-                <a:t/>
-              </a:r>
               <a:endParaRPr/>
             </a:p>
           </p:txBody>
@@ -8191,7 +8137,7 @@
             </a:xfrm>
             <a:prstGeom prst="diagStripe">
               <a:avLst>
-                <a:gd fmla="val 50000" name="adj"/>
+                <a:gd name="adj" fmla="val 50000"/>
               </a:avLst>
             </a:prstGeom>
             <a:solidFill>
@@ -8204,12 +8150,12 @@
             </a:ln>
           </p:spPr>
           <p:txBody>
-            <a:bodyPr anchorCtr="0" anchor="ctr" bIns="91425" lIns="91425" spcFirstLastPara="1" rIns="91425" wrap="square" tIns="91425">
+            <a:bodyPr spcFirstLastPara="1" wrap="square" lIns="91425" tIns="91425" rIns="91425" bIns="91425" anchor="ctr" anchorCtr="0">
               <a:noAutofit/>
             </a:bodyPr>
             <a:lstStyle/>
             <a:p>
-              <a:pPr indent="0" lvl="0" marL="0">
+              <a:pPr marL="0" lvl="0" indent="0">
                 <a:spcBef>
                   <a:spcPts val="0"/>
                 </a:spcBef>
@@ -8218,9 +8164,6 @@
                 </a:spcAft>
                 <a:buNone/>
               </a:pPr>
-              <a:r>
-                <a:t/>
-              </a:r>
               <a:endParaRPr/>
             </a:p>
           </p:txBody>
@@ -8229,9 +8172,11 @@
       <p:sp>
         <p:nvSpPr>
           <p:cNvPr id="103" name="Shape 103"/>
-          <p:cNvSpPr txBox="1"/>
+          <p:cNvSpPr txBox="1">
+            <a:spLocks noGrp="1"/>
+          </p:cNvSpPr>
           <p:nvPr>
-            <p:ph idx="1" type="body"/>
+            <p:ph type="body" idx="1"/>
           </p:nvPr>
         </p:nvSpPr>
         <p:spPr>
@@ -8244,9 +8189,9 @@
           </a:prstGeom>
         </p:spPr>
         <p:txBody>
-          <a:bodyPr anchorCtr="0" anchor="ctr" bIns="91425" lIns="91425" spcFirstLastPara="1" rIns="91425" wrap="square" tIns="91425"/>
+          <a:bodyPr spcFirstLastPara="1" wrap="square" lIns="91425" tIns="91425" rIns="91425" bIns="91425" anchor="ctr" anchorCtr="0"/>
           <a:lstStyle>
-            <a:lvl1pPr indent="-228600" lvl="0" marL="457200" rtl="0">
+            <a:lvl1pPr marL="457200" lvl="0" indent="-228600" rtl="0">
               <a:lnSpc>
                 <a:spcPct val="100000"/>
               </a:lnSpc>
@@ -8261,15 +8206,19 @@
               <a:defRPr/>
             </a:lvl1pPr>
           </a:lstStyle>
-          <a:p/>
+          <a:p>
+            <a:endParaRPr/>
+          </a:p>
         </p:txBody>
       </p:sp>
       <p:sp>
         <p:nvSpPr>
           <p:cNvPr id="104" name="Shape 104"/>
-          <p:cNvSpPr txBox="1"/>
+          <p:cNvSpPr txBox="1">
+            <a:spLocks noGrp="1"/>
+          </p:cNvSpPr>
           <p:nvPr>
-            <p:ph idx="12" type="sldNum"/>
+            <p:ph type="sldNum" idx="12"/>
           </p:nvPr>
         </p:nvSpPr>
         <p:spPr>
@@ -8282,7 +8231,7 @@
           </a:prstGeom>
         </p:spPr>
         <p:txBody>
-          <a:bodyPr anchorCtr="0" anchor="ctr" bIns="91425" lIns="91425" spcFirstLastPara="1" rIns="91425" wrap="square" tIns="91425">
+          <a:bodyPr spcFirstLastPara="1" wrap="square" lIns="91425" tIns="91425" rIns="91425" bIns="91425" anchor="ctr" anchorCtr="0">
             <a:noAutofit/>
           </a:bodyPr>
           <a:lstStyle>
@@ -8324,7 +8273,7 @@
             </a:lvl9pPr>
           </a:lstStyle>
           <a:p>
-            <a:pPr indent="0" lvl="0" marL="0">
+            <a:pPr marL="0" lvl="0" indent="0">
               <a:spcBef>
                 <a:spcPts val="0"/>
               </a:spcBef>
@@ -8350,18 +8299,19 @@
 </file>
 
 <file path=ppt/slideMasters/slideMaster1.xml><?xml version="1.0" encoding="utf-8"?>
-<p:sldMaster xmlns:a="http://schemas.openxmlformats.org/drawingml/2006/main" xmlns:r="http://schemas.openxmlformats.org/officeDocument/2006/relationships" xmlns:mc="http://schemas.openxmlformats.org/markup-compatibility/2006" xmlns:mv="urn:schemas-microsoft-com:mac:vml" xmlns:p="http://schemas.openxmlformats.org/presentationml/2006/main" xmlns:c="http://schemas.openxmlformats.org/drawingml/2006/chart" xmlns:dgm="http://schemas.openxmlformats.org/drawingml/2006/diagram" xmlns:o="urn:schemas-microsoft-com:office:office" xmlns:v="urn:schemas-microsoft-com:vml" xmlns:pvml="urn:schemas-microsoft-com:office:powerpoint" xmlns:com="http://schemas.openxmlformats.org/drawingml/2006/compatibility" xmlns:p14="http://schemas.microsoft.com/office/powerpoint/2010/main" xmlns:p15="http://schemas.microsoft.com/office/powerpoint/2012/main">
+<p:sldMaster xmlns:a="http://schemas.openxmlformats.org/drawingml/2006/main" xmlns:r="http://schemas.openxmlformats.org/officeDocument/2006/relationships" xmlns:p="http://schemas.openxmlformats.org/presentationml/2006/main">
   <p:cSld name="focus">
     <p:bg>
       <p:bgPr>
         <a:solidFill>
           <a:schemeClr val="dk1"/>
         </a:solidFill>
+        <a:effectLst/>
       </p:bgPr>
     </p:bg>
     <p:spTree>
       <p:nvGrpSpPr>
-        <p:cNvPr id="5" name="Shape 5"/>
+        <p:cNvPr id="1" name="Shape 5"/>
         <p:cNvGrpSpPr/>
         <p:nvPr/>
       </p:nvGrpSpPr>
@@ -8376,7 +8326,9 @@
       <p:sp>
         <p:nvSpPr>
           <p:cNvPr id="6" name="Shape 6"/>
-          <p:cNvSpPr txBox="1"/>
+          <p:cNvSpPr txBox="1">
+            <a:spLocks noGrp="1"/>
+          </p:cNvSpPr>
           <p:nvPr>
             <p:ph type="title"/>
           </p:nvPr>
@@ -8395,7 +8347,7 @@
           </a:ln>
         </p:spPr>
         <p:txBody>
-          <a:bodyPr anchorCtr="0" anchor="t" bIns="91425" lIns="91425" spcFirstLastPara="1" rIns="91425" wrap="square" tIns="91425"/>
+          <a:bodyPr spcFirstLastPara="1" wrap="square" lIns="91425" tIns="91425" rIns="91425" bIns="91425" anchor="t" anchorCtr="0"/>
           <a:lstStyle>
             <a:lvl1pPr lvl="0" rtl="0">
               <a:spcBef>
@@ -8605,15 +8557,19 @@
               </a:defRPr>
             </a:lvl9pPr>
           </a:lstStyle>
-          <a:p/>
+          <a:p>
+            <a:endParaRPr/>
+          </a:p>
         </p:txBody>
       </p:sp>
       <p:sp>
         <p:nvSpPr>
           <p:cNvPr id="7" name="Shape 7"/>
-          <p:cNvSpPr txBox="1"/>
+          <p:cNvSpPr txBox="1">
+            <a:spLocks noGrp="1"/>
+          </p:cNvSpPr>
           <p:nvPr>
-            <p:ph idx="1" type="body"/>
+            <p:ph type="body" idx="1"/>
           </p:nvPr>
         </p:nvSpPr>
         <p:spPr>
@@ -8630,9 +8586,9 @@
           </a:ln>
         </p:spPr>
         <p:txBody>
-          <a:bodyPr anchorCtr="0" anchor="t" bIns="91425" lIns="91425" spcFirstLastPara="1" rIns="91425" wrap="square" tIns="91425"/>
+          <a:bodyPr spcFirstLastPara="1" wrap="square" lIns="91425" tIns="91425" rIns="91425" bIns="91425" anchor="t" anchorCtr="0"/>
           <a:lstStyle>
-            <a:lvl1pPr indent="-311150" lvl="0" marL="457200" rtl="0">
+            <a:lvl1pPr marL="457200" lvl="0" indent="-311150" rtl="0">
               <a:lnSpc>
                 <a:spcPct val="115000"/>
               </a:lnSpc>
@@ -8658,7 +8614,7 @@
                 <a:sym typeface="Lato"/>
               </a:defRPr>
             </a:lvl1pPr>
-            <a:lvl2pPr indent="-298450" lvl="1" marL="914400" rtl="0">
+            <a:lvl2pPr marL="914400" lvl="1" indent="-298450" rtl="0">
               <a:lnSpc>
                 <a:spcPct val="115000"/>
               </a:lnSpc>
@@ -8684,7 +8640,7 @@
                 <a:sym typeface="Lato"/>
               </a:defRPr>
             </a:lvl2pPr>
-            <a:lvl3pPr indent="-298450" lvl="2" marL="1371600" rtl="0">
+            <a:lvl3pPr marL="1371600" lvl="2" indent="-298450" rtl="0">
               <a:lnSpc>
                 <a:spcPct val="115000"/>
               </a:lnSpc>
@@ -8710,7 +8666,7 @@
                 <a:sym typeface="Lato"/>
               </a:defRPr>
             </a:lvl3pPr>
-            <a:lvl4pPr indent="-298450" lvl="3" marL="1828800" rtl="0">
+            <a:lvl4pPr marL="1828800" lvl="3" indent="-298450" rtl="0">
               <a:lnSpc>
                 <a:spcPct val="115000"/>
               </a:lnSpc>
@@ -8736,7 +8692,7 @@
                 <a:sym typeface="Lato"/>
               </a:defRPr>
             </a:lvl4pPr>
-            <a:lvl5pPr indent="-298450" lvl="4" marL="2286000" rtl="0">
+            <a:lvl5pPr marL="2286000" lvl="4" indent="-298450" rtl="0">
               <a:lnSpc>
                 <a:spcPct val="115000"/>
               </a:lnSpc>
@@ -8762,7 +8718,7 @@
                 <a:sym typeface="Lato"/>
               </a:defRPr>
             </a:lvl5pPr>
-            <a:lvl6pPr indent="-298450" lvl="5" marL="2743200" rtl="0">
+            <a:lvl6pPr marL="2743200" lvl="5" indent="-298450" rtl="0">
               <a:lnSpc>
                 <a:spcPct val="115000"/>
               </a:lnSpc>
@@ -8788,7 +8744,7 @@
                 <a:sym typeface="Lato"/>
               </a:defRPr>
             </a:lvl6pPr>
-            <a:lvl7pPr indent="-298450" lvl="6" marL="3200400" rtl="0">
+            <a:lvl7pPr marL="3200400" lvl="6" indent="-298450" rtl="0">
               <a:lnSpc>
                 <a:spcPct val="115000"/>
               </a:lnSpc>
@@ -8814,7 +8770,7 @@
                 <a:sym typeface="Lato"/>
               </a:defRPr>
             </a:lvl7pPr>
-            <a:lvl8pPr indent="-298450" lvl="7" marL="3657600" rtl="0">
+            <a:lvl8pPr marL="3657600" lvl="7" indent="-298450" rtl="0">
               <a:lnSpc>
                 <a:spcPct val="115000"/>
               </a:lnSpc>
@@ -8840,7 +8796,7 @@
                 <a:sym typeface="Lato"/>
               </a:defRPr>
             </a:lvl8pPr>
-            <a:lvl9pPr indent="-298450" lvl="8" marL="4114800" rtl="0">
+            <a:lvl9pPr marL="4114800" lvl="8" indent="-298450" rtl="0">
               <a:lnSpc>
                 <a:spcPct val="115000"/>
               </a:lnSpc>
@@ -8867,15 +8823,19 @@
               </a:defRPr>
             </a:lvl9pPr>
           </a:lstStyle>
-          <a:p/>
+          <a:p>
+            <a:endParaRPr/>
+          </a:p>
         </p:txBody>
       </p:sp>
       <p:sp>
         <p:nvSpPr>
           <p:cNvPr id="8" name="Shape 8"/>
-          <p:cNvSpPr txBox="1"/>
+          <p:cNvSpPr txBox="1">
+            <a:spLocks noGrp="1"/>
+          </p:cNvSpPr>
           <p:nvPr>
-            <p:ph idx="12" type="sldNum"/>
+            <p:ph type="sldNum" idx="12"/>
           </p:nvPr>
         </p:nvSpPr>
         <p:spPr>
@@ -8892,11 +8852,11 @@
           </a:ln>
         </p:spPr>
         <p:txBody>
-          <a:bodyPr anchorCtr="0" anchor="ctr" bIns="91425" lIns="91425" spcFirstLastPara="1" rIns="91425" wrap="square" tIns="91425">
+          <a:bodyPr spcFirstLastPara="1" wrap="square" lIns="91425" tIns="91425" rIns="91425" bIns="91425" anchor="ctr" anchorCtr="0">
             <a:noAutofit/>
           </a:bodyPr>
           <a:lstStyle>
-            <a:lvl1pPr lvl="0" rtl="0" algn="r">
+            <a:lvl1pPr lvl="0" algn="r" rtl="0">
               <a:buNone/>
               <a:defRPr sz="1000">
                 <a:solidFill>
@@ -8908,7 +8868,7 @@
                 <a:sym typeface="Lato"/>
               </a:defRPr>
             </a:lvl1pPr>
-            <a:lvl2pPr lvl="1" rtl="0" algn="r">
+            <a:lvl2pPr lvl="1" algn="r" rtl="0">
               <a:buNone/>
               <a:defRPr sz="1000">
                 <a:solidFill>
@@ -8920,7 +8880,7 @@
                 <a:sym typeface="Lato"/>
               </a:defRPr>
             </a:lvl2pPr>
-            <a:lvl3pPr lvl="2" rtl="0" algn="r">
+            <a:lvl3pPr lvl="2" algn="r" rtl="0">
               <a:buNone/>
               <a:defRPr sz="1000">
                 <a:solidFill>
@@ -8932,7 +8892,7 @@
                 <a:sym typeface="Lato"/>
               </a:defRPr>
             </a:lvl3pPr>
-            <a:lvl4pPr lvl="3" rtl="0" algn="r">
+            <a:lvl4pPr lvl="3" algn="r" rtl="0">
               <a:buNone/>
               <a:defRPr sz="1000">
                 <a:solidFill>
@@ -8944,7 +8904,7 @@
                 <a:sym typeface="Lato"/>
               </a:defRPr>
             </a:lvl4pPr>
-            <a:lvl5pPr lvl="4" rtl="0" algn="r">
+            <a:lvl5pPr lvl="4" algn="r" rtl="0">
               <a:buNone/>
               <a:defRPr sz="1000">
                 <a:solidFill>
@@ -8956,7 +8916,7 @@
                 <a:sym typeface="Lato"/>
               </a:defRPr>
             </a:lvl5pPr>
-            <a:lvl6pPr lvl="5" rtl="0" algn="r">
+            <a:lvl6pPr lvl="5" algn="r" rtl="0">
               <a:buNone/>
               <a:defRPr sz="1000">
                 <a:solidFill>
@@ -8968,7 +8928,7 @@
                 <a:sym typeface="Lato"/>
               </a:defRPr>
             </a:lvl6pPr>
-            <a:lvl7pPr lvl="6" rtl="0" algn="r">
+            <a:lvl7pPr lvl="6" algn="r" rtl="0">
               <a:buNone/>
               <a:defRPr sz="1000">
                 <a:solidFill>
@@ -8980,7 +8940,7 @@
                 <a:sym typeface="Lato"/>
               </a:defRPr>
             </a:lvl7pPr>
-            <a:lvl8pPr lvl="7" rtl="0" algn="r">
+            <a:lvl8pPr lvl="7" algn="r" rtl="0">
               <a:buNone/>
               <a:defRPr sz="1000">
                 <a:solidFill>
@@ -8992,7 +8952,7 @@
                 <a:sym typeface="Lato"/>
               </a:defRPr>
             </a:lvl8pPr>
-            <a:lvl9pPr lvl="8" rtl="0" algn="r">
+            <a:lvl9pPr lvl="8" algn="r" rtl="0">
               <a:buNone/>
               <a:defRPr sz="1000">
                 <a:solidFill>
@@ -9006,7 +8966,7 @@
             </a:lvl9pPr>
           </a:lstStyle>
           <a:p>
-            <a:pPr indent="0" lvl="0" marL="0">
+            <a:pPr marL="0" lvl="0" indent="0">
               <a:spcBef>
                 <a:spcPts val="0"/>
               </a:spcBef>
@@ -9025,7 +8985,7 @@
       </p:sp>
     </p:spTree>
   </p:cSld>
-  <p:clrMap accent1="accent1" accent2="accent2" accent3="accent3" accent4="accent4" accent5="accent5" accent6="accent6" bg1="lt1" bg2="dk2" tx1="dk1" tx2="lt2" folHlink="folHlink" hlink="hlink"/>
+  <p:clrMap bg1="lt1" tx1="dk1" bg2="dk2" tx2="lt2" accent1="accent1" accent2="accent2" accent3="accent3" accent4="accent4" accent5="accent5" accent6="accent6" hlink="hlink" folHlink="folHlink"/>
   <p:sldLayoutIdLst>
     <p:sldLayoutId id="2147483648" r:id="rId1"/>
     <p:sldLayoutId id="2147483649" r:id="rId2"/>
@@ -9039,10 +8999,10 @@
     <p:sldLayoutId id="2147483657" r:id="rId10"/>
     <p:sldLayoutId id="2147483658" r:id="rId11"/>
   </p:sldLayoutIdLst>
-  <p:hf dt="0" ftr="0" hdr="0" sldNum="0"/>
+  <p:hf sldNum="0" hdr="0" ftr="0" dt="0"/>
   <p:txStyles>
     <p:titleStyle>
-      <a:defPPr lvl="0" marR="0" rtl="0" algn="l">
+      <a:defPPr marR="0" lvl="0" algn="l" rtl="0">
         <a:lnSpc>
           <a:spcPct val="100000"/>
         </a:lnSpc>
@@ -9053,7 +9013,7 @@
           <a:spcPts val="0"/>
         </a:spcAft>
       </a:defPPr>
-      <a:lvl1pPr lvl="0" marR="0" rtl="0" algn="l">
+      <a:lvl1pPr marR="0" lvl="0" algn="l" rtl="0">
         <a:lnSpc>
           <a:spcPct val="100000"/>
         </a:lnSpc>
@@ -9067,7 +9027,7 @@
           <a:srgbClr val="000000"/>
         </a:buClr>
         <a:buFont typeface="Arial"/>
-        <a:defRPr b="0" i="0" sz="1400" u="none" cap="none" strike="noStrike">
+        <a:defRPr sz="1400" b="0" i="0" u="none" strike="noStrike" cap="none">
           <a:solidFill>
             <a:srgbClr val="000000"/>
           </a:solidFill>
@@ -9077,7 +9037,7 @@
           <a:sym typeface="Arial"/>
         </a:defRPr>
       </a:lvl1pPr>
-      <a:lvl2pPr lvl="1" marR="0" rtl="0" algn="l">
+      <a:lvl2pPr marR="0" lvl="1" algn="l" rtl="0">
         <a:lnSpc>
           <a:spcPct val="100000"/>
         </a:lnSpc>
@@ -9091,7 +9051,7 @@
           <a:srgbClr val="000000"/>
         </a:buClr>
         <a:buFont typeface="Arial"/>
-        <a:defRPr b="0" i="0" sz="1400" u="none" cap="none" strike="noStrike">
+        <a:defRPr sz="1400" b="0" i="0" u="none" strike="noStrike" cap="none">
           <a:solidFill>
             <a:srgbClr val="000000"/>
           </a:solidFill>
@@ -9101,7 +9061,7 @@
           <a:sym typeface="Arial"/>
         </a:defRPr>
       </a:lvl2pPr>
-      <a:lvl3pPr lvl="2" marR="0" rtl="0" algn="l">
+      <a:lvl3pPr marR="0" lvl="2" algn="l" rtl="0">
         <a:lnSpc>
           <a:spcPct val="100000"/>
         </a:lnSpc>
@@ -9115,7 +9075,7 @@
           <a:srgbClr val="000000"/>
         </a:buClr>
         <a:buFont typeface="Arial"/>
-        <a:defRPr b="0" i="0" sz="1400" u="none" cap="none" strike="noStrike">
+        <a:defRPr sz="1400" b="0" i="0" u="none" strike="noStrike" cap="none">
           <a:solidFill>
             <a:srgbClr val="000000"/>
           </a:solidFill>
@@ -9125,7 +9085,7 @@
           <a:sym typeface="Arial"/>
         </a:defRPr>
       </a:lvl3pPr>
-      <a:lvl4pPr lvl="3" marR="0" rtl="0" algn="l">
+      <a:lvl4pPr marR="0" lvl="3" algn="l" rtl="0">
         <a:lnSpc>
           <a:spcPct val="100000"/>
         </a:lnSpc>
@@ -9139,7 +9099,7 @@
           <a:srgbClr val="000000"/>
         </a:buClr>
         <a:buFont typeface="Arial"/>
-        <a:defRPr b="0" i="0" sz="1400" u="none" cap="none" strike="noStrike">
+        <a:defRPr sz="1400" b="0" i="0" u="none" strike="noStrike" cap="none">
           <a:solidFill>
             <a:srgbClr val="000000"/>
           </a:solidFill>
@@ -9149,7 +9109,7 @@
           <a:sym typeface="Arial"/>
         </a:defRPr>
       </a:lvl4pPr>
-      <a:lvl5pPr lvl="4" marR="0" rtl="0" algn="l">
+      <a:lvl5pPr marR="0" lvl="4" algn="l" rtl="0">
         <a:lnSpc>
           <a:spcPct val="100000"/>
         </a:lnSpc>
@@ -9163,7 +9123,7 @@
           <a:srgbClr val="000000"/>
         </a:buClr>
         <a:buFont typeface="Arial"/>
-        <a:defRPr b="0" i="0" sz="1400" u="none" cap="none" strike="noStrike">
+        <a:defRPr sz="1400" b="0" i="0" u="none" strike="noStrike" cap="none">
           <a:solidFill>
             <a:srgbClr val="000000"/>
           </a:solidFill>
@@ -9173,7 +9133,7 @@
           <a:sym typeface="Arial"/>
         </a:defRPr>
       </a:lvl5pPr>
-      <a:lvl6pPr lvl="5" marR="0" rtl="0" algn="l">
+      <a:lvl6pPr marR="0" lvl="5" algn="l" rtl="0">
         <a:lnSpc>
           <a:spcPct val="100000"/>
         </a:lnSpc>
@@ -9187,7 +9147,7 @@
           <a:srgbClr val="000000"/>
         </a:buClr>
         <a:buFont typeface="Arial"/>
-        <a:defRPr b="0" i="0" sz="1400" u="none" cap="none" strike="noStrike">
+        <a:defRPr sz="1400" b="0" i="0" u="none" strike="noStrike" cap="none">
           <a:solidFill>
             <a:srgbClr val="000000"/>
           </a:solidFill>
@@ -9197,7 +9157,7 @@
           <a:sym typeface="Arial"/>
         </a:defRPr>
       </a:lvl6pPr>
-      <a:lvl7pPr lvl="6" marR="0" rtl="0" algn="l">
+      <a:lvl7pPr marR="0" lvl="6" algn="l" rtl="0">
         <a:lnSpc>
           <a:spcPct val="100000"/>
         </a:lnSpc>
@@ -9211,7 +9171,7 @@
           <a:srgbClr val="000000"/>
         </a:buClr>
         <a:buFont typeface="Arial"/>
-        <a:defRPr b="0" i="0" sz="1400" u="none" cap="none" strike="noStrike">
+        <a:defRPr sz="1400" b="0" i="0" u="none" strike="noStrike" cap="none">
           <a:solidFill>
             <a:srgbClr val="000000"/>
           </a:solidFill>
@@ -9221,7 +9181,7 @@
           <a:sym typeface="Arial"/>
         </a:defRPr>
       </a:lvl7pPr>
-      <a:lvl8pPr lvl="7" marR="0" rtl="0" algn="l">
+      <a:lvl8pPr marR="0" lvl="7" algn="l" rtl="0">
         <a:lnSpc>
           <a:spcPct val="100000"/>
         </a:lnSpc>
@@ -9235,7 +9195,7 @@
           <a:srgbClr val="000000"/>
         </a:buClr>
         <a:buFont typeface="Arial"/>
-        <a:defRPr b="0" i="0" sz="1400" u="none" cap="none" strike="noStrike">
+        <a:defRPr sz="1400" b="0" i="0" u="none" strike="noStrike" cap="none">
           <a:solidFill>
             <a:srgbClr val="000000"/>
           </a:solidFill>
@@ -9245,7 +9205,7 @@
           <a:sym typeface="Arial"/>
         </a:defRPr>
       </a:lvl8pPr>
-      <a:lvl9pPr lvl="8" marR="0" rtl="0" algn="l">
+      <a:lvl9pPr marR="0" lvl="8" algn="l" rtl="0">
         <a:lnSpc>
           <a:spcPct val="100000"/>
         </a:lnSpc>
@@ -9259,7 +9219,7 @@
           <a:srgbClr val="000000"/>
         </a:buClr>
         <a:buFont typeface="Arial"/>
-        <a:defRPr b="0" i="0" sz="1400" u="none" cap="none" strike="noStrike">
+        <a:defRPr sz="1400" b="0" i="0" u="none" strike="noStrike" cap="none">
           <a:solidFill>
             <a:srgbClr val="000000"/>
           </a:solidFill>
@@ -9271,7 +9231,7 @@
       </a:lvl9pPr>
     </p:titleStyle>
     <p:bodyStyle>
-      <a:defPPr lvl="0" marR="0" rtl="0" algn="l">
+      <a:defPPr marR="0" lvl="0" algn="l" rtl="0">
         <a:lnSpc>
           <a:spcPct val="100000"/>
         </a:lnSpc>
@@ -9282,7 +9242,7 @@
           <a:spcPts val="0"/>
         </a:spcAft>
       </a:defPPr>
-      <a:lvl1pPr lvl="0" marR="0" rtl="0" algn="l">
+      <a:lvl1pPr marR="0" lvl="0" algn="l" rtl="0">
         <a:lnSpc>
           <a:spcPct val="100000"/>
         </a:lnSpc>
@@ -9296,7 +9256,7 @@
           <a:srgbClr val="000000"/>
         </a:buClr>
         <a:buFont typeface="Arial"/>
-        <a:defRPr b="0" i="0" sz="1400" u="none" cap="none" strike="noStrike">
+        <a:defRPr sz="1400" b="0" i="0" u="none" strike="noStrike" cap="none">
           <a:solidFill>
             <a:srgbClr val="000000"/>
           </a:solidFill>
@@ -9306,7 +9266,7 @@
           <a:sym typeface="Arial"/>
         </a:defRPr>
       </a:lvl1pPr>
-      <a:lvl2pPr lvl="1" marR="0" rtl="0" algn="l">
+      <a:lvl2pPr marR="0" lvl="1" algn="l" rtl="0">
         <a:lnSpc>
           <a:spcPct val="100000"/>
         </a:lnSpc>
@@ -9320,7 +9280,7 @@
           <a:srgbClr val="000000"/>
         </a:buClr>
         <a:buFont typeface="Arial"/>
-        <a:defRPr b="0" i="0" sz="1400" u="none" cap="none" strike="noStrike">
+        <a:defRPr sz="1400" b="0" i="0" u="none" strike="noStrike" cap="none">
           <a:solidFill>
             <a:srgbClr val="000000"/>
           </a:solidFill>
@@ -9330,7 +9290,7 @@
           <a:sym typeface="Arial"/>
         </a:defRPr>
       </a:lvl2pPr>
-      <a:lvl3pPr lvl="2" marR="0" rtl="0" algn="l">
+      <a:lvl3pPr marR="0" lvl="2" algn="l" rtl="0">
         <a:lnSpc>
           <a:spcPct val="100000"/>
         </a:lnSpc>
@@ -9344,7 +9304,7 @@
           <a:srgbClr val="000000"/>
         </a:buClr>
         <a:buFont typeface="Arial"/>
-        <a:defRPr b="0" i="0" sz="1400" u="none" cap="none" strike="noStrike">
+        <a:defRPr sz="1400" b="0" i="0" u="none" strike="noStrike" cap="none">
           <a:solidFill>
             <a:srgbClr val="000000"/>
           </a:solidFill>
@@ -9354,7 +9314,7 @@
           <a:sym typeface="Arial"/>
         </a:defRPr>
       </a:lvl3pPr>
-      <a:lvl4pPr lvl="3" marR="0" rtl="0" algn="l">
+      <a:lvl4pPr marR="0" lvl="3" algn="l" rtl="0">
         <a:lnSpc>
           <a:spcPct val="100000"/>
         </a:lnSpc>
@@ -9368,7 +9328,7 @@
           <a:srgbClr val="000000"/>
         </a:buClr>
         <a:buFont typeface="Arial"/>
-        <a:defRPr b="0" i="0" sz="1400" u="none" cap="none" strike="noStrike">
+        <a:defRPr sz="1400" b="0" i="0" u="none" strike="noStrike" cap="none">
           <a:solidFill>
             <a:srgbClr val="000000"/>
           </a:solidFill>
@@ -9378,7 +9338,7 @@
           <a:sym typeface="Arial"/>
         </a:defRPr>
       </a:lvl4pPr>
-      <a:lvl5pPr lvl="4" marR="0" rtl="0" algn="l">
+      <a:lvl5pPr marR="0" lvl="4" algn="l" rtl="0">
         <a:lnSpc>
           <a:spcPct val="100000"/>
         </a:lnSpc>
@@ -9392,7 +9352,7 @@
           <a:srgbClr val="000000"/>
         </a:buClr>
         <a:buFont typeface="Arial"/>
-        <a:defRPr b="0" i="0" sz="1400" u="none" cap="none" strike="noStrike">
+        <a:defRPr sz="1400" b="0" i="0" u="none" strike="noStrike" cap="none">
           <a:solidFill>
             <a:srgbClr val="000000"/>
           </a:solidFill>
@@ -9402,7 +9362,7 @@
           <a:sym typeface="Arial"/>
         </a:defRPr>
       </a:lvl5pPr>
-      <a:lvl6pPr lvl="5" marR="0" rtl="0" algn="l">
+      <a:lvl6pPr marR="0" lvl="5" algn="l" rtl="0">
         <a:lnSpc>
           <a:spcPct val="100000"/>
         </a:lnSpc>
@@ -9416,7 +9376,7 @@
           <a:srgbClr val="000000"/>
         </a:buClr>
         <a:buFont typeface="Arial"/>
-        <a:defRPr b="0" i="0" sz="1400" u="none" cap="none" strike="noStrike">
+        <a:defRPr sz="1400" b="0" i="0" u="none" strike="noStrike" cap="none">
           <a:solidFill>
             <a:srgbClr val="000000"/>
           </a:solidFill>
@@ -9426,7 +9386,7 @@
           <a:sym typeface="Arial"/>
         </a:defRPr>
       </a:lvl6pPr>
-      <a:lvl7pPr lvl="6" marR="0" rtl="0" algn="l">
+      <a:lvl7pPr marR="0" lvl="6" algn="l" rtl="0">
         <a:lnSpc>
           <a:spcPct val="100000"/>
         </a:lnSpc>
@@ -9440,7 +9400,7 @@
           <a:srgbClr val="000000"/>
         </a:buClr>
         <a:buFont typeface="Arial"/>
-        <a:defRPr b="0" i="0" sz="1400" u="none" cap="none" strike="noStrike">
+        <a:defRPr sz="1400" b="0" i="0" u="none" strike="noStrike" cap="none">
           <a:solidFill>
             <a:srgbClr val="000000"/>
           </a:solidFill>
@@ -9450,7 +9410,7 @@
           <a:sym typeface="Arial"/>
         </a:defRPr>
       </a:lvl7pPr>
-      <a:lvl8pPr lvl="7" marR="0" rtl="0" algn="l">
+      <a:lvl8pPr marR="0" lvl="7" algn="l" rtl="0">
         <a:lnSpc>
           <a:spcPct val="100000"/>
         </a:lnSpc>
@@ -9464,7 +9424,7 @@
           <a:srgbClr val="000000"/>
         </a:buClr>
         <a:buFont typeface="Arial"/>
-        <a:defRPr b="0" i="0" sz="1400" u="none" cap="none" strike="noStrike">
+        <a:defRPr sz="1400" b="0" i="0" u="none" strike="noStrike" cap="none">
           <a:solidFill>
             <a:srgbClr val="000000"/>
           </a:solidFill>
@@ -9474,7 +9434,7 @@
           <a:sym typeface="Arial"/>
         </a:defRPr>
       </a:lvl8pPr>
-      <a:lvl9pPr lvl="8" marR="0" rtl="0" algn="l">
+      <a:lvl9pPr marR="0" lvl="8" algn="l" rtl="0">
         <a:lnSpc>
           <a:spcPct val="100000"/>
         </a:lnSpc>
@@ -9488,7 +9448,7 @@
           <a:srgbClr val="000000"/>
         </a:buClr>
         <a:buFont typeface="Arial"/>
-        <a:defRPr b="0" i="0" sz="1400" u="none" cap="none" strike="noStrike">
+        <a:defRPr sz="1400" b="0" i="0" u="none" strike="noStrike" cap="none">
           <a:solidFill>
             <a:srgbClr val="000000"/>
           </a:solidFill>
@@ -9500,7 +9460,7 @@
       </a:lvl9pPr>
     </p:bodyStyle>
     <p:otherStyle>
-      <a:defPPr lvl="0" marR="0" rtl="0" algn="l">
+      <a:defPPr marR="0" lvl="0" algn="l" rtl="0">
         <a:lnSpc>
           <a:spcPct val="100000"/>
         </a:lnSpc>
@@ -9511,7 +9471,7 @@
           <a:spcPts val="0"/>
         </a:spcAft>
       </a:defPPr>
-      <a:lvl1pPr lvl="0" marR="0" rtl="0" algn="l">
+      <a:lvl1pPr marR="0" lvl="0" algn="l" rtl="0">
         <a:lnSpc>
           <a:spcPct val="100000"/>
         </a:lnSpc>
@@ -9525,7 +9485,7 @@
           <a:srgbClr val="000000"/>
         </a:buClr>
         <a:buFont typeface="Arial"/>
-        <a:defRPr b="0" i="0" sz="1400" u="none" cap="none" strike="noStrike">
+        <a:defRPr sz="1400" b="0" i="0" u="none" strike="noStrike" cap="none">
           <a:solidFill>
             <a:srgbClr val="000000"/>
           </a:solidFill>
@@ -9535,7 +9495,7 @@
           <a:sym typeface="Arial"/>
         </a:defRPr>
       </a:lvl1pPr>
-      <a:lvl2pPr lvl="1" marR="0" rtl="0" algn="l">
+      <a:lvl2pPr marR="0" lvl="1" algn="l" rtl="0">
         <a:lnSpc>
           <a:spcPct val="100000"/>
         </a:lnSpc>
@@ -9549,7 +9509,7 @@
           <a:srgbClr val="000000"/>
         </a:buClr>
         <a:buFont typeface="Arial"/>
-        <a:defRPr b="0" i="0" sz="1400" u="none" cap="none" strike="noStrike">
+        <a:defRPr sz="1400" b="0" i="0" u="none" strike="noStrike" cap="none">
           <a:solidFill>
             <a:srgbClr val="000000"/>
           </a:solidFill>
@@ -9559,7 +9519,7 @@
           <a:sym typeface="Arial"/>
         </a:defRPr>
       </a:lvl2pPr>
-      <a:lvl3pPr lvl="2" marR="0" rtl="0" algn="l">
+      <a:lvl3pPr marR="0" lvl="2" algn="l" rtl="0">
         <a:lnSpc>
           <a:spcPct val="100000"/>
         </a:lnSpc>
@@ -9573,7 +9533,7 @@
           <a:srgbClr val="000000"/>
         </a:buClr>
         <a:buFont typeface="Arial"/>
-        <a:defRPr b="0" i="0" sz="1400" u="none" cap="none" strike="noStrike">
+        <a:defRPr sz="1400" b="0" i="0" u="none" strike="noStrike" cap="none">
           <a:solidFill>
             <a:srgbClr val="000000"/>
           </a:solidFill>
@@ -9583,7 +9543,7 @@
           <a:sym typeface="Arial"/>
         </a:defRPr>
       </a:lvl3pPr>
-      <a:lvl4pPr lvl="3" marR="0" rtl="0" algn="l">
+      <a:lvl4pPr marR="0" lvl="3" algn="l" rtl="0">
         <a:lnSpc>
           <a:spcPct val="100000"/>
         </a:lnSpc>
@@ -9597,7 +9557,7 @@
           <a:srgbClr val="000000"/>
         </a:buClr>
         <a:buFont typeface="Arial"/>
-        <a:defRPr b="0" i="0" sz="1400" u="none" cap="none" strike="noStrike">
+        <a:defRPr sz="1400" b="0" i="0" u="none" strike="noStrike" cap="none">
           <a:solidFill>
             <a:srgbClr val="000000"/>
           </a:solidFill>
@@ -9607,7 +9567,7 @@
           <a:sym typeface="Arial"/>
         </a:defRPr>
       </a:lvl4pPr>
-      <a:lvl5pPr lvl="4" marR="0" rtl="0" algn="l">
+      <a:lvl5pPr marR="0" lvl="4" algn="l" rtl="0">
         <a:lnSpc>
           <a:spcPct val="100000"/>
         </a:lnSpc>
@@ -9621,7 +9581,7 @@
           <a:srgbClr val="000000"/>
         </a:buClr>
         <a:buFont typeface="Arial"/>
-        <a:defRPr b="0" i="0" sz="1400" u="none" cap="none" strike="noStrike">
+        <a:defRPr sz="1400" b="0" i="0" u="none" strike="noStrike" cap="none">
           <a:solidFill>
             <a:srgbClr val="000000"/>
           </a:solidFill>
@@ -9631,7 +9591,7 @@
           <a:sym typeface="Arial"/>
         </a:defRPr>
       </a:lvl5pPr>
-      <a:lvl6pPr lvl="5" marR="0" rtl="0" algn="l">
+      <a:lvl6pPr marR="0" lvl="5" algn="l" rtl="0">
         <a:lnSpc>
           <a:spcPct val="100000"/>
         </a:lnSpc>
@@ -9645,7 +9605,7 @@
           <a:srgbClr val="000000"/>
         </a:buClr>
         <a:buFont typeface="Arial"/>
-        <a:defRPr b="0" i="0" sz="1400" u="none" cap="none" strike="noStrike">
+        <a:defRPr sz="1400" b="0" i="0" u="none" strike="noStrike" cap="none">
           <a:solidFill>
             <a:srgbClr val="000000"/>
           </a:solidFill>
@@ -9655,7 +9615,7 @@
           <a:sym typeface="Arial"/>
         </a:defRPr>
       </a:lvl6pPr>
-      <a:lvl7pPr lvl="6" marR="0" rtl="0" algn="l">
+      <a:lvl7pPr marR="0" lvl="6" algn="l" rtl="0">
         <a:lnSpc>
           <a:spcPct val="100000"/>
         </a:lnSpc>
@@ -9669,7 +9629,7 @@
           <a:srgbClr val="000000"/>
         </a:buClr>
         <a:buFont typeface="Arial"/>
-        <a:defRPr b="0" i="0" sz="1400" u="none" cap="none" strike="noStrike">
+        <a:defRPr sz="1400" b="0" i="0" u="none" strike="noStrike" cap="none">
           <a:solidFill>
             <a:srgbClr val="000000"/>
           </a:solidFill>
@@ -9679,7 +9639,7 @@
           <a:sym typeface="Arial"/>
         </a:defRPr>
       </a:lvl7pPr>
-      <a:lvl8pPr lvl="7" marR="0" rtl="0" algn="l">
+      <a:lvl8pPr marR="0" lvl="7" algn="l" rtl="0">
         <a:lnSpc>
           <a:spcPct val="100000"/>
         </a:lnSpc>
@@ -9693,7 +9653,7 @@
           <a:srgbClr val="000000"/>
         </a:buClr>
         <a:buFont typeface="Arial"/>
-        <a:defRPr b="0" i="0" sz="1400" u="none" cap="none" strike="noStrike">
+        <a:defRPr sz="1400" b="0" i="0" u="none" strike="noStrike" cap="none">
           <a:solidFill>
             <a:srgbClr val="000000"/>
           </a:solidFill>
@@ -9703,7 +9663,7 @@
           <a:sym typeface="Arial"/>
         </a:defRPr>
       </a:lvl8pPr>
-      <a:lvl9pPr lvl="8" marR="0" rtl="0" algn="l">
+      <a:lvl9pPr marR="0" lvl="8" algn="l" rtl="0">
         <a:lnSpc>
           <a:spcPct val="100000"/>
         </a:lnSpc>
@@ -9717,7 +9677,7 @@
           <a:srgbClr val="000000"/>
         </a:buClr>
         <a:buFont typeface="Arial"/>
-        <a:defRPr b="0" i="0" sz="1400" u="none" cap="none" strike="noStrike">
+        <a:defRPr sz="1400" b="0" i="0" u="none" strike="noStrike" cap="none">
           <a:solidFill>
             <a:srgbClr val="000000"/>
           </a:solidFill>
@@ -9733,11 +9693,11 @@
 </file>
 
 <file path=ppt/slides/slide1.xml><?xml version="1.0" encoding="utf-8"?>
-<p:sld xmlns:a="http://schemas.openxmlformats.org/drawingml/2006/main" xmlns:r="http://schemas.openxmlformats.org/officeDocument/2006/relationships" xmlns:mc="http://schemas.openxmlformats.org/markup-compatibility/2006" xmlns:mv="urn:schemas-microsoft-com:mac:vml" xmlns:p="http://schemas.openxmlformats.org/presentationml/2006/main" xmlns:c="http://schemas.openxmlformats.org/drawingml/2006/chart" xmlns:dgm="http://schemas.openxmlformats.org/drawingml/2006/diagram" xmlns:o="urn:schemas-microsoft-com:office:office" xmlns:v="urn:schemas-microsoft-com:vml" xmlns:pvml="urn:schemas-microsoft-com:office:powerpoint" xmlns:com="http://schemas.openxmlformats.org/drawingml/2006/compatibility" xmlns:p14="http://schemas.microsoft.com/office/powerpoint/2010/main" xmlns:p15="http://schemas.microsoft.com/office/powerpoint/2012/main">
+<p:sld xmlns:a="http://schemas.openxmlformats.org/drawingml/2006/main" xmlns:r="http://schemas.openxmlformats.org/officeDocument/2006/relationships" xmlns:p="http://schemas.openxmlformats.org/presentationml/2006/main">
   <p:cSld>
     <p:spTree>
       <p:nvGrpSpPr>
-        <p:cNvPr id="133" name="Shape 133"/>
+        <p:cNvPr id="1" name="Shape 133"/>
         <p:cNvGrpSpPr/>
         <p:nvPr/>
       </p:nvGrpSpPr>
@@ -9752,7 +9712,9 @@
       <p:sp>
         <p:nvSpPr>
           <p:cNvPr id="134" name="Shape 134"/>
-          <p:cNvSpPr txBox="1"/>
+          <p:cNvSpPr txBox="1">
+            <a:spLocks noGrp="1"/>
+          </p:cNvSpPr>
           <p:nvPr>
             <p:ph type="ctrTitle"/>
           </p:nvPr>
@@ -9767,12 +9729,12 @@
           </a:prstGeom>
         </p:spPr>
         <p:txBody>
-          <a:bodyPr anchorCtr="0" anchor="t" bIns="91425" lIns="91425" spcFirstLastPara="1" rIns="91425" wrap="square" tIns="91425">
+          <a:bodyPr spcFirstLastPara="1" wrap="square" lIns="91425" tIns="91425" rIns="91425" bIns="91425" anchor="t" anchorCtr="0">
             <a:noAutofit/>
           </a:bodyPr>
           <a:lstStyle/>
           <a:p>
-            <a:pPr indent="0" lvl="0" marL="0" algn="ctr">
+            <a:pPr marL="0" lvl="0" indent="0" algn="ctr">
               <a:spcBef>
                 <a:spcPts val="0"/>
               </a:spcBef>
@@ -9786,46 +9748,6 @@
               <a:t>Git</a:t>
             </a:r>
             <a:endParaRPr sz="4800"/>
-          </a:p>
-        </p:txBody>
-      </p:sp>
-      <p:sp>
-        <p:nvSpPr>
-          <p:cNvPr id="135" name="Shape 135"/>
-          <p:cNvSpPr txBox="1"/>
-          <p:nvPr>
-            <p:ph idx="1" type="subTitle"/>
-          </p:nvPr>
-        </p:nvSpPr>
-        <p:spPr>
-          <a:xfrm>
-            <a:off x="4941475" y="3347875"/>
-            <a:ext cx="4027500" cy="506100"/>
-          </a:xfrm>
-          <a:prstGeom prst="rect">
-            <a:avLst/>
-          </a:prstGeom>
-        </p:spPr>
-        <p:txBody>
-          <a:bodyPr anchorCtr="0" anchor="t" bIns="91425" lIns="91425" spcFirstLastPara="1" rIns="91425" wrap="square" tIns="91425">
-            <a:noAutofit/>
-          </a:bodyPr>
-          <a:lstStyle/>
-          <a:p>
-            <a:pPr indent="0" lvl="0" marL="0">
-              <a:spcBef>
-                <a:spcPts val="0"/>
-              </a:spcBef>
-              <a:spcAft>
-                <a:spcPts val="0"/>
-              </a:spcAft>
-              <a:buNone/>
-            </a:pPr>
-            <a:r>
-              <a:rPr lang="en-GB" sz="3000"/>
-              <a:t>By Navaneeth Dev K.</a:t>
-            </a:r>
-            <a:endParaRPr sz="3000"/>
           </a:p>
         </p:txBody>
       </p:sp>
@@ -9866,11 +9788,11 @@
 </file>
 
 <file path=ppt/slides/slide2.xml><?xml version="1.0" encoding="utf-8"?>
-<p:sld xmlns:a="http://schemas.openxmlformats.org/drawingml/2006/main" xmlns:r="http://schemas.openxmlformats.org/officeDocument/2006/relationships" xmlns:mc="http://schemas.openxmlformats.org/markup-compatibility/2006" xmlns:mv="urn:schemas-microsoft-com:mac:vml" xmlns:p="http://schemas.openxmlformats.org/presentationml/2006/main" xmlns:c="http://schemas.openxmlformats.org/drawingml/2006/chart" xmlns:dgm="http://schemas.openxmlformats.org/drawingml/2006/diagram" xmlns:o="urn:schemas-microsoft-com:office:office" xmlns:v="urn:schemas-microsoft-com:vml" xmlns:pvml="urn:schemas-microsoft-com:office:powerpoint" xmlns:com="http://schemas.openxmlformats.org/drawingml/2006/compatibility" xmlns:p14="http://schemas.microsoft.com/office/powerpoint/2010/main" xmlns:p15="http://schemas.microsoft.com/office/powerpoint/2012/main">
+<p:sld xmlns:a="http://schemas.openxmlformats.org/drawingml/2006/main" xmlns:r="http://schemas.openxmlformats.org/officeDocument/2006/relationships" xmlns:p="http://schemas.openxmlformats.org/presentationml/2006/main">
   <p:cSld>
     <p:spTree>
       <p:nvGrpSpPr>
-        <p:cNvPr id="140" name="Shape 140"/>
+        <p:cNvPr id="1" name="Shape 140"/>
         <p:cNvGrpSpPr/>
         <p:nvPr/>
       </p:nvGrpSpPr>
@@ -9885,7 +9807,9 @@
       <p:sp>
         <p:nvSpPr>
           <p:cNvPr id="141" name="Shape 141"/>
-          <p:cNvSpPr txBox="1"/>
+          <p:cNvSpPr txBox="1">
+            <a:spLocks noGrp="1"/>
+          </p:cNvSpPr>
           <p:nvPr>
             <p:ph type="title"/>
           </p:nvPr>
@@ -9900,12 +9824,12 @@
           </a:prstGeom>
         </p:spPr>
         <p:txBody>
-          <a:bodyPr anchorCtr="0" anchor="t" bIns="91425" lIns="91425" spcFirstLastPara="1" rIns="91425" wrap="square" tIns="91425">
+          <a:bodyPr spcFirstLastPara="1" wrap="square" lIns="91425" tIns="91425" rIns="91425" bIns="91425" anchor="t" anchorCtr="0">
             <a:noAutofit/>
           </a:bodyPr>
           <a:lstStyle/>
           <a:p>
-            <a:pPr indent="0" lvl="0" marL="0">
+            <a:pPr marL="0" lvl="0" indent="0">
               <a:spcBef>
                 <a:spcPts val="0"/>
               </a:spcBef>
@@ -9925,9 +9849,11 @@
       <p:sp>
         <p:nvSpPr>
           <p:cNvPr id="142" name="Shape 142"/>
-          <p:cNvSpPr txBox="1"/>
+          <p:cNvSpPr txBox="1">
+            <a:spLocks noGrp="1"/>
+          </p:cNvSpPr>
           <p:nvPr>
-            <p:ph idx="1" type="body"/>
+            <p:ph type="body" idx="1"/>
           </p:nvPr>
         </p:nvSpPr>
         <p:spPr>
@@ -9940,12 +9866,12 @@
           </a:prstGeom>
         </p:spPr>
         <p:txBody>
-          <a:bodyPr anchorCtr="0" anchor="t" bIns="91425" lIns="91425" spcFirstLastPara="1" rIns="91425" wrap="square" tIns="91425">
+          <a:bodyPr spcFirstLastPara="1" wrap="square" lIns="91425" tIns="91425" rIns="91425" bIns="91425" anchor="t" anchorCtr="0">
             <a:noAutofit/>
           </a:bodyPr>
           <a:lstStyle/>
           <a:p>
-            <a:pPr indent="0" lvl="0" marL="0">
+            <a:pPr marL="0" lvl="0" indent="0">
               <a:spcBef>
                 <a:spcPts val="0"/>
               </a:spcBef>
@@ -9965,7 +9891,9 @@
       <p:sp>
         <p:nvSpPr>
           <p:cNvPr id="143" name="Shape 143"/>
-          <p:cNvSpPr txBox="1"/>
+          <p:cNvSpPr txBox="1">
+            <a:spLocks noGrp="1"/>
+          </p:cNvSpPr>
           <p:nvPr>
             <p:ph type="title"/>
           </p:nvPr>
@@ -9980,12 +9908,12 @@
           </a:prstGeom>
         </p:spPr>
         <p:txBody>
-          <a:bodyPr anchorCtr="0" anchor="t" bIns="91425" lIns="91425" spcFirstLastPara="1" rIns="91425" wrap="square" tIns="91425">
+          <a:bodyPr spcFirstLastPara="1" wrap="square" lIns="91425" tIns="91425" rIns="91425" bIns="91425" anchor="t" anchorCtr="0">
             <a:noAutofit/>
           </a:bodyPr>
           <a:lstStyle/>
           <a:p>
-            <a:pPr indent="0" lvl="0" marL="0" rtl="0">
+            <a:pPr marL="0" lvl="0" indent="0" rtl="0">
               <a:spcBef>
                 <a:spcPts val="0"/>
               </a:spcBef>
@@ -10005,9 +9933,11 @@
       <p:sp>
         <p:nvSpPr>
           <p:cNvPr id="144" name="Shape 144"/>
-          <p:cNvSpPr txBox="1"/>
+          <p:cNvSpPr txBox="1">
+            <a:spLocks noGrp="1"/>
+          </p:cNvSpPr>
           <p:nvPr>
-            <p:ph idx="1" type="body"/>
+            <p:ph type="body" idx="1"/>
           </p:nvPr>
         </p:nvSpPr>
         <p:spPr>
@@ -10020,12 +9950,12 @@
           </a:prstGeom>
         </p:spPr>
         <p:txBody>
-          <a:bodyPr anchorCtr="0" anchor="t" bIns="91425" lIns="91425" spcFirstLastPara="1" rIns="91425" wrap="square" tIns="91425">
+          <a:bodyPr spcFirstLastPara="1" wrap="square" lIns="91425" tIns="91425" rIns="91425" bIns="91425" anchor="t" anchorCtr="0">
             <a:noAutofit/>
           </a:bodyPr>
           <a:lstStyle/>
           <a:p>
-            <a:pPr indent="0" lvl="0" marL="0">
+            <a:pPr marL="0" lvl="0" indent="0">
               <a:spcBef>
                 <a:spcPts val="0"/>
               </a:spcBef>
@@ -10041,7 +9971,7 @@
             <a:endParaRPr/>
           </a:p>
           <a:p>
-            <a:pPr indent="0" lvl="0" marL="0">
+            <a:pPr marL="0" lvl="0" indent="0">
               <a:spcBef>
                 <a:spcPts val="1600"/>
               </a:spcBef>
@@ -10050,13 +9980,10 @@
               </a:spcAft>
               <a:buNone/>
             </a:pPr>
-            <a:r>
-              <a:t/>
-            </a:r>
             <a:endParaRPr/>
           </a:p>
           <a:p>
-            <a:pPr indent="0" lvl="0" marL="0" rtl="0">
+            <a:pPr marL="0" lvl="0" indent="0" rtl="0">
               <a:spcBef>
                 <a:spcPts val="1600"/>
               </a:spcBef>
@@ -10065,9 +9992,6 @@
               </a:spcAft>
               <a:buNone/>
             </a:pPr>
-            <a:r>
-              <a:t/>
-            </a:r>
             <a:endParaRPr/>
           </a:p>
         </p:txBody>
@@ -10081,11 +10005,11 @@
 </file>
 
 <file path=ppt/slides/slide3.xml><?xml version="1.0" encoding="utf-8"?>
-<p:sld xmlns:a="http://schemas.openxmlformats.org/drawingml/2006/main" xmlns:r="http://schemas.openxmlformats.org/officeDocument/2006/relationships" xmlns:mc="http://schemas.openxmlformats.org/markup-compatibility/2006" xmlns:mv="urn:schemas-microsoft-com:mac:vml" xmlns:p="http://schemas.openxmlformats.org/presentationml/2006/main" xmlns:c="http://schemas.openxmlformats.org/drawingml/2006/chart" xmlns:dgm="http://schemas.openxmlformats.org/drawingml/2006/diagram" xmlns:o="urn:schemas-microsoft-com:office:office" xmlns:v="urn:schemas-microsoft-com:vml" xmlns:pvml="urn:schemas-microsoft-com:office:powerpoint" xmlns:com="http://schemas.openxmlformats.org/drawingml/2006/compatibility" xmlns:p14="http://schemas.microsoft.com/office/powerpoint/2010/main" xmlns:p15="http://schemas.microsoft.com/office/powerpoint/2012/main">
+<p:sld xmlns:a="http://schemas.openxmlformats.org/drawingml/2006/main" xmlns:r="http://schemas.openxmlformats.org/officeDocument/2006/relationships" xmlns:p="http://schemas.openxmlformats.org/presentationml/2006/main">
   <p:cSld>
     <p:spTree>
       <p:nvGrpSpPr>
-        <p:cNvPr id="148" name="Shape 148"/>
+        <p:cNvPr id="1" name="Shape 148"/>
         <p:cNvGrpSpPr/>
         <p:nvPr/>
       </p:nvGrpSpPr>
@@ -10100,7 +10024,9 @@
       <p:sp>
         <p:nvSpPr>
           <p:cNvPr id="149" name="Shape 149"/>
-          <p:cNvSpPr txBox="1"/>
+          <p:cNvSpPr txBox="1">
+            <a:spLocks noGrp="1"/>
+          </p:cNvSpPr>
           <p:nvPr>
             <p:ph type="title"/>
           </p:nvPr>
@@ -10115,12 +10041,12 @@
           </a:prstGeom>
         </p:spPr>
         <p:txBody>
-          <a:bodyPr anchorCtr="0" anchor="t" bIns="91425" lIns="91425" spcFirstLastPara="1" rIns="91425" wrap="square" tIns="91425">
+          <a:bodyPr spcFirstLastPara="1" wrap="square" lIns="91425" tIns="91425" rIns="91425" bIns="91425" anchor="t" anchorCtr="0">
             <a:noAutofit/>
           </a:bodyPr>
           <a:lstStyle/>
           <a:p>
-            <a:pPr indent="0" lvl="0" marL="0">
+            <a:pPr marL="0" lvl="0" indent="0">
               <a:spcBef>
                 <a:spcPts val="0"/>
               </a:spcBef>
@@ -10140,9 +10066,11 @@
       <p:sp>
         <p:nvSpPr>
           <p:cNvPr id="150" name="Shape 150"/>
-          <p:cNvSpPr txBox="1"/>
+          <p:cNvSpPr txBox="1">
+            <a:spLocks noGrp="1"/>
+          </p:cNvSpPr>
           <p:nvPr>
-            <p:ph idx="1" type="body"/>
+            <p:ph type="body" idx="1"/>
           </p:nvPr>
         </p:nvSpPr>
         <p:spPr>
@@ -10155,12 +10083,12 @@
           </a:prstGeom>
         </p:spPr>
         <p:txBody>
-          <a:bodyPr anchorCtr="0" anchor="t" bIns="91425" lIns="91425" spcFirstLastPara="1" rIns="91425" wrap="square" tIns="91425">
+          <a:bodyPr spcFirstLastPara="1" wrap="square" lIns="91425" tIns="91425" rIns="91425" bIns="91425" anchor="t" anchorCtr="0">
             <a:noAutofit/>
           </a:bodyPr>
           <a:lstStyle/>
           <a:p>
-            <a:pPr indent="0" lvl="0" marL="0">
+            <a:pPr marL="0" lvl="0" indent="0">
               <a:spcBef>
                 <a:spcPts val="0"/>
               </a:spcBef>
@@ -10176,7 +10104,7 @@
             <a:endParaRPr/>
           </a:p>
           <a:p>
-            <a:pPr indent="0" lvl="0" marL="0">
+            <a:pPr marL="0" lvl="0" indent="0">
               <a:spcBef>
                 <a:spcPts val="1600"/>
               </a:spcBef>
@@ -10185,13 +10113,10 @@
               </a:spcAft>
               <a:buNone/>
             </a:pPr>
-            <a:r>
-              <a:t/>
-            </a:r>
             <a:endParaRPr/>
           </a:p>
           <a:p>
-            <a:pPr indent="0" lvl="0" marL="0">
+            <a:pPr marL="0" lvl="0" indent="0">
               <a:spcBef>
                 <a:spcPts val="1600"/>
               </a:spcBef>
@@ -10200,9 +10125,6 @@
               </a:spcAft>
               <a:buNone/>
             </a:pPr>
-            <a:r>
-              <a:t/>
-            </a:r>
             <a:endParaRPr/>
           </a:p>
         </p:txBody>
@@ -10210,7 +10132,9 @@
       <p:sp>
         <p:nvSpPr>
           <p:cNvPr id="151" name="Shape 151"/>
-          <p:cNvSpPr txBox="1"/>
+          <p:cNvSpPr txBox="1">
+            <a:spLocks noGrp="1"/>
+          </p:cNvSpPr>
           <p:nvPr>
             <p:ph type="title"/>
           </p:nvPr>
@@ -10225,12 +10149,12 @@
           </a:prstGeom>
         </p:spPr>
         <p:txBody>
-          <a:bodyPr anchorCtr="0" anchor="t" bIns="91425" lIns="91425" spcFirstLastPara="1" rIns="91425" wrap="square" tIns="91425">
+          <a:bodyPr spcFirstLastPara="1" wrap="square" lIns="91425" tIns="91425" rIns="91425" bIns="91425" anchor="t" anchorCtr="0">
             <a:noAutofit/>
           </a:bodyPr>
           <a:lstStyle/>
           <a:p>
-            <a:pPr indent="0" lvl="0" marL="0" rtl="0">
+            <a:pPr marL="0" lvl="0" indent="0" rtl="0">
               <a:spcBef>
                 <a:spcPts val="0"/>
               </a:spcBef>
@@ -10250,9 +10174,11 @@
       <p:sp>
         <p:nvSpPr>
           <p:cNvPr id="152" name="Shape 152"/>
-          <p:cNvSpPr txBox="1"/>
+          <p:cNvSpPr txBox="1">
+            <a:spLocks noGrp="1"/>
+          </p:cNvSpPr>
           <p:nvPr>
-            <p:ph idx="1" type="body"/>
+            <p:ph type="body" idx="1"/>
           </p:nvPr>
         </p:nvSpPr>
         <p:spPr>
@@ -10265,12 +10191,12 @@
           </a:prstGeom>
         </p:spPr>
         <p:txBody>
-          <a:bodyPr anchorCtr="0" anchor="t" bIns="91425" lIns="91425" spcFirstLastPara="1" rIns="91425" wrap="square" tIns="91425">
+          <a:bodyPr spcFirstLastPara="1" wrap="square" lIns="91425" tIns="91425" rIns="91425" bIns="91425" anchor="t" anchorCtr="0">
             <a:noAutofit/>
           </a:bodyPr>
           <a:lstStyle/>
           <a:p>
-            <a:pPr indent="0" lvl="0" marL="0" rtl="0">
+            <a:pPr marL="0" lvl="0" indent="0" rtl="0">
               <a:spcBef>
                 <a:spcPts val="0"/>
               </a:spcBef>
@@ -10296,11 +10222,11 @@
 </file>
 
 <file path=ppt/slides/slide4.xml><?xml version="1.0" encoding="utf-8"?>
-<p:sld xmlns:a="http://schemas.openxmlformats.org/drawingml/2006/main" xmlns:r="http://schemas.openxmlformats.org/officeDocument/2006/relationships" xmlns:mc="http://schemas.openxmlformats.org/markup-compatibility/2006" xmlns:mv="urn:schemas-microsoft-com:mac:vml" xmlns:p="http://schemas.openxmlformats.org/presentationml/2006/main" xmlns:c="http://schemas.openxmlformats.org/drawingml/2006/chart" xmlns:dgm="http://schemas.openxmlformats.org/drawingml/2006/diagram" xmlns:o="urn:schemas-microsoft-com:office:office" xmlns:v="urn:schemas-microsoft-com:vml" xmlns:pvml="urn:schemas-microsoft-com:office:powerpoint" xmlns:com="http://schemas.openxmlformats.org/drawingml/2006/compatibility" xmlns:p14="http://schemas.microsoft.com/office/powerpoint/2010/main" xmlns:p15="http://schemas.microsoft.com/office/powerpoint/2012/main">
+<p:sld xmlns:a="http://schemas.openxmlformats.org/drawingml/2006/main" xmlns:r="http://schemas.openxmlformats.org/officeDocument/2006/relationships" xmlns:p="http://schemas.openxmlformats.org/presentationml/2006/main">
   <p:cSld>
     <p:spTree>
       <p:nvGrpSpPr>
-        <p:cNvPr id="156" name="Shape 156"/>
+        <p:cNvPr id="1" name="Shape 156"/>
         <p:cNvGrpSpPr/>
         <p:nvPr/>
       </p:nvGrpSpPr>
@@ -10315,7 +10241,9 @@
       <p:sp>
         <p:nvSpPr>
           <p:cNvPr id="157" name="Shape 157"/>
-          <p:cNvSpPr txBox="1"/>
+          <p:cNvSpPr txBox="1">
+            <a:spLocks noGrp="1"/>
+          </p:cNvSpPr>
           <p:nvPr>
             <p:ph type="title"/>
           </p:nvPr>
@@ -10330,12 +10258,12 @@
           </a:prstGeom>
         </p:spPr>
         <p:txBody>
-          <a:bodyPr anchorCtr="0" anchor="t" bIns="91425" lIns="91425" spcFirstLastPara="1" rIns="91425" wrap="square" tIns="91425">
+          <a:bodyPr spcFirstLastPara="1" wrap="square" lIns="91425" tIns="91425" rIns="91425" bIns="91425" anchor="t" anchorCtr="0">
             <a:noAutofit/>
           </a:bodyPr>
           <a:lstStyle/>
           <a:p>
-            <a:pPr indent="0" lvl="0" marL="0">
+            <a:pPr marL="0" lvl="0" indent="0">
               <a:spcBef>
                 <a:spcPts val="0"/>
               </a:spcBef>
@@ -10355,9 +10283,11 @@
       <p:sp>
         <p:nvSpPr>
           <p:cNvPr id="158" name="Shape 158"/>
-          <p:cNvSpPr txBox="1"/>
+          <p:cNvSpPr txBox="1">
+            <a:spLocks noGrp="1"/>
+          </p:cNvSpPr>
           <p:nvPr>
-            <p:ph idx="1" type="body"/>
+            <p:ph type="body" idx="1"/>
           </p:nvPr>
         </p:nvSpPr>
         <p:spPr>
@@ -10370,12 +10300,12 @@
           </a:prstGeom>
         </p:spPr>
         <p:txBody>
-          <a:bodyPr anchorCtr="0" anchor="t" bIns="91425" lIns="91425" spcFirstLastPara="1" rIns="91425" wrap="square" tIns="91425">
+          <a:bodyPr spcFirstLastPara="1" wrap="square" lIns="91425" tIns="91425" rIns="91425" bIns="91425" anchor="t" anchorCtr="0">
             <a:noAutofit/>
           </a:bodyPr>
           <a:lstStyle/>
           <a:p>
-            <a:pPr indent="0" lvl="0" marL="0">
+            <a:pPr marL="0" lvl="0" indent="0">
               <a:spcBef>
                 <a:spcPts val="0"/>
               </a:spcBef>
@@ -10391,7 +10321,7 @@
             <a:endParaRPr/>
           </a:p>
           <a:p>
-            <a:pPr indent="0" lvl="0" marL="0">
+            <a:pPr marL="0" lvl="0" indent="0">
               <a:spcBef>
                 <a:spcPts val="1600"/>
               </a:spcBef>
@@ -10407,7 +10337,7 @@
             <a:endParaRPr/>
           </a:p>
           <a:p>
-            <a:pPr indent="-311150" lvl="0" marL="457200" rtl="0">
+            <a:pPr marL="457200" lvl="0" indent="-311150" rtl="0">
               <a:spcBef>
                 <a:spcPts val="1600"/>
               </a:spcBef>
@@ -10424,7 +10354,7 @@
             <a:endParaRPr/>
           </a:p>
           <a:p>
-            <a:pPr indent="-311150" lvl="0" marL="457200" rtl="0">
+            <a:pPr marL="457200" lvl="0" indent="-311150" rtl="0">
               <a:spcBef>
                 <a:spcPts val="0"/>
               </a:spcBef>
@@ -10441,7 +10371,7 @@
             <a:endParaRPr/>
           </a:p>
           <a:p>
-            <a:pPr indent="-311150" lvl="0" marL="457200" rtl="0">
+            <a:pPr marL="457200" lvl="0" indent="-311150" rtl="0">
               <a:spcBef>
                 <a:spcPts val="0"/>
               </a:spcBef>
@@ -10458,7 +10388,7 @@
             <a:endParaRPr/>
           </a:p>
           <a:p>
-            <a:pPr indent="-311150" lvl="0" marL="457200" rtl="0">
+            <a:pPr marL="457200" lvl="0" indent="-311150" rtl="0">
               <a:spcBef>
                 <a:spcPts val="0"/>
               </a:spcBef>
@@ -10475,7 +10405,7 @@
             <a:endParaRPr/>
           </a:p>
           <a:p>
-            <a:pPr indent="-311150" lvl="0" marL="457200" rtl="0">
+            <a:pPr marL="457200" lvl="0" indent="-311150" rtl="0">
               <a:spcBef>
                 <a:spcPts val="0"/>
               </a:spcBef>
@@ -10502,11 +10432,11 @@
 </file>
 
 <file path=ppt/slides/slide5.xml><?xml version="1.0" encoding="utf-8"?>
-<p:sld xmlns:a="http://schemas.openxmlformats.org/drawingml/2006/main" xmlns:r="http://schemas.openxmlformats.org/officeDocument/2006/relationships" xmlns:mc="http://schemas.openxmlformats.org/markup-compatibility/2006" xmlns:mv="urn:schemas-microsoft-com:mac:vml" xmlns:p="http://schemas.openxmlformats.org/presentationml/2006/main" xmlns:c="http://schemas.openxmlformats.org/drawingml/2006/chart" xmlns:dgm="http://schemas.openxmlformats.org/drawingml/2006/diagram" xmlns:o="urn:schemas-microsoft-com:office:office" xmlns:v="urn:schemas-microsoft-com:vml" xmlns:pvml="urn:schemas-microsoft-com:office:powerpoint" xmlns:com="http://schemas.openxmlformats.org/drawingml/2006/compatibility" xmlns:p14="http://schemas.microsoft.com/office/powerpoint/2010/main" xmlns:p15="http://schemas.microsoft.com/office/powerpoint/2012/main">
+<p:sld xmlns:a="http://schemas.openxmlformats.org/drawingml/2006/main" xmlns:r="http://schemas.openxmlformats.org/officeDocument/2006/relationships" xmlns:p="http://schemas.openxmlformats.org/presentationml/2006/main">
   <p:cSld>
     <p:spTree>
       <p:nvGrpSpPr>
-        <p:cNvPr id="162" name="Shape 162"/>
+        <p:cNvPr id="1" name="Shape 162"/>
         <p:cNvGrpSpPr/>
         <p:nvPr/>
       </p:nvGrpSpPr>
@@ -10521,7 +10451,9 @@
       <p:sp>
         <p:nvSpPr>
           <p:cNvPr id="163" name="Shape 163"/>
-          <p:cNvSpPr txBox="1"/>
+          <p:cNvSpPr txBox="1">
+            <a:spLocks noGrp="1"/>
+          </p:cNvSpPr>
           <p:nvPr>
             <p:ph type="title"/>
           </p:nvPr>
@@ -10536,12 +10468,12 @@
           </a:prstGeom>
         </p:spPr>
         <p:txBody>
-          <a:bodyPr anchorCtr="0" anchor="t" bIns="91425" lIns="91425" spcFirstLastPara="1" rIns="91425" wrap="square" tIns="91425">
+          <a:bodyPr spcFirstLastPara="1" wrap="square" lIns="91425" tIns="91425" rIns="91425" bIns="91425" anchor="t" anchorCtr="0">
             <a:noAutofit/>
           </a:bodyPr>
           <a:lstStyle/>
           <a:p>
-            <a:pPr indent="0" lvl="0" marL="0">
+            <a:pPr marL="0" lvl="0" indent="0">
               <a:spcBef>
                 <a:spcPts val="0"/>
               </a:spcBef>
@@ -10561,9 +10493,11 @@
       <p:sp>
         <p:nvSpPr>
           <p:cNvPr id="164" name="Shape 164"/>
-          <p:cNvSpPr txBox="1"/>
+          <p:cNvSpPr txBox="1">
+            <a:spLocks noGrp="1"/>
+          </p:cNvSpPr>
           <p:nvPr>
-            <p:ph idx="1" type="body"/>
+            <p:ph type="body" idx="1"/>
           </p:nvPr>
         </p:nvSpPr>
         <p:spPr>
@@ -10576,12 +10510,12 @@
           </a:prstGeom>
         </p:spPr>
         <p:txBody>
-          <a:bodyPr anchorCtr="0" anchor="t" bIns="91425" lIns="91425" spcFirstLastPara="1" rIns="91425" wrap="square" tIns="91425">
+          <a:bodyPr spcFirstLastPara="1" wrap="square" lIns="91425" tIns="91425" rIns="91425" bIns="91425" anchor="t" anchorCtr="0">
             <a:noAutofit/>
           </a:bodyPr>
           <a:lstStyle/>
           <a:p>
-            <a:pPr indent="-311150" lvl="0" marL="457200" rtl="0">
+            <a:pPr marL="457200" lvl="0" indent="-311150" rtl="0">
               <a:spcBef>
                 <a:spcPts val="0"/>
               </a:spcBef>
@@ -10592,7 +10526,7 @@
               <a:buChar char="●"/>
             </a:pPr>
             <a:r>
-              <a:rPr b="1" lang="en-GB"/>
+              <a:rPr lang="en-GB" b="1"/>
               <a:t>Distributed Development</a:t>
             </a:r>
             <a:r>
@@ -10602,7 +10536,7 @@
             <a:endParaRPr/>
           </a:p>
           <a:p>
-            <a:pPr indent="0" lvl="0" marL="0" rtl="0">
+            <a:pPr marL="0" lvl="0" indent="0" rtl="0">
               <a:spcBef>
                 <a:spcPts val="1600"/>
               </a:spcBef>
@@ -10611,13 +10545,10 @@
               </a:spcAft>
               <a:buNone/>
             </a:pPr>
-            <a:r>
-              <a:t/>
-            </a:r>
             <a:endParaRPr/>
           </a:p>
           <a:p>
-            <a:pPr indent="-311150" lvl="0" marL="457200" rtl="0">
+            <a:pPr marL="457200" lvl="0" indent="-311150" rtl="0">
               <a:spcBef>
                 <a:spcPts val="1600"/>
               </a:spcBef>
@@ -10628,7 +10559,7 @@
               <a:buChar char="●"/>
             </a:pPr>
             <a:r>
-              <a:rPr b="1" lang="en-GB"/>
+              <a:rPr lang="en-GB" b="1"/>
               <a:t>Branching is easy</a:t>
             </a:r>
             <a:r>
@@ -10638,7 +10569,7 @@
             <a:endParaRPr/>
           </a:p>
           <a:p>
-            <a:pPr indent="0" lvl="0" marL="0" rtl="0">
+            <a:pPr marL="0" lvl="0" indent="0" rtl="0">
               <a:spcBef>
                 <a:spcPts val="1600"/>
               </a:spcBef>
@@ -10647,13 +10578,10 @@
               </a:spcAft>
               <a:buNone/>
             </a:pPr>
-            <a:r>
-              <a:t/>
-            </a:r>
             <a:endParaRPr/>
           </a:p>
           <a:p>
-            <a:pPr indent="-311150" lvl="0" marL="457200" rtl="0">
+            <a:pPr marL="457200" lvl="0" indent="-311150" rtl="0">
               <a:spcBef>
                 <a:spcPts val="1600"/>
               </a:spcBef>
@@ -10664,7 +10592,7 @@
               <a:buChar char="●"/>
             </a:pPr>
             <a:r>
-              <a:rPr b="1" lang="en-GB"/>
+              <a:rPr lang="en-GB" b="1"/>
               <a:t>Very fast</a:t>
             </a:r>
             <a:r>
@@ -10674,7 +10602,7 @@
             <a:endParaRPr/>
           </a:p>
           <a:p>
-            <a:pPr indent="0" lvl="0" marL="0" rtl="0">
+            <a:pPr marL="0" lvl="0" indent="0" rtl="0">
               <a:spcBef>
                 <a:spcPts val="1600"/>
               </a:spcBef>
@@ -10683,13 +10611,10 @@
               </a:spcAft>
               <a:buNone/>
             </a:pPr>
-            <a:r>
-              <a:t/>
-            </a:r>
             <a:endParaRPr/>
           </a:p>
           <a:p>
-            <a:pPr indent="-311150" lvl="0" marL="457200">
+            <a:pPr marL="457200" lvl="0" indent="-311150">
               <a:spcBef>
                 <a:spcPts val="1600"/>
               </a:spcBef>
@@ -10700,7 +10625,7 @@
               <a:buChar char="●"/>
             </a:pPr>
             <a:r>
-              <a:rPr b="1" lang="en-GB"/>
+              <a:rPr lang="en-GB" b="1"/>
               <a:t>Free  to use</a:t>
             </a:r>
             <a:r>
@@ -10720,11 +10645,11 @@
 </file>
 
 <file path=ppt/slides/slide6.xml><?xml version="1.0" encoding="utf-8"?>
-<p:sld xmlns:a="http://schemas.openxmlformats.org/drawingml/2006/main" xmlns:r="http://schemas.openxmlformats.org/officeDocument/2006/relationships" xmlns:mc="http://schemas.openxmlformats.org/markup-compatibility/2006" xmlns:mv="urn:schemas-microsoft-com:mac:vml" xmlns:p="http://schemas.openxmlformats.org/presentationml/2006/main" xmlns:c="http://schemas.openxmlformats.org/drawingml/2006/chart" xmlns:dgm="http://schemas.openxmlformats.org/drawingml/2006/diagram" xmlns:o="urn:schemas-microsoft-com:office:office" xmlns:v="urn:schemas-microsoft-com:vml" xmlns:pvml="urn:schemas-microsoft-com:office:powerpoint" xmlns:com="http://schemas.openxmlformats.org/drawingml/2006/compatibility" xmlns:p14="http://schemas.microsoft.com/office/powerpoint/2010/main" xmlns:p15="http://schemas.microsoft.com/office/powerpoint/2012/main">
+<p:sld xmlns:a="http://schemas.openxmlformats.org/drawingml/2006/main" xmlns:r="http://schemas.openxmlformats.org/officeDocument/2006/relationships" xmlns:p="http://schemas.openxmlformats.org/presentationml/2006/main">
   <p:cSld>
     <p:spTree>
       <p:nvGrpSpPr>
-        <p:cNvPr id="168" name="Shape 168"/>
+        <p:cNvPr id="1" name="Shape 168"/>
         <p:cNvGrpSpPr/>
         <p:nvPr/>
       </p:nvGrpSpPr>
@@ -10739,7 +10664,9 @@
       <p:sp>
         <p:nvSpPr>
           <p:cNvPr id="169" name="Shape 169"/>
-          <p:cNvSpPr txBox="1"/>
+          <p:cNvSpPr txBox="1">
+            <a:spLocks noGrp="1"/>
+          </p:cNvSpPr>
           <p:nvPr>
             <p:ph type="title"/>
           </p:nvPr>
@@ -10754,12 +10681,12 @@
           </a:prstGeom>
         </p:spPr>
         <p:txBody>
-          <a:bodyPr anchorCtr="0" anchor="t" bIns="91425" lIns="91425" spcFirstLastPara="1" rIns="91425" wrap="square" tIns="91425">
+          <a:bodyPr spcFirstLastPara="1" wrap="square" lIns="91425" tIns="91425" rIns="91425" bIns="91425" anchor="t" anchorCtr="0">
             <a:noAutofit/>
           </a:bodyPr>
           <a:lstStyle/>
           <a:p>
-            <a:pPr indent="0" lvl="0" marL="0">
+            <a:pPr marL="0" lvl="0" indent="0">
               <a:spcBef>
                 <a:spcPts val="0"/>
               </a:spcBef>
@@ -10779,9 +10706,11 @@
       <p:sp>
         <p:nvSpPr>
           <p:cNvPr id="170" name="Shape 170"/>
-          <p:cNvSpPr txBox="1"/>
+          <p:cNvSpPr txBox="1">
+            <a:spLocks noGrp="1"/>
+          </p:cNvSpPr>
           <p:nvPr>
-            <p:ph idx="1" type="body"/>
+            <p:ph type="body" idx="1"/>
           </p:nvPr>
         </p:nvSpPr>
         <p:spPr>
@@ -10794,12 +10723,12 @@
           </a:prstGeom>
         </p:spPr>
         <p:txBody>
-          <a:bodyPr anchorCtr="0" anchor="t" bIns="91425" lIns="91425" spcFirstLastPara="1" rIns="91425" wrap="square" tIns="91425">
+          <a:bodyPr spcFirstLastPara="1" wrap="square" lIns="91425" tIns="91425" rIns="91425" bIns="91425" anchor="t" anchorCtr="0">
             <a:noAutofit/>
           </a:bodyPr>
           <a:lstStyle/>
           <a:p>
-            <a:pPr indent="-311150" lvl="0" marL="457200" rtl="0">
+            <a:pPr marL="457200" lvl="0" indent="-311150" rtl="0">
               <a:spcBef>
                 <a:spcPts val="0"/>
               </a:spcBef>
@@ -10810,7 +10739,7 @@
               <a:buChar char="●"/>
             </a:pPr>
             <a:r>
-              <a:rPr b="1" lang="en-GB"/>
+              <a:rPr lang="en-GB" b="1"/>
               <a:t>Steep learning curve</a:t>
             </a:r>
             <a:r>
@@ -10820,7 +10749,7 @@
             <a:endParaRPr/>
           </a:p>
           <a:p>
-            <a:pPr indent="0" lvl="0" marL="0" rtl="0">
+            <a:pPr marL="0" lvl="0" indent="0" rtl="0">
               <a:spcBef>
                 <a:spcPts val="1600"/>
               </a:spcBef>
@@ -10829,13 +10758,10 @@
               </a:spcAft>
               <a:buNone/>
             </a:pPr>
-            <a:r>
-              <a:t/>
-            </a:r>
             <a:endParaRPr/>
           </a:p>
           <a:p>
-            <a:pPr indent="-311150" lvl="0" marL="457200" rtl="0">
+            <a:pPr marL="457200" lvl="0" indent="-311150" rtl="0">
               <a:spcBef>
                 <a:spcPts val="1600"/>
               </a:spcBef>
@@ -10862,11 +10788,11 @@
 </file>
 
 <file path=ppt/slides/slide7.xml><?xml version="1.0" encoding="utf-8"?>
-<p:sld xmlns:a="http://schemas.openxmlformats.org/drawingml/2006/main" xmlns:r="http://schemas.openxmlformats.org/officeDocument/2006/relationships" xmlns:mc="http://schemas.openxmlformats.org/markup-compatibility/2006" xmlns:mv="urn:schemas-microsoft-com:mac:vml" xmlns:p="http://schemas.openxmlformats.org/presentationml/2006/main" xmlns:c="http://schemas.openxmlformats.org/drawingml/2006/chart" xmlns:dgm="http://schemas.openxmlformats.org/drawingml/2006/diagram" xmlns:o="urn:schemas-microsoft-com:office:office" xmlns:v="urn:schemas-microsoft-com:vml" xmlns:pvml="urn:schemas-microsoft-com:office:powerpoint" xmlns:com="http://schemas.openxmlformats.org/drawingml/2006/compatibility" xmlns:p14="http://schemas.microsoft.com/office/powerpoint/2010/main" xmlns:p15="http://schemas.microsoft.com/office/powerpoint/2012/main">
+<p:sld xmlns:a="http://schemas.openxmlformats.org/drawingml/2006/main" xmlns:r="http://schemas.openxmlformats.org/officeDocument/2006/relationships" xmlns:p="http://schemas.openxmlformats.org/presentationml/2006/main">
   <p:cSld>
     <p:spTree>
       <p:nvGrpSpPr>
-        <p:cNvPr id="174" name="Shape 174"/>
+        <p:cNvPr id="1" name="Shape 174"/>
         <p:cNvGrpSpPr/>
         <p:nvPr/>
       </p:nvGrpSpPr>
@@ -10881,7 +10807,9 @@
       <p:sp>
         <p:nvSpPr>
           <p:cNvPr id="175" name="Shape 175"/>
-          <p:cNvSpPr txBox="1"/>
+          <p:cNvSpPr txBox="1">
+            <a:spLocks noGrp="1"/>
+          </p:cNvSpPr>
           <p:nvPr>
             <p:ph type="title"/>
           </p:nvPr>
@@ -10896,12 +10824,12 @@
           </a:prstGeom>
         </p:spPr>
         <p:txBody>
-          <a:bodyPr anchorCtr="0" anchor="t" bIns="91425" lIns="91425" spcFirstLastPara="1" rIns="91425" wrap="square" tIns="91425">
+          <a:bodyPr spcFirstLastPara="1" wrap="square" lIns="91425" tIns="91425" rIns="91425" bIns="91425" anchor="t" anchorCtr="0">
             <a:noAutofit/>
           </a:bodyPr>
           <a:lstStyle/>
           <a:p>
-            <a:pPr indent="0" lvl="0" marL="0">
+            <a:pPr marL="0" lvl="0" indent="0">
               <a:spcBef>
                 <a:spcPts val="0"/>
               </a:spcBef>
@@ -10921,9 +10849,11 @@
       <p:sp>
         <p:nvSpPr>
           <p:cNvPr id="176" name="Shape 176"/>
-          <p:cNvSpPr txBox="1"/>
+          <p:cNvSpPr txBox="1">
+            <a:spLocks noGrp="1"/>
+          </p:cNvSpPr>
           <p:nvPr>
-            <p:ph idx="1" type="body"/>
+            <p:ph type="body" idx="1"/>
           </p:nvPr>
         </p:nvSpPr>
         <p:spPr>
@@ -10936,12 +10866,12 @@
           </a:prstGeom>
         </p:spPr>
         <p:txBody>
-          <a:bodyPr anchorCtr="0" anchor="t" bIns="91425" lIns="91425" spcFirstLastPara="1" rIns="91425" wrap="square" tIns="91425">
+          <a:bodyPr spcFirstLastPara="1" wrap="square" lIns="91425" tIns="91425" rIns="91425" bIns="91425" anchor="t" anchorCtr="0">
             <a:noAutofit/>
           </a:bodyPr>
           <a:lstStyle/>
           <a:p>
-            <a:pPr indent="-311150" lvl="0" marL="457200" rtl="0">
+            <a:pPr marL="457200" lvl="0" indent="-311150" rtl="0">
               <a:spcBef>
                 <a:spcPts val="0"/>
               </a:spcBef>
@@ -10958,7 +10888,7 @@
             <a:endParaRPr/>
           </a:p>
           <a:p>
-            <a:pPr indent="-311150" lvl="0" marL="457200" rtl="0">
+            <a:pPr marL="457200" lvl="0" indent="-311150" rtl="0">
               <a:spcBef>
                 <a:spcPts val="0"/>
               </a:spcBef>
@@ -10975,7 +10905,7 @@
             <a:endParaRPr/>
           </a:p>
           <a:p>
-            <a:pPr indent="-311150" lvl="0" marL="457200" rtl="0">
+            <a:pPr marL="457200" lvl="0" indent="-311150" rtl="0">
               <a:spcBef>
                 <a:spcPts val="0"/>
               </a:spcBef>
@@ -10992,7 +10922,7 @@
             <a:endParaRPr/>
           </a:p>
           <a:p>
-            <a:pPr indent="-311150" lvl="0" marL="457200" rtl="0">
+            <a:pPr marL="457200" lvl="0" indent="-311150" rtl="0">
               <a:spcBef>
                 <a:spcPts val="0"/>
               </a:spcBef>
@@ -11009,7 +10939,7 @@
             <a:endParaRPr/>
           </a:p>
           <a:p>
-            <a:pPr indent="-311150" lvl="0" marL="457200" rtl="0">
+            <a:pPr marL="457200" lvl="0" indent="-311150" rtl="0">
               <a:spcBef>
                 <a:spcPts val="0"/>
               </a:spcBef>
@@ -11026,7 +10956,7 @@
             <a:endParaRPr/>
           </a:p>
           <a:p>
-            <a:pPr indent="-311150" lvl="0" marL="457200" rtl="0">
+            <a:pPr marL="457200" lvl="0" indent="-311150" rtl="0">
               <a:spcBef>
                 <a:spcPts val="0"/>
               </a:spcBef>
@@ -11043,7 +10973,7 @@
             <a:endParaRPr/>
           </a:p>
           <a:p>
-            <a:pPr indent="-311150" lvl="0" marL="457200" rtl="0">
+            <a:pPr marL="457200" lvl="0" indent="-311150" rtl="0">
               <a:spcBef>
                 <a:spcPts val="0"/>
               </a:spcBef>
@@ -11055,16 +10985,12 @@
             </a:pPr>
             <a:r>
               <a:rPr lang="en-GB"/>
-              <a:t>g</a:t>
-            </a:r>
-            <a:r>
-              <a:rPr lang="en-GB"/>
-              <a:t>it branch</a:t>
+              <a:t>git branch</a:t>
             </a:r>
             <a:endParaRPr/>
           </a:p>
           <a:p>
-            <a:pPr indent="-311150" lvl="0" marL="457200" rtl="0">
+            <a:pPr marL="457200" lvl="0" indent="-311150" rtl="0">
               <a:spcBef>
                 <a:spcPts val="0"/>
               </a:spcBef>
@@ -11081,7 +11007,7 @@
             <a:endParaRPr/>
           </a:p>
           <a:p>
-            <a:pPr indent="-311150" lvl="0" marL="457200" rtl="0">
+            <a:pPr marL="457200" lvl="0" indent="-311150" rtl="0">
               <a:spcBef>
                 <a:spcPts val="0"/>
               </a:spcBef>
@@ -11098,7 +11024,7 @@
             <a:endParaRPr/>
           </a:p>
           <a:p>
-            <a:pPr indent="-311150" lvl="0" marL="457200">
+            <a:pPr marL="457200" lvl="0" indent="-311150">
               <a:spcBef>
                 <a:spcPts val="0"/>
               </a:spcBef>
@@ -11125,11 +11051,11 @@
 </file>
 
 <file path=ppt/slides/slide8.xml><?xml version="1.0" encoding="utf-8"?>
-<p:sld xmlns:a="http://schemas.openxmlformats.org/drawingml/2006/main" xmlns:r="http://schemas.openxmlformats.org/officeDocument/2006/relationships" xmlns:mc="http://schemas.openxmlformats.org/markup-compatibility/2006" xmlns:mv="urn:schemas-microsoft-com:mac:vml" xmlns:p="http://schemas.openxmlformats.org/presentationml/2006/main" xmlns:c="http://schemas.openxmlformats.org/drawingml/2006/chart" xmlns:dgm="http://schemas.openxmlformats.org/drawingml/2006/diagram" xmlns:o="urn:schemas-microsoft-com:office:office" xmlns:v="urn:schemas-microsoft-com:vml" xmlns:pvml="urn:schemas-microsoft-com:office:powerpoint" xmlns:com="http://schemas.openxmlformats.org/drawingml/2006/compatibility" xmlns:p14="http://schemas.microsoft.com/office/powerpoint/2010/main" xmlns:p15="http://schemas.microsoft.com/office/powerpoint/2012/main">
+<p:sld xmlns:a="http://schemas.openxmlformats.org/drawingml/2006/main" xmlns:r="http://schemas.openxmlformats.org/officeDocument/2006/relationships" xmlns:p="http://schemas.openxmlformats.org/presentationml/2006/main">
   <p:cSld>
     <p:spTree>
       <p:nvGrpSpPr>
-        <p:cNvPr id="180" name="Shape 180"/>
+        <p:cNvPr id="1" name="Shape 180"/>
         <p:cNvGrpSpPr/>
         <p:nvPr/>
       </p:nvGrpSpPr>
@@ -11144,7 +11070,9 @@
       <p:sp>
         <p:nvSpPr>
           <p:cNvPr id="181" name="Shape 181"/>
-          <p:cNvSpPr txBox="1"/>
+          <p:cNvSpPr txBox="1">
+            <a:spLocks noGrp="1"/>
+          </p:cNvSpPr>
           <p:nvPr>
             <p:ph type="title"/>
           </p:nvPr>
@@ -11159,12 +11087,12 @@
           </a:prstGeom>
         </p:spPr>
         <p:txBody>
-          <a:bodyPr anchorCtr="0" anchor="t" bIns="91425" lIns="91425" spcFirstLastPara="1" rIns="91425" wrap="square" tIns="91425">
+          <a:bodyPr spcFirstLastPara="1" wrap="square" lIns="91425" tIns="91425" rIns="91425" bIns="91425" anchor="t" anchorCtr="0">
             <a:noAutofit/>
           </a:bodyPr>
           <a:lstStyle/>
           <a:p>
-            <a:pPr indent="0" lvl="0" marL="0">
+            <a:pPr marL="0" lvl="0" indent="0">
               <a:spcBef>
                 <a:spcPts val="0"/>
               </a:spcBef>
@@ -11184,9 +11112,11 @@
       <p:sp>
         <p:nvSpPr>
           <p:cNvPr id="182" name="Shape 182"/>
-          <p:cNvSpPr txBox="1"/>
+          <p:cNvSpPr txBox="1">
+            <a:spLocks noGrp="1"/>
+          </p:cNvSpPr>
           <p:nvPr>
-            <p:ph idx="1" type="body"/>
+            <p:ph type="body" idx="1"/>
           </p:nvPr>
         </p:nvSpPr>
         <p:spPr>
@@ -11199,12 +11129,12 @@
           </a:prstGeom>
         </p:spPr>
         <p:txBody>
-          <a:bodyPr anchorCtr="0" anchor="t" bIns="91425" lIns="91425" spcFirstLastPara="1" rIns="91425" wrap="square" tIns="91425">
+          <a:bodyPr spcFirstLastPara="1" wrap="square" lIns="91425" tIns="91425" rIns="91425" bIns="91425" anchor="t" anchorCtr="0">
             <a:noAutofit/>
           </a:bodyPr>
           <a:lstStyle/>
           <a:p>
-            <a:pPr indent="-311150" lvl="0" marL="457200">
+            <a:pPr marL="457200" lvl="0" indent="-311150">
               <a:spcBef>
                 <a:spcPts val="0"/>
               </a:spcBef>
@@ -11226,7 +11156,7 @@
             <a:endParaRPr/>
           </a:p>
           <a:p>
-            <a:pPr indent="-311150" lvl="0" marL="457200" rtl="0">
+            <a:pPr marL="457200" lvl="0" indent="-311150" rtl="0">
               <a:spcBef>
                 <a:spcPts val="0"/>
               </a:spcBef>
@@ -11243,7 +11173,7 @@
             <a:endParaRPr/>
           </a:p>
           <a:p>
-            <a:pPr indent="-311150" lvl="0" marL="457200" rtl="0">
+            <a:pPr marL="457200" lvl="0" indent="-311150" rtl="0">
               <a:spcBef>
                 <a:spcPts val="0"/>
               </a:spcBef>
@@ -11270,11 +11200,11 @@
 </file>
 
 <file path=ppt/slides/slide9.xml><?xml version="1.0" encoding="utf-8"?>
-<p:sld xmlns:a="http://schemas.openxmlformats.org/drawingml/2006/main" xmlns:r="http://schemas.openxmlformats.org/officeDocument/2006/relationships" xmlns:mc="http://schemas.openxmlformats.org/markup-compatibility/2006" xmlns:mv="urn:schemas-microsoft-com:mac:vml" xmlns:p="http://schemas.openxmlformats.org/presentationml/2006/main" xmlns:c="http://schemas.openxmlformats.org/drawingml/2006/chart" xmlns:dgm="http://schemas.openxmlformats.org/drawingml/2006/diagram" xmlns:o="urn:schemas-microsoft-com:office:office" xmlns:v="urn:schemas-microsoft-com:vml" xmlns:pvml="urn:schemas-microsoft-com:office:powerpoint" xmlns:com="http://schemas.openxmlformats.org/drawingml/2006/compatibility" xmlns:p14="http://schemas.microsoft.com/office/powerpoint/2010/main" xmlns:p15="http://schemas.microsoft.com/office/powerpoint/2012/main">
+<p:sld xmlns:a="http://schemas.openxmlformats.org/drawingml/2006/main" xmlns:r="http://schemas.openxmlformats.org/officeDocument/2006/relationships" xmlns:p="http://schemas.openxmlformats.org/presentationml/2006/main">
   <p:cSld>
     <p:spTree>
       <p:nvGrpSpPr>
-        <p:cNvPr id="186" name="Shape 186"/>
+        <p:cNvPr id="1" name="Shape 186"/>
         <p:cNvGrpSpPr/>
         <p:nvPr/>
       </p:nvGrpSpPr>
@@ -11289,7 +11219,9 @@
       <p:sp>
         <p:nvSpPr>
           <p:cNvPr id="187" name="Shape 187"/>
-          <p:cNvSpPr txBox="1"/>
+          <p:cNvSpPr txBox="1">
+            <a:spLocks noGrp="1"/>
+          </p:cNvSpPr>
           <p:nvPr>
             <p:ph type="title"/>
           </p:nvPr>
@@ -11304,12 +11236,12 @@
           </a:prstGeom>
         </p:spPr>
         <p:txBody>
-          <a:bodyPr anchorCtr="0" anchor="t" bIns="91425" lIns="91425" spcFirstLastPara="1" rIns="91425" wrap="square" tIns="91425">
+          <a:bodyPr spcFirstLastPara="1" wrap="square" lIns="91425" tIns="91425" rIns="91425" bIns="91425" anchor="t" anchorCtr="0">
             <a:noAutofit/>
           </a:bodyPr>
           <a:lstStyle/>
           <a:p>
-            <a:pPr indent="0" lvl="0" marL="0" algn="ctr">
+            <a:pPr marL="0" lvl="0" indent="0" algn="ctr">
               <a:spcBef>
                 <a:spcPts val="0"/>
               </a:spcBef>
@@ -11335,7 +11267,288 @@
 </file>
 
 <file path=ppt/theme/theme1.xml><?xml version="1.0" encoding="utf-8"?>
-<a:theme xmlns:a="http://schemas.openxmlformats.org/drawingml/2006/main" xmlns:r="http://schemas.openxmlformats.org/officeDocument/2006/relationships">
+<a:theme xmlns:a="http://schemas.openxmlformats.org/drawingml/2006/main" name="Focus">
+  <a:themeElements>
+    <a:clrScheme name="Focus">
+      <a:dk1>
+        <a:srgbClr val="1B212C"/>
+      </a:dk1>
+      <a:lt1>
+        <a:srgbClr val="FFFFFF"/>
+      </a:lt1>
+      <a:dk2>
+        <a:srgbClr val="D9D9D9"/>
+      </a:dk2>
+      <a:lt2>
+        <a:srgbClr val="82C7A5"/>
+      </a:lt2>
+      <a:accent1>
+        <a:srgbClr val="0145AC"/>
+      </a:accent1>
+      <a:accent2>
+        <a:srgbClr val="EECE1A"/>
+      </a:accent2>
+      <a:accent3>
+        <a:srgbClr val="4E5567"/>
+      </a:accent3>
+      <a:accent4>
+        <a:srgbClr val="F4D6AD"/>
+      </a:accent4>
+      <a:accent5>
+        <a:srgbClr val="7890CD"/>
+      </a:accent5>
+      <a:accent6>
+        <a:srgbClr val="F15E22"/>
+      </a:accent6>
+      <a:hlink>
+        <a:srgbClr val="7890CD"/>
+      </a:hlink>
+      <a:folHlink>
+        <a:srgbClr val="7890CD"/>
+      </a:folHlink>
+    </a:clrScheme>
+    <a:fontScheme name="Office">
+      <a:majorFont>
+        <a:latin typeface="Arial"/>
+        <a:ea typeface=""/>
+        <a:cs typeface=""/>
+        <a:font script="Jpan" typeface="ＭＳ Ｐゴシック"/>
+        <a:font script="Hang" typeface="맑은 고딕"/>
+        <a:font script="Hans" typeface="宋体"/>
+        <a:font script="Hant" typeface="新細明體"/>
+        <a:font script="Arab" typeface="Times New Roman"/>
+        <a:font script="Hebr" typeface="Times New Roman"/>
+        <a:font script="Thai" typeface="Angsana New"/>
+        <a:font script="Ethi" typeface="Nyala"/>
+        <a:font script="Beng" typeface="Vrinda"/>
+        <a:font script="Gujr" typeface="Shruti"/>
+        <a:font script="Khmr" typeface="MoolBoran"/>
+        <a:font script="Knda" typeface="Tunga"/>
+        <a:font script="Guru" typeface="Raavi"/>
+        <a:font script="Cans" typeface="Euphemia"/>
+        <a:font script="Cher" typeface="Plantagenet Cherokee"/>
+        <a:font script="Yiii" typeface="Microsoft Yi Baiti"/>
+        <a:font script="Tibt" typeface="Microsoft Himalaya"/>
+        <a:font script="Thaa" typeface="MV Boli"/>
+        <a:font script="Deva" typeface="Mangal"/>
+        <a:font script="Telu" typeface="Gautami"/>
+        <a:font script="Taml" typeface="Latha"/>
+        <a:font script="Syrc" typeface="Estrangelo Edessa"/>
+        <a:font script="Orya" typeface="Kalinga"/>
+        <a:font script="Mlym" typeface="Kartika"/>
+        <a:font script="Laoo" typeface="DokChampa"/>
+        <a:font script="Sinh" typeface="Iskoola Pota"/>
+        <a:font script="Mong" typeface="Mongolian Baiti"/>
+        <a:font script="Viet" typeface="Times New Roman"/>
+        <a:font script="Uigh" typeface="Microsoft Uighur"/>
+        <a:font script="Geor" typeface="Sylfaen"/>
+      </a:majorFont>
+      <a:minorFont>
+        <a:latin typeface="Arial"/>
+        <a:ea typeface=""/>
+        <a:cs typeface=""/>
+        <a:font script="Jpan" typeface="ＭＳ Ｐゴシック"/>
+        <a:font script="Hang" typeface="맑은 고딕"/>
+        <a:font script="Hans" typeface="宋体"/>
+        <a:font script="Hant" typeface="新細明體"/>
+        <a:font script="Arab" typeface="Arial"/>
+        <a:font script="Hebr" typeface="Arial"/>
+        <a:font script="Thai" typeface="Cordia New"/>
+        <a:font script="Ethi" typeface="Nyala"/>
+        <a:font script="Beng" typeface="Vrinda"/>
+        <a:font script="Gujr" typeface="Shruti"/>
+        <a:font script="Khmr" typeface="DaunPenh"/>
+        <a:font script="Knda" typeface="Tunga"/>
+        <a:font script="Guru" typeface="Raavi"/>
+        <a:font script="Cans" typeface="Euphemia"/>
+        <a:font script="Cher" typeface="Plantagenet Cherokee"/>
+        <a:font script="Yiii" typeface="Microsoft Yi Baiti"/>
+        <a:font script="Tibt" typeface="Microsoft Himalaya"/>
+        <a:font script="Thaa" typeface="MV Boli"/>
+        <a:font script="Deva" typeface="Mangal"/>
+        <a:font script="Telu" typeface="Gautami"/>
+        <a:font script="Taml" typeface="Latha"/>
+        <a:font script="Syrc" typeface="Estrangelo Edessa"/>
+        <a:font script="Orya" typeface="Kalinga"/>
+        <a:font script="Mlym" typeface="Kartika"/>
+        <a:font script="Laoo" typeface="DokChampa"/>
+        <a:font script="Sinh" typeface="Iskoola Pota"/>
+        <a:font script="Mong" typeface="Mongolian Baiti"/>
+        <a:font script="Viet" typeface="Arial"/>
+        <a:font script="Uigh" typeface="Microsoft Uighur"/>
+        <a:font script="Geor" typeface="Sylfaen"/>
+      </a:minorFont>
+    </a:fontScheme>
+    <a:fmtScheme name="Office">
+      <a:fillStyleLst>
+        <a:solidFill>
+          <a:schemeClr val="phClr"/>
+        </a:solidFill>
+        <a:gradFill rotWithShape="1">
+          <a:gsLst>
+            <a:gs pos="0">
+              <a:schemeClr val="phClr">
+                <a:tint val="50000"/>
+                <a:satMod val="300000"/>
+              </a:schemeClr>
+            </a:gs>
+            <a:gs pos="35000">
+              <a:schemeClr val="phClr">
+                <a:tint val="37000"/>
+                <a:satMod val="300000"/>
+              </a:schemeClr>
+            </a:gs>
+            <a:gs pos="100000">
+              <a:schemeClr val="phClr">
+                <a:tint val="15000"/>
+                <a:satMod val="350000"/>
+              </a:schemeClr>
+            </a:gs>
+          </a:gsLst>
+          <a:lin ang="16200000" scaled="1"/>
+        </a:gradFill>
+        <a:gradFill rotWithShape="1">
+          <a:gsLst>
+            <a:gs pos="0">
+              <a:schemeClr val="phClr">
+                <a:tint val="100000"/>
+                <a:shade val="100000"/>
+                <a:satMod val="130000"/>
+              </a:schemeClr>
+            </a:gs>
+            <a:gs pos="100000">
+              <a:schemeClr val="phClr">
+                <a:tint val="50000"/>
+                <a:shade val="100000"/>
+                <a:satMod val="350000"/>
+              </a:schemeClr>
+            </a:gs>
+          </a:gsLst>
+          <a:lin ang="16200000" scaled="0"/>
+        </a:gradFill>
+      </a:fillStyleLst>
+      <a:lnStyleLst>
+        <a:ln w="9525" cap="flat" cmpd="sng" algn="ctr">
+          <a:solidFill>
+            <a:schemeClr val="phClr">
+              <a:shade val="95000"/>
+              <a:satMod val="105000"/>
+            </a:schemeClr>
+          </a:solidFill>
+          <a:prstDash val="solid"/>
+        </a:ln>
+        <a:ln w="25400" cap="flat" cmpd="sng" algn="ctr">
+          <a:solidFill>
+            <a:schemeClr val="phClr"/>
+          </a:solidFill>
+          <a:prstDash val="solid"/>
+        </a:ln>
+        <a:ln w="38100" cap="flat" cmpd="sng" algn="ctr">
+          <a:solidFill>
+            <a:schemeClr val="phClr"/>
+          </a:solidFill>
+          <a:prstDash val="solid"/>
+        </a:ln>
+      </a:lnStyleLst>
+      <a:effectStyleLst>
+        <a:effectStyle>
+          <a:effectLst>
+            <a:outerShdw blurRad="40000" dist="20000" dir="5400000" rotWithShape="0">
+              <a:srgbClr val="000000">
+                <a:alpha val="38000"/>
+              </a:srgbClr>
+            </a:outerShdw>
+          </a:effectLst>
+        </a:effectStyle>
+        <a:effectStyle>
+          <a:effectLst>
+            <a:outerShdw blurRad="40000" dist="23000" dir="5400000" rotWithShape="0">
+              <a:srgbClr val="000000">
+                <a:alpha val="35000"/>
+              </a:srgbClr>
+            </a:outerShdw>
+          </a:effectLst>
+        </a:effectStyle>
+        <a:effectStyle>
+          <a:effectLst>
+            <a:outerShdw blurRad="40000" dist="23000" dir="5400000" rotWithShape="0">
+              <a:srgbClr val="000000">
+                <a:alpha val="35000"/>
+              </a:srgbClr>
+            </a:outerShdw>
+          </a:effectLst>
+          <a:scene3d>
+            <a:camera prst="orthographicFront">
+              <a:rot lat="0" lon="0" rev="0"/>
+            </a:camera>
+            <a:lightRig rig="threePt" dir="t">
+              <a:rot lat="0" lon="0" rev="1200000"/>
+            </a:lightRig>
+          </a:scene3d>
+          <a:sp3d>
+            <a:bevelT w="63500" h="25400"/>
+          </a:sp3d>
+        </a:effectStyle>
+      </a:effectStyleLst>
+      <a:bgFillStyleLst>
+        <a:solidFill>
+          <a:schemeClr val="phClr"/>
+        </a:solidFill>
+        <a:gradFill rotWithShape="1">
+          <a:gsLst>
+            <a:gs pos="0">
+              <a:schemeClr val="phClr">
+                <a:tint val="40000"/>
+                <a:satMod val="350000"/>
+              </a:schemeClr>
+            </a:gs>
+            <a:gs pos="40000">
+              <a:schemeClr val="phClr">
+                <a:tint val="45000"/>
+                <a:shade val="99000"/>
+                <a:satMod val="350000"/>
+              </a:schemeClr>
+            </a:gs>
+            <a:gs pos="100000">
+              <a:schemeClr val="phClr">
+                <a:shade val="20000"/>
+                <a:satMod val="255000"/>
+              </a:schemeClr>
+            </a:gs>
+          </a:gsLst>
+          <a:path path="circle">
+            <a:fillToRect l="50000" t="-80000" r="50000" b="180000"/>
+          </a:path>
+        </a:gradFill>
+        <a:gradFill rotWithShape="1">
+          <a:gsLst>
+            <a:gs pos="0">
+              <a:schemeClr val="phClr">
+                <a:tint val="80000"/>
+                <a:satMod val="300000"/>
+              </a:schemeClr>
+            </a:gs>
+            <a:gs pos="100000">
+              <a:schemeClr val="phClr">
+                <a:shade val="30000"/>
+                <a:satMod val="200000"/>
+              </a:schemeClr>
+            </a:gs>
+          </a:gsLst>
+          <a:path path="circle">
+            <a:fillToRect l="50000" t="50000" r="50000" b="50000"/>
+          </a:path>
+        </a:gradFill>
+      </a:bgFillStyleLst>
+    </a:fmtScheme>
+  </a:themeElements>
+  <a:objectDefaults/>
+  <a:extraClrSchemeLst/>
+</a:theme>
+</file>
+
+<file path=ppt/theme/theme2.xml><?xml version="1.0" encoding="utf-8"?>
+<a:theme xmlns:a="http://schemas.openxmlformats.org/drawingml/2006/main">
   <a:themeElements>
     <a:clrScheme name="Default">
       <a:dk1>
@@ -11610,284 +11823,7 @@
       </a:bgFillStyleLst>
     </a:fmtScheme>
   </a:themeElements>
-</a:theme>
-</file>
-
-<file path=ppt/theme/theme2.xml><?xml version="1.0" encoding="utf-8"?>
-<a:theme xmlns:a="http://schemas.openxmlformats.org/drawingml/2006/main" xmlns:r="http://schemas.openxmlformats.org/officeDocument/2006/relationships" name="Focus">
-  <a:themeElements>
-    <a:clrScheme name="Focus">
-      <a:dk1>
-        <a:srgbClr val="1B212C"/>
-      </a:dk1>
-      <a:lt1>
-        <a:srgbClr val="FFFFFF"/>
-      </a:lt1>
-      <a:dk2>
-        <a:srgbClr val="D9D9D9"/>
-      </a:dk2>
-      <a:lt2>
-        <a:srgbClr val="82C7A5"/>
-      </a:lt2>
-      <a:accent1>
-        <a:srgbClr val="0145AC"/>
-      </a:accent1>
-      <a:accent2>
-        <a:srgbClr val="EECE1A"/>
-      </a:accent2>
-      <a:accent3>
-        <a:srgbClr val="4E5567"/>
-      </a:accent3>
-      <a:accent4>
-        <a:srgbClr val="F4D6AD"/>
-      </a:accent4>
-      <a:accent5>
-        <a:srgbClr val="7890CD"/>
-      </a:accent5>
-      <a:accent6>
-        <a:srgbClr val="F15E22"/>
-      </a:accent6>
-      <a:hlink>
-        <a:srgbClr val="7890CD"/>
-      </a:hlink>
-      <a:folHlink>
-        <a:srgbClr val="7890CD"/>
-      </a:folHlink>
-    </a:clrScheme>
-    <a:fontScheme name="Office">
-      <a:majorFont>
-        <a:latin typeface="Arial"/>
-        <a:ea typeface=""/>
-        <a:cs typeface=""/>
-        <a:font script="Jpan" typeface="ＭＳ Ｐゴシック"/>
-        <a:font script="Hang" typeface="맑은 고딕"/>
-        <a:font script="Hans" typeface="宋体"/>
-        <a:font script="Hant" typeface="新細明體"/>
-        <a:font script="Arab" typeface="Times New Roman"/>
-        <a:font script="Hebr" typeface="Times New Roman"/>
-        <a:font script="Thai" typeface="Angsana New"/>
-        <a:font script="Ethi" typeface="Nyala"/>
-        <a:font script="Beng" typeface="Vrinda"/>
-        <a:font script="Gujr" typeface="Shruti"/>
-        <a:font script="Khmr" typeface="MoolBoran"/>
-        <a:font script="Knda" typeface="Tunga"/>
-        <a:font script="Guru" typeface="Raavi"/>
-        <a:font script="Cans" typeface="Euphemia"/>
-        <a:font script="Cher" typeface="Plantagenet Cherokee"/>
-        <a:font script="Yiii" typeface="Microsoft Yi Baiti"/>
-        <a:font script="Tibt" typeface="Microsoft Himalaya"/>
-        <a:font script="Thaa" typeface="MV Boli"/>
-        <a:font script="Deva" typeface="Mangal"/>
-        <a:font script="Telu" typeface="Gautami"/>
-        <a:font script="Taml" typeface="Latha"/>
-        <a:font script="Syrc" typeface="Estrangelo Edessa"/>
-        <a:font script="Orya" typeface="Kalinga"/>
-        <a:font script="Mlym" typeface="Kartika"/>
-        <a:font script="Laoo" typeface="DokChampa"/>
-        <a:font script="Sinh" typeface="Iskoola Pota"/>
-        <a:font script="Mong" typeface="Mongolian Baiti"/>
-        <a:font script="Viet" typeface="Times New Roman"/>
-        <a:font script="Uigh" typeface="Microsoft Uighur"/>
-        <a:font script="Geor" typeface="Sylfaen"/>
-      </a:majorFont>
-      <a:minorFont>
-        <a:latin typeface="Arial"/>
-        <a:ea typeface=""/>
-        <a:cs typeface=""/>
-        <a:font script="Jpan" typeface="ＭＳ Ｐゴシック"/>
-        <a:font script="Hang" typeface="맑은 고딕"/>
-        <a:font script="Hans" typeface="宋体"/>
-        <a:font script="Hant" typeface="新細明體"/>
-        <a:font script="Arab" typeface="Arial"/>
-        <a:font script="Hebr" typeface="Arial"/>
-        <a:font script="Thai" typeface="Cordia New"/>
-        <a:font script="Ethi" typeface="Nyala"/>
-        <a:font script="Beng" typeface="Vrinda"/>
-        <a:font script="Gujr" typeface="Shruti"/>
-        <a:font script="Khmr" typeface="DaunPenh"/>
-        <a:font script="Knda" typeface="Tunga"/>
-        <a:font script="Guru" typeface="Raavi"/>
-        <a:font script="Cans" typeface="Euphemia"/>
-        <a:font script="Cher" typeface="Plantagenet Cherokee"/>
-        <a:font script="Yiii" typeface="Microsoft Yi Baiti"/>
-        <a:font script="Tibt" typeface="Microsoft Himalaya"/>
-        <a:font script="Thaa" typeface="MV Boli"/>
-        <a:font script="Deva" typeface="Mangal"/>
-        <a:font script="Telu" typeface="Gautami"/>
-        <a:font script="Taml" typeface="Latha"/>
-        <a:font script="Syrc" typeface="Estrangelo Edessa"/>
-        <a:font script="Orya" typeface="Kalinga"/>
-        <a:font script="Mlym" typeface="Kartika"/>
-        <a:font script="Laoo" typeface="DokChampa"/>
-        <a:font script="Sinh" typeface="Iskoola Pota"/>
-        <a:font script="Mong" typeface="Mongolian Baiti"/>
-        <a:font script="Viet" typeface="Arial"/>
-        <a:font script="Uigh" typeface="Microsoft Uighur"/>
-        <a:font script="Geor" typeface="Sylfaen"/>
-      </a:minorFont>
-    </a:fontScheme>
-    <a:fmtScheme name="Office">
-      <a:fillStyleLst>
-        <a:solidFill>
-          <a:schemeClr val="phClr"/>
-        </a:solidFill>
-        <a:gradFill rotWithShape="1">
-          <a:gsLst>
-            <a:gs pos="0">
-              <a:schemeClr val="phClr">
-                <a:tint val="50000"/>
-                <a:satMod val="300000"/>
-              </a:schemeClr>
-            </a:gs>
-            <a:gs pos="35000">
-              <a:schemeClr val="phClr">
-                <a:tint val="37000"/>
-                <a:satMod val="300000"/>
-              </a:schemeClr>
-            </a:gs>
-            <a:gs pos="100000">
-              <a:schemeClr val="phClr">
-                <a:tint val="15000"/>
-                <a:satMod val="350000"/>
-              </a:schemeClr>
-            </a:gs>
-          </a:gsLst>
-          <a:lin ang="16200000" scaled="1"/>
-        </a:gradFill>
-        <a:gradFill rotWithShape="1">
-          <a:gsLst>
-            <a:gs pos="0">
-              <a:schemeClr val="phClr">
-                <a:tint val="100000"/>
-                <a:shade val="100000"/>
-                <a:satMod val="130000"/>
-              </a:schemeClr>
-            </a:gs>
-            <a:gs pos="100000">
-              <a:schemeClr val="phClr">
-                <a:tint val="50000"/>
-                <a:shade val="100000"/>
-                <a:satMod val="350000"/>
-              </a:schemeClr>
-            </a:gs>
-          </a:gsLst>
-          <a:lin ang="16200000" scaled="0"/>
-        </a:gradFill>
-      </a:fillStyleLst>
-      <a:lnStyleLst>
-        <a:ln w="9525" cap="flat" cmpd="sng" algn="ctr">
-          <a:solidFill>
-            <a:schemeClr val="phClr">
-              <a:shade val="95000"/>
-              <a:satMod val="105000"/>
-            </a:schemeClr>
-          </a:solidFill>
-          <a:prstDash val="solid"/>
-        </a:ln>
-        <a:ln w="25400" cap="flat" cmpd="sng" algn="ctr">
-          <a:solidFill>
-            <a:schemeClr val="phClr"/>
-          </a:solidFill>
-          <a:prstDash val="solid"/>
-        </a:ln>
-        <a:ln w="38100" cap="flat" cmpd="sng" algn="ctr">
-          <a:solidFill>
-            <a:schemeClr val="phClr"/>
-          </a:solidFill>
-          <a:prstDash val="solid"/>
-        </a:ln>
-      </a:lnStyleLst>
-      <a:effectStyleLst>
-        <a:effectStyle>
-          <a:effectLst>
-            <a:outerShdw blurRad="40000" dist="20000" dir="5400000" rotWithShape="0">
-              <a:srgbClr val="000000">
-                <a:alpha val="38000"/>
-              </a:srgbClr>
-            </a:outerShdw>
-          </a:effectLst>
-        </a:effectStyle>
-        <a:effectStyle>
-          <a:effectLst>
-            <a:outerShdw blurRad="40000" dist="23000" dir="5400000" rotWithShape="0">
-              <a:srgbClr val="000000">
-                <a:alpha val="35000"/>
-              </a:srgbClr>
-            </a:outerShdw>
-          </a:effectLst>
-        </a:effectStyle>
-        <a:effectStyle>
-          <a:effectLst>
-            <a:outerShdw blurRad="40000" dist="23000" dir="5400000" rotWithShape="0">
-              <a:srgbClr val="000000">
-                <a:alpha val="35000"/>
-              </a:srgbClr>
-            </a:outerShdw>
-          </a:effectLst>
-          <a:scene3d>
-            <a:camera prst="orthographicFront">
-              <a:rot lat="0" lon="0" rev="0"/>
-            </a:camera>
-            <a:lightRig rig="threePt" dir="t">
-              <a:rot lat="0" lon="0" rev="1200000"/>
-            </a:lightRig>
-          </a:scene3d>
-          <a:sp3d>
-            <a:bevelT w="63500" h="25400"/>
-          </a:sp3d>
-        </a:effectStyle>
-      </a:effectStyleLst>
-      <a:bgFillStyleLst>
-        <a:solidFill>
-          <a:schemeClr val="phClr"/>
-        </a:solidFill>
-        <a:gradFill rotWithShape="1">
-          <a:gsLst>
-            <a:gs pos="0">
-              <a:schemeClr val="phClr">
-                <a:tint val="40000"/>
-                <a:satMod val="350000"/>
-              </a:schemeClr>
-            </a:gs>
-            <a:gs pos="40000">
-              <a:schemeClr val="phClr">
-                <a:tint val="45000"/>
-                <a:shade val="99000"/>
-                <a:satMod val="350000"/>
-              </a:schemeClr>
-            </a:gs>
-            <a:gs pos="100000">
-              <a:schemeClr val="phClr">
-                <a:shade val="20000"/>
-                <a:satMod val="255000"/>
-              </a:schemeClr>
-            </a:gs>
-          </a:gsLst>
-          <a:path path="circle">
-            <a:fillToRect l="50000" t="-80000" r="50000" b="180000"/>
-          </a:path>
-        </a:gradFill>
-        <a:gradFill rotWithShape="1">
-          <a:gsLst>
-            <a:gs pos="0">
-              <a:schemeClr val="phClr">
-                <a:tint val="80000"/>
-                <a:satMod val="300000"/>
-              </a:schemeClr>
-            </a:gs>
-            <a:gs pos="100000">
-              <a:schemeClr val="phClr">
-                <a:shade val="30000"/>
-                <a:satMod val="200000"/>
-              </a:schemeClr>
-            </a:gs>
-          </a:gsLst>
-          <a:path path="circle">
-            <a:fillToRect l="50000" t="50000" r="50000" b="50000"/>
-          </a:path>
-        </a:gradFill>
-      </a:bgFillStyleLst>
-    </a:fmtScheme>
-  </a:themeElements>
+  <a:objectDefaults/>
+  <a:extraClrSchemeLst/>
 </a:theme>
 </file>